--- a/MTech_Project_PPTltim.pptx
+++ b/MTech_Project_PPTltim.pptx
@@ -8,12 +8,20 @@
     <p:sldId id="2147470489" r:id="rId2"/>
     <p:sldId id="2147470492" r:id="rId3"/>
     <p:sldId id="2147470493" r:id="rId4"/>
-    <p:sldId id="2147470494" r:id="rId5"/>
-    <p:sldId id="2147470495" r:id="rId6"/>
-    <p:sldId id="2147470496" r:id="rId7"/>
-    <p:sldId id="2147470497" r:id="rId8"/>
-    <p:sldId id="2147470491" r:id="rId9"/>
-    <p:sldId id="2147470487" r:id="rId10"/>
+    <p:sldId id="2147470495" r:id="rId5"/>
+    <p:sldId id="2147470507" r:id="rId6"/>
+    <p:sldId id="2147470498" r:id="rId7"/>
+    <p:sldId id="2147470504" r:id="rId8"/>
+    <p:sldId id="2147470499" r:id="rId9"/>
+    <p:sldId id="2147470500" r:id="rId10"/>
+    <p:sldId id="2147470502" r:id="rId11"/>
+    <p:sldId id="2147470496" r:id="rId12"/>
+    <p:sldId id="2147470505" r:id="rId13"/>
+    <p:sldId id="2147470506" r:id="rId14"/>
+    <p:sldId id="2147470497" r:id="rId15"/>
+    <p:sldId id="2147470508" r:id="rId16"/>
+    <p:sldId id="2147470491" r:id="rId17"/>
+    <p:sldId id="2147470487" r:id="rId18"/>
   </p:sldIdLst>
   <p:sldSz cx="12192000" cy="6858000"/>
   <p:notesSz cx="6858000" cy="9144000"/>
@@ -4075,7 +4083,7 @@
 </p:sld>
 </file>
 
-<file path=ppt/slides/slide2.xml><?xml version="1.0" encoding="utf-8"?>
+<file path=ppt/slides/slide10.xml><?xml version="1.0" encoding="utf-8"?>
 <p:sld xmlns:a="http://schemas.openxmlformats.org/drawingml/2006/main" xmlns:r="http://schemas.openxmlformats.org/officeDocument/2006/relationships" xmlns:p="http://schemas.openxmlformats.org/presentationml/2006/main">
   <p:cSld>
     <p:spTree>
@@ -4083,7 +4091,7 @@
         <p:cNvPr id="1" name="">
           <a:extLst>
             <a:ext uri="{FF2B5EF4-FFF2-40B4-BE49-F238E27FC236}">
-              <a16:creationId xmlns:a16="http://schemas.microsoft.com/office/drawing/2014/main" id="{13318EFD-13D1-118F-A8E4-F9E2D3695A6C}"/>
+              <a16:creationId xmlns:a16="http://schemas.microsoft.com/office/drawing/2014/main" id="{4248E5DE-E5BF-CD2C-0317-1E716C71A0A8}"/>
             </a:ext>
           </a:extLst>
         </p:cNvPr>
@@ -4100,87 +4108,10 @@
       </p:grpSpPr>
       <p:sp>
         <p:nvSpPr>
-          <p:cNvPr id="2" name="Text Placeholder 1">
-            <a:extLst>
-              <a:ext uri="{FF2B5EF4-FFF2-40B4-BE49-F238E27FC236}">
-                <a16:creationId xmlns:a16="http://schemas.microsoft.com/office/drawing/2014/main" id="{67726612-73E0-5A94-F635-3A742DD5BA94}"/>
-              </a:ext>
-            </a:extLst>
-          </p:cNvPr>
-          <p:cNvSpPr>
-            <a:spLocks noGrp="1"/>
-          </p:cNvSpPr>
-          <p:nvPr>
-            <p:ph type="body" sz="quarter" idx="13"/>
-          </p:nvPr>
-        </p:nvSpPr>
-        <p:spPr>
-          <a:xfrm>
-            <a:off x="255996" y="1271219"/>
-            <a:ext cx="10624338" cy="4142989"/>
-          </a:xfrm>
-        </p:spPr>
-        <p:txBody>
-          <a:bodyPr/>
-          <a:lstStyle/>
-          <a:p>
-            <a:pPr lvl="1"/>
-            <a:endParaRPr lang="en-US" b="1" dirty="0"/>
-          </a:p>
-          <a:p>
-            <a:pPr lvl="1"/>
-            <a:r>
-              <a:rPr lang="en-US" b="1" dirty="0"/>
-              <a:t>Problem</a:t>
-            </a:r>
-            <a:r>
-              <a:rPr lang="en-US" dirty="0"/>
-              <a:t>: The global rise in diabetes cases presents a significant healthcare challenge. Early diagnosis and proactive management are crucial to prevent severe complications.</a:t>
-            </a:r>
-          </a:p>
-          <a:p>
-            <a:pPr lvl="1"/>
-            <a:r>
-              <a:rPr lang="en-US" b="1" dirty="0"/>
-              <a:t>Our Mission</a:t>
-            </a:r>
-            <a:r>
-              <a:rPr lang="en-US" dirty="0"/>
-              <a:t>: To create a comprehensive, AI-powered system that not only predicts diabetes risk but also empowers users with personalized lifestyle management tools.</a:t>
-            </a:r>
-          </a:p>
-          <a:p>
-            <a:pPr lvl="1"/>
-            <a:r>
-              <a:rPr lang="en-US" b="1" dirty="0"/>
-              <a:t>Impact</a:t>
-            </a:r>
-            <a:r>
-              <a:rPr lang="en-US" dirty="0"/>
-              <a:t>: Shifting from reactive treatment to a proactive, predictive healthcare model.</a:t>
-            </a:r>
-          </a:p>
-          <a:p>
-            <a:pPr marL="0" indent="0">
-              <a:lnSpc>
-                <a:spcPct val="150000"/>
-              </a:lnSpc>
-              <a:buNone/>
-            </a:pPr>
-            <a:endParaRPr lang="en-US" sz="2400" b="0" dirty="0">
-              <a:solidFill>
-                <a:srgbClr val="5583D1"/>
-              </a:solidFill>
-            </a:endParaRPr>
-          </a:p>
-        </p:txBody>
-      </p:sp>
-      <p:sp>
-        <p:nvSpPr>
           <p:cNvPr id="3" name="TextBox 2">
             <a:extLst>
               <a:ext uri="{FF2B5EF4-FFF2-40B4-BE49-F238E27FC236}">
-                <a16:creationId xmlns:a16="http://schemas.microsoft.com/office/drawing/2014/main" id="{AB4E3812-AF2F-9DD8-6ECF-C3425146B38F}"/>
+                <a16:creationId xmlns:a16="http://schemas.microsoft.com/office/drawing/2014/main" id="{0EE52A1B-7127-E76F-BD29-9F0D0B6CD499}"/>
               </a:ext>
             </a:extLst>
           </p:cNvPr>
@@ -4237,7 +4168,7 @@
                 <a:ea typeface="+mn-ea"/>
                 <a:cs typeface="+mn-cs"/>
               </a:rPr>
-              <a:t>Introduction…. Calibri body -36</a:t>
+              <a:t>Literature Review…. Calibri body -36</a:t>
             </a:r>
           </a:p>
         </p:txBody>
@@ -4247,7 +4178,7 @@
           <p:cNvPr id="5" name="Straight Connector 4">
             <a:extLst>
               <a:ext uri="{FF2B5EF4-FFF2-40B4-BE49-F238E27FC236}">
-                <a16:creationId xmlns:a16="http://schemas.microsoft.com/office/drawing/2014/main" id="{A295426A-3395-FE92-30C7-C8A6AC62DE62}"/>
+                <a16:creationId xmlns:a16="http://schemas.microsoft.com/office/drawing/2014/main" id="{2FA0D922-B7C0-D43A-8182-8E42F5031DFC}"/>
               </a:ext>
             </a:extLst>
           </p:cNvPr>
@@ -4290,7 +4221,7 @@
           <p:cNvPr id="4" name="TextBox 3">
             <a:extLst>
               <a:ext uri="{FF2B5EF4-FFF2-40B4-BE49-F238E27FC236}">
-                <a16:creationId xmlns:a16="http://schemas.microsoft.com/office/drawing/2014/main" id="{2D91B1D4-191E-E882-BD37-9FBAED57B57F}"/>
+                <a16:creationId xmlns:a16="http://schemas.microsoft.com/office/drawing/2014/main" id="{9C65800F-3846-312F-7849-FFB218F787F9}"/>
               </a:ext>
             </a:extLst>
           </p:cNvPr>
@@ -4329,774 +4260,523 @@
           </a:p>
         </p:txBody>
       </p:sp>
+      <p:graphicFrame>
+        <p:nvGraphicFramePr>
+          <p:cNvPr id="7" name="Table 6">
+            <a:extLst>
+              <a:ext uri="{FF2B5EF4-FFF2-40B4-BE49-F238E27FC236}">
+                <a16:creationId xmlns:a16="http://schemas.microsoft.com/office/drawing/2014/main" id="{73D70011-4220-4567-4F34-54913250B943}"/>
+              </a:ext>
+            </a:extLst>
+          </p:cNvPr>
+          <p:cNvGraphicFramePr>
+            <a:graphicFrameLocks noGrp="1"/>
+          </p:cNvGraphicFramePr>
+          <p:nvPr>
+            <p:extLst>
+              <p:ext uri="{D42A27DB-BD31-4B8C-83A1-F6EECF244321}">
+                <p14:modId xmlns:p14="http://schemas.microsoft.com/office/powerpoint/2010/main" val="3742755100"/>
+              </p:ext>
+            </p:extLst>
+          </p:nvPr>
+        </p:nvGraphicFramePr>
+        <p:xfrm>
+          <a:off x="405353" y="1443792"/>
+          <a:ext cx="11415859" cy="5302123"/>
+        </p:xfrm>
+        <a:graphic>
+          <a:graphicData uri="http://schemas.openxmlformats.org/drawingml/2006/table">
+            <a:tbl>
+              <a:tblPr firstRow="1" bandRow="1">
+                <a:tableStyleId>{5940675A-B579-460E-94D1-54222C63F5DA}</a:tableStyleId>
+              </a:tblPr>
+              <a:tblGrid>
+                <a:gridCol w="2583967">
+                  <a:extLst>
+                    <a:ext uri="{9D8B030D-6E8A-4147-A177-3AD203B41FA5}">
+                      <a16:colId xmlns:a16="http://schemas.microsoft.com/office/drawing/2014/main" val="2054719582"/>
+                    </a:ext>
+                  </a:extLst>
+                </a:gridCol>
+                <a:gridCol w="4697801">
+                  <a:extLst>
+                    <a:ext uri="{9D8B030D-6E8A-4147-A177-3AD203B41FA5}">
+                      <a16:colId xmlns:a16="http://schemas.microsoft.com/office/drawing/2014/main" val="3263257136"/>
+                    </a:ext>
+                  </a:extLst>
+                </a:gridCol>
+                <a:gridCol w="4134091">
+                  <a:extLst>
+                    <a:ext uri="{9D8B030D-6E8A-4147-A177-3AD203B41FA5}">
+                      <a16:colId xmlns:a16="http://schemas.microsoft.com/office/drawing/2014/main" val="2905125192"/>
+                    </a:ext>
+                  </a:extLst>
+                </a:gridCol>
+              </a:tblGrid>
+              <a:tr h="547243">
+                <a:tc>
+                  <a:txBody>
+                    <a:bodyPr/>
+                    <a:lstStyle/>
+                    <a:p>
+                      <a:r>
+                        <a:rPr lang="en-IN" dirty="0"/>
+                        <a:t>TITLE</a:t>
+                      </a:r>
+                    </a:p>
+                  </a:txBody>
+                  <a:tcPr/>
+                </a:tc>
+                <a:tc>
+                  <a:txBody>
+                    <a:bodyPr/>
+                    <a:lstStyle/>
+                    <a:p>
+                      <a:r>
+                        <a:rPr lang="en-IN" dirty="0"/>
+                        <a:t>Methodology</a:t>
+                      </a:r>
+                    </a:p>
+                  </a:txBody>
+                  <a:tcPr/>
+                </a:tc>
+                <a:tc>
+                  <a:txBody>
+                    <a:bodyPr/>
+                    <a:lstStyle/>
+                    <a:p>
+                      <a:r>
+                        <a:rPr lang="en-IN" dirty="0"/>
+                        <a:t>Inference</a:t>
+                      </a:r>
+                    </a:p>
+                  </a:txBody>
+                  <a:tcPr/>
+                </a:tc>
+                <a:extLst>
+                  <a:ext uri="{0D108BD9-81ED-4DB2-BD59-A6C34878D82A}">
+                    <a16:rowId xmlns:a16="http://schemas.microsoft.com/office/drawing/2014/main" val="972006589"/>
+                  </a:ext>
+                </a:extLst>
+              </a:tr>
+              <a:tr h="3608487">
+                <a:tc>
+                  <a:txBody>
+                    <a:bodyPr/>
+                    <a:lstStyle/>
+                    <a:p>
+                      <a:r>
+                        <a:rPr lang="en-IN" sz="1800" b="1" i="0" kern="1200" dirty="0">
+                          <a:solidFill>
+                            <a:schemeClr val="tx1"/>
+                          </a:solidFill>
+                          <a:effectLst/>
+                          <a:latin typeface="+mn-lt"/>
+                          <a:ea typeface="+mn-ea"/>
+                          <a:cs typeface="+mn-cs"/>
+                        </a:rPr>
+                        <a:t>Personalized Diabetes Suggestion Using ML Algorithms and Cloud Technology</a:t>
+                      </a:r>
+                      <a:br>
+                        <a:rPr lang="en-IN" dirty="0"/>
+                      </a:br>
+                      <a:r>
+                        <a:rPr lang="en-IN" sz="1800" b="1" i="0" kern="1200" dirty="0">
+                          <a:solidFill>
+                            <a:schemeClr val="tx1"/>
+                          </a:solidFill>
+                          <a:effectLst/>
+                          <a:latin typeface="+mn-lt"/>
+                          <a:ea typeface="+mn-ea"/>
+                          <a:cs typeface="+mn-cs"/>
+                        </a:rPr>
+                        <a:t>Year:</a:t>
+                      </a:r>
+                      <a:r>
+                        <a:rPr lang="en-IN" sz="1800" b="0" i="0" kern="1200" dirty="0">
+                          <a:solidFill>
+                            <a:schemeClr val="tx1"/>
+                          </a:solidFill>
+                          <a:effectLst/>
+                          <a:latin typeface="+mn-lt"/>
+                          <a:ea typeface="+mn-ea"/>
+                          <a:cs typeface="+mn-cs"/>
+                        </a:rPr>
+                        <a:t> 2024</a:t>
+                      </a:r>
+                      <a:br>
+                        <a:rPr lang="en-IN" dirty="0"/>
+                      </a:br>
+                      <a:r>
+                        <a:rPr lang="en-IN" sz="1800" b="1" i="0" kern="1200" dirty="0">
+                          <a:solidFill>
+                            <a:schemeClr val="tx1"/>
+                          </a:solidFill>
+                          <a:effectLst/>
+                          <a:latin typeface="+mn-lt"/>
+                          <a:ea typeface="+mn-ea"/>
+                          <a:cs typeface="+mn-cs"/>
+                        </a:rPr>
+                        <a:t>By:</a:t>
+                      </a:r>
+                      <a:r>
+                        <a:rPr lang="en-IN" sz="1800" b="0" i="0" kern="1200" dirty="0">
+                          <a:solidFill>
+                            <a:schemeClr val="tx1"/>
+                          </a:solidFill>
+                          <a:effectLst/>
+                          <a:latin typeface="+mn-lt"/>
+                          <a:ea typeface="+mn-ea"/>
+                          <a:cs typeface="+mn-cs"/>
+                        </a:rPr>
+                        <a:t> Vura Venkata Naga Sai Bhargav Rohith, Sathwik </a:t>
+                      </a:r>
+                      <a:r>
+                        <a:rPr lang="en-IN" sz="1800" b="0" i="0" kern="1200" dirty="0" err="1">
+                          <a:solidFill>
+                            <a:schemeClr val="tx1"/>
+                          </a:solidFill>
+                          <a:effectLst/>
+                          <a:latin typeface="+mn-lt"/>
+                          <a:ea typeface="+mn-ea"/>
+                          <a:cs typeface="+mn-cs"/>
+                        </a:rPr>
+                        <a:t>kumar</a:t>
+                      </a:r>
+                      <a:r>
+                        <a:rPr lang="en-IN" sz="1800" b="0" i="0" kern="1200" dirty="0">
+                          <a:solidFill>
+                            <a:schemeClr val="tx1"/>
+                          </a:solidFill>
+                          <a:effectLst/>
+                          <a:latin typeface="+mn-lt"/>
+                          <a:ea typeface="+mn-ea"/>
+                          <a:cs typeface="+mn-cs"/>
+                        </a:rPr>
+                        <a:t> </a:t>
+                      </a:r>
+                      <a:r>
+                        <a:rPr lang="en-IN" sz="1800" b="0" i="0" kern="1200" dirty="0" err="1">
+                          <a:solidFill>
+                            <a:schemeClr val="tx1"/>
+                          </a:solidFill>
+                          <a:effectLst/>
+                          <a:latin typeface="+mn-lt"/>
+                          <a:ea typeface="+mn-ea"/>
+                          <a:cs typeface="+mn-cs"/>
+                        </a:rPr>
+                        <a:t>Rudroju</a:t>
+                      </a:r>
+                      <a:r>
+                        <a:rPr lang="en-IN" sz="1800" b="0" i="0" kern="1200" dirty="0">
+                          <a:solidFill>
+                            <a:schemeClr val="tx1"/>
+                          </a:solidFill>
+                          <a:effectLst/>
+                          <a:latin typeface="+mn-lt"/>
+                          <a:ea typeface="+mn-ea"/>
+                          <a:cs typeface="+mn-cs"/>
+                        </a:rPr>
+                        <a:t>, Satya Chetan </a:t>
+                      </a:r>
+                      <a:r>
+                        <a:rPr lang="en-IN" sz="1800" b="0" i="0" kern="1200" dirty="0" err="1">
+                          <a:solidFill>
+                            <a:schemeClr val="tx1"/>
+                          </a:solidFill>
+                          <a:effectLst/>
+                          <a:latin typeface="+mn-lt"/>
+                          <a:ea typeface="+mn-ea"/>
+                          <a:cs typeface="+mn-cs"/>
+                        </a:rPr>
+                        <a:t>Kamisetty</a:t>
+                      </a:r>
+                      <a:r>
+                        <a:rPr lang="en-IN" sz="1800" b="0" i="0" kern="1200" dirty="0">
+                          <a:solidFill>
+                            <a:schemeClr val="tx1"/>
+                          </a:solidFill>
+                          <a:effectLst/>
+                          <a:latin typeface="+mn-lt"/>
+                          <a:ea typeface="+mn-ea"/>
+                          <a:cs typeface="+mn-cs"/>
+                        </a:rPr>
+                        <a:t>, P Balamurugan</a:t>
+                      </a:r>
+                      <a:endParaRPr lang="en-IN" dirty="0"/>
+                    </a:p>
+                  </a:txBody>
+                  <a:tcPr/>
+                </a:tc>
+                <a:tc>
+                  <a:txBody>
+                    <a:bodyPr/>
+                    <a:lstStyle/>
+                    <a:p>
+                      <a:r>
+                        <a:rPr lang="en-IN" sz="1800" b="1" i="0" kern="1200" dirty="0">
+                          <a:solidFill>
+                            <a:schemeClr val="tx1"/>
+                          </a:solidFill>
+                          <a:effectLst/>
+                          <a:latin typeface="+mn-lt"/>
+                          <a:ea typeface="+mn-ea"/>
+                          <a:cs typeface="+mn-cs"/>
+                        </a:rPr>
+                        <a:t>Algorithms:</a:t>
+                      </a:r>
+                      <a:r>
+                        <a:rPr lang="en-IN" sz="1800" b="0" i="0" kern="1200" dirty="0">
+                          <a:solidFill>
+                            <a:schemeClr val="tx1"/>
+                          </a:solidFill>
+                          <a:effectLst/>
+                          <a:latin typeface="+mn-lt"/>
+                          <a:ea typeface="+mn-ea"/>
+                          <a:cs typeface="+mn-cs"/>
+                        </a:rPr>
+                        <a:t> Employs SVM, ANN, Decision Tree, and an Ensemble classifier on the PIMA Indian Diabetes dataset.</a:t>
+                      </a:r>
+                      <a:br>
+                        <a:rPr lang="en-IN" dirty="0"/>
+                      </a:br>
+                      <a:r>
+                        <a:rPr lang="en-IN" sz="1800" b="1" i="0" kern="1200" dirty="0">
+                          <a:solidFill>
+                            <a:schemeClr val="tx1"/>
+                          </a:solidFill>
+                          <a:effectLst/>
+                          <a:latin typeface="+mn-lt"/>
+                          <a:ea typeface="+mn-ea"/>
+                          <a:cs typeface="+mn-cs"/>
+                        </a:rPr>
+                        <a:t>Cloud Integration:</a:t>
+                      </a:r>
+                      <a:r>
+                        <a:rPr lang="en-IN" sz="1800" b="0" i="0" kern="1200" dirty="0">
+                          <a:solidFill>
+                            <a:schemeClr val="tx1"/>
+                          </a:solidFill>
+                          <a:effectLst/>
+                          <a:latin typeface="+mn-lt"/>
+                          <a:ea typeface="+mn-ea"/>
+                          <a:cs typeface="+mn-cs"/>
+                        </a:rPr>
+                        <a:t> Uses a cloud server for data storage, model training, and real-time predictions.</a:t>
+                      </a:r>
+                      <a:br>
+                        <a:rPr lang="en-IN" dirty="0"/>
+                      </a:br>
+                      <a:r>
+                        <a:rPr lang="en-IN" sz="1800" b="1" i="0" kern="1200" dirty="0">
+                          <a:solidFill>
+                            <a:schemeClr val="tx1"/>
+                          </a:solidFill>
+                          <a:effectLst/>
+                          <a:latin typeface="+mn-lt"/>
+                          <a:ea typeface="+mn-ea"/>
+                          <a:cs typeface="+mn-cs"/>
+                        </a:rPr>
+                        <a:t>Architecture:</a:t>
+                      </a:r>
+                      <a:r>
+                        <a:rPr lang="en-IN" sz="1800" b="0" i="0" kern="1200" dirty="0">
+                          <a:solidFill>
+                            <a:schemeClr val="tx1"/>
+                          </a:solidFill>
+                          <a:effectLst/>
+                          <a:latin typeface="+mn-lt"/>
+                          <a:ea typeface="+mn-ea"/>
+                          <a:cs typeface="+mn-cs"/>
+                        </a:rPr>
+                        <a:t> A three-tier system for data sensing, sharing, and personalized diagnostics. Data is </a:t>
+                      </a:r>
+                      <a:r>
+                        <a:rPr lang="en-IN" sz="1800" b="0" i="0" kern="1200" dirty="0" err="1">
+                          <a:solidFill>
+                            <a:schemeClr val="tx1"/>
+                          </a:solidFill>
+                          <a:effectLst/>
+                          <a:latin typeface="+mn-lt"/>
+                          <a:ea typeface="+mn-ea"/>
+                          <a:cs typeface="+mn-cs"/>
+                        </a:rPr>
+                        <a:t>preprocessed</a:t>
+                      </a:r>
+                      <a:r>
+                        <a:rPr lang="en-IN" sz="1800" b="0" i="0" kern="1200" dirty="0">
+                          <a:solidFill>
+                            <a:schemeClr val="tx1"/>
+                          </a:solidFill>
+                          <a:effectLst/>
+                          <a:latin typeface="+mn-lt"/>
+                          <a:ea typeface="+mn-ea"/>
+                          <a:cs typeface="+mn-cs"/>
+                        </a:rPr>
+                        <a:t> to handle missing values and inconsistencies before model training.</a:t>
+                      </a:r>
+                      <a:endParaRPr lang="en-IN" dirty="0"/>
+                    </a:p>
+                  </a:txBody>
+                  <a:tcPr/>
+                </a:tc>
+                <a:tc>
+                  <a:txBody>
+                    <a:bodyPr/>
+                    <a:lstStyle/>
+                    <a:p>
+                      <a:pPr marL="0" indent="0">
+                        <a:buFont typeface="Arial" panose="020B0604020202020204" pitchFamily="34" charset="0"/>
+                        <a:buNone/>
+                      </a:pPr>
+                      <a:r>
+                        <a:rPr lang="en-US" sz="1800" b="0" i="0" kern="1200" dirty="0" err="1">
+                          <a:solidFill>
+                            <a:schemeClr val="tx1"/>
+                          </a:solidFill>
+                          <a:effectLst/>
+                          <a:latin typeface="+mn-lt"/>
+                          <a:ea typeface="+mn-ea"/>
+                          <a:cs typeface="+mn-cs"/>
+                        </a:rPr>
+                        <a:t>chieves</a:t>
+                      </a:r>
+                      <a:r>
+                        <a:rPr lang="en-US" sz="1800" b="0" i="0" kern="1200" dirty="0">
+                          <a:solidFill>
+                            <a:schemeClr val="tx1"/>
+                          </a:solidFill>
+                          <a:effectLst/>
+                          <a:latin typeface="+mn-lt"/>
+                          <a:ea typeface="+mn-ea"/>
+                          <a:cs typeface="+mn-cs"/>
+                        </a:rPr>
+                        <a:t> a moderate accuracy of </a:t>
+                      </a:r>
+                      <a:r>
+                        <a:rPr lang="en-US" sz="1800" b="1" i="0" kern="1200" dirty="0">
+                          <a:solidFill>
+                            <a:schemeClr val="tx1"/>
+                          </a:solidFill>
+                          <a:effectLst/>
+                          <a:latin typeface="+mn-lt"/>
+                          <a:ea typeface="+mn-ea"/>
+                          <a:cs typeface="+mn-cs"/>
+                        </a:rPr>
+                        <a:t>52.86%</a:t>
+                      </a:r>
+                      <a:r>
+                        <a:rPr lang="en-US" sz="1800" b="0" i="0" kern="1200" dirty="0">
+                          <a:solidFill>
+                            <a:schemeClr val="tx1"/>
+                          </a:solidFill>
+                          <a:effectLst/>
+                          <a:latin typeface="+mn-lt"/>
+                          <a:ea typeface="+mn-ea"/>
+                          <a:cs typeface="+mn-cs"/>
+                        </a:rPr>
+                        <a:t> using the Ensemble method, which outperformed the individual models (SVM: 50.4%, ANN: 49.9%, Decision Tree: 49.7%). The system provides personalized nutrition recommendations based on the predicted diabetes risk.</a:t>
+                      </a:r>
+                      <a:br>
+                        <a:rPr lang="en-US" dirty="0"/>
+                      </a:br>
+                      <a:r>
+                        <a:rPr lang="en-US" sz="1800" b="1" i="0" kern="1200" dirty="0">
+                          <a:solidFill>
+                            <a:schemeClr val="tx1"/>
+                          </a:solidFill>
+                          <a:effectLst/>
+                          <a:latin typeface="+mn-lt"/>
+                          <a:ea typeface="+mn-ea"/>
+                          <a:cs typeface="+mn-cs"/>
+                        </a:rPr>
+                        <a:t>Strengths:</a:t>
+                      </a:r>
+                      <a:r>
+                        <a:rPr lang="en-US" sz="1800" b="0" i="0" kern="1200" dirty="0">
+                          <a:solidFill>
+                            <a:schemeClr val="tx1"/>
+                          </a:solidFill>
+                          <a:effectLst/>
+                          <a:latin typeface="+mn-lt"/>
+                          <a:ea typeface="+mn-ea"/>
+                          <a:cs typeface="+mn-cs"/>
+                        </a:rPr>
+                        <a:t> Integrates ML with cloud tech for scalable, personalized healthcare.</a:t>
+                      </a:r>
+                      <a:br>
+                        <a:rPr lang="en-US" dirty="0"/>
+                      </a:br>
+                      <a:r>
+                        <a:rPr lang="en-US" sz="1800" b="1" i="0" kern="1200" dirty="0">
+                          <a:solidFill>
+                            <a:schemeClr val="tx1"/>
+                          </a:solidFill>
+                          <a:effectLst/>
+                          <a:latin typeface="+mn-lt"/>
+                          <a:ea typeface="+mn-ea"/>
+                          <a:cs typeface="+mn-cs"/>
+                        </a:rPr>
+                        <a:t>Limitations:</a:t>
+                      </a:r>
+                      <a:r>
+                        <a:rPr lang="en-US" sz="1800" b="0" i="0" kern="1200" dirty="0">
+                          <a:solidFill>
+                            <a:schemeClr val="tx1"/>
+                          </a:solidFill>
+                          <a:effectLst/>
+                          <a:latin typeface="+mn-lt"/>
+                          <a:ea typeface="+mn-ea"/>
+                          <a:cs typeface="+mn-cs"/>
+                        </a:rPr>
+                        <a:t> The overall model accuracy is relatively low, indicating significant room for improvement in the predictive model.</a:t>
+                      </a:r>
+                      <a:br>
+                        <a:rPr lang="en-US" dirty="0"/>
+                      </a:br>
+                      <a:r>
+                        <a:rPr lang="en-US" sz="1800" b="1" i="0" kern="1200" dirty="0">
+                          <a:solidFill>
+                            <a:schemeClr val="tx1"/>
+                          </a:solidFill>
+                          <a:effectLst/>
+                          <a:latin typeface="+mn-lt"/>
+                          <a:ea typeface="+mn-ea"/>
+                          <a:cs typeface="+mn-cs"/>
+                        </a:rPr>
+                        <a:t>Future work</a:t>
+                      </a:r>
+                      <a:r>
+                        <a:rPr lang="en-US" sz="1800" b="0" i="0" kern="1200" dirty="0">
+                          <a:solidFill>
+                            <a:schemeClr val="tx1"/>
+                          </a:solidFill>
+                          <a:effectLst/>
+                          <a:latin typeface="+mn-lt"/>
+                          <a:ea typeface="+mn-ea"/>
+                          <a:cs typeface="+mn-cs"/>
+                        </a:rPr>
+                        <a:t> could focus on hyperparameter tuning, using larger/more diverse datasets, and integrating real-time data from IoT devices.</a:t>
+                      </a:r>
+                      <a:endParaRPr lang="en-IN" dirty="0"/>
+                    </a:p>
+                  </a:txBody>
+                  <a:tcPr/>
+                </a:tc>
+                <a:extLst>
+                  <a:ext uri="{0D108BD9-81ED-4DB2-BD59-A6C34878D82A}">
+                    <a16:rowId xmlns:a16="http://schemas.microsoft.com/office/drawing/2014/main" val="145990994"/>
+                  </a:ext>
+                </a:extLst>
+              </a:tr>
+            </a:tbl>
+          </a:graphicData>
+        </a:graphic>
+      </p:graphicFrame>
     </p:spTree>
     <p:extLst>
       <p:ext uri="{BB962C8B-B14F-4D97-AF65-F5344CB8AC3E}">
-        <p14:creationId xmlns:p14="http://schemas.microsoft.com/office/powerpoint/2010/main" val="2088180620"/>
-      </p:ext>
-    </p:extLst>
-  </p:cSld>
-  <p:clrMapOvr>
-    <a:masterClrMapping/>
-  </p:clrMapOvr>
-  <mc:AlternateContent xmlns:mc="http://schemas.openxmlformats.org/markup-compatibility/2006" xmlns:p14="http://schemas.microsoft.com/office/powerpoint/2010/main">
-    <mc:Choice Requires="p14">
-      <p:transition spd="med" p14:dur="700">
-        <p:fade/>
-      </p:transition>
-    </mc:Choice>
-    <mc:Fallback xmlns="">
-      <p:transition spd="med">
-        <p:fade/>
-      </p:transition>
-    </mc:Fallback>
-  </mc:AlternateContent>
-  <p:timing>
-    <p:tnLst>
-      <p:par>
-        <p:cTn id="1" dur="indefinite" restart="never" nodeType="tmRoot">
-          <p:childTnLst>
-            <p:seq concurrent="1" nextAc="seek">
-              <p:cTn id="2" dur="indefinite" nodeType="mainSeq">
-                <p:childTnLst>
-                  <p:par>
-                    <p:cTn id="3" fill="hold">
-                      <p:stCondLst>
-                        <p:cond delay="indefinite"/>
-                      </p:stCondLst>
-                      <p:childTnLst>
-                        <p:par>
-                          <p:cTn id="4" fill="hold">
-                            <p:stCondLst>
-                              <p:cond delay="0"/>
-                            </p:stCondLst>
-                            <p:childTnLst>
-                              <p:par>
-                                <p:cTn id="5" presetID="1" presetClass="entr" presetSubtype="0" fill="hold" grpId="0" nodeType="clickEffect">
-                                  <p:stCondLst>
-                                    <p:cond delay="0"/>
-                                  </p:stCondLst>
-                                  <p:childTnLst>
-                                    <p:set>
-                                      <p:cBhvr>
-                                        <p:cTn id="6" dur="1" fill="hold">
-                                          <p:stCondLst>
-                                            <p:cond delay="0"/>
-                                          </p:stCondLst>
-                                        </p:cTn>
-                                        <p:tgtEl>
-                                          <p:spTgt spid="2">
-                                            <p:txEl>
-                                              <p:pRg st="1" end="1"/>
-                                            </p:txEl>
-                                          </p:spTgt>
-                                        </p:tgtEl>
-                                        <p:attrNameLst>
-                                          <p:attrName>style.visibility</p:attrName>
-                                        </p:attrNameLst>
-                                      </p:cBhvr>
-                                      <p:to>
-                                        <p:strVal val="visible"/>
-                                      </p:to>
-                                    </p:set>
-                                  </p:childTnLst>
-                                </p:cTn>
-                              </p:par>
-                              <p:par>
-                                <p:cTn id="7" presetID="1" presetClass="entr" presetSubtype="0" fill="hold" grpId="0" nodeType="withEffect">
-                                  <p:stCondLst>
-                                    <p:cond delay="0"/>
-                                  </p:stCondLst>
-                                  <p:childTnLst>
-                                    <p:set>
-                                      <p:cBhvr>
-                                        <p:cTn id="8" dur="1" fill="hold">
-                                          <p:stCondLst>
-                                            <p:cond delay="0"/>
-                                          </p:stCondLst>
-                                        </p:cTn>
-                                        <p:tgtEl>
-                                          <p:spTgt spid="2">
-                                            <p:txEl>
-                                              <p:pRg st="2" end="2"/>
-                                            </p:txEl>
-                                          </p:spTgt>
-                                        </p:tgtEl>
-                                        <p:attrNameLst>
-                                          <p:attrName>style.visibility</p:attrName>
-                                        </p:attrNameLst>
-                                      </p:cBhvr>
-                                      <p:to>
-                                        <p:strVal val="visible"/>
-                                      </p:to>
-                                    </p:set>
-                                  </p:childTnLst>
-                                </p:cTn>
-                              </p:par>
-                              <p:par>
-                                <p:cTn id="9" presetID="1" presetClass="entr" presetSubtype="0" fill="hold" grpId="0" nodeType="withEffect">
-                                  <p:stCondLst>
-                                    <p:cond delay="0"/>
-                                  </p:stCondLst>
-                                  <p:childTnLst>
-                                    <p:set>
-                                      <p:cBhvr>
-                                        <p:cTn id="10" dur="1" fill="hold">
-                                          <p:stCondLst>
-                                            <p:cond delay="0"/>
-                                          </p:stCondLst>
-                                        </p:cTn>
-                                        <p:tgtEl>
-                                          <p:spTgt spid="2">
-                                            <p:txEl>
-                                              <p:pRg st="3" end="3"/>
-                                            </p:txEl>
-                                          </p:spTgt>
-                                        </p:tgtEl>
-                                        <p:attrNameLst>
-                                          <p:attrName>style.visibility</p:attrName>
-                                        </p:attrNameLst>
-                                      </p:cBhvr>
-                                      <p:to>
-                                        <p:strVal val="visible"/>
-                                      </p:to>
-                                    </p:set>
-                                  </p:childTnLst>
-                                </p:cTn>
-                              </p:par>
-                            </p:childTnLst>
-                          </p:cTn>
-                        </p:par>
-                      </p:childTnLst>
-                    </p:cTn>
-                  </p:par>
-                </p:childTnLst>
-              </p:cTn>
-              <p:prevCondLst>
-                <p:cond evt="onPrev" delay="0">
-                  <p:tgtEl>
-                    <p:sldTgt/>
-                  </p:tgtEl>
-                </p:cond>
-              </p:prevCondLst>
-              <p:nextCondLst>
-                <p:cond evt="onNext" delay="0">
-                  <p:tgtEl>
-                    <p:sldTgt/>
-                  </p:tgtEl>
-                </p:cond>
-              </p:nextCondLst>
-            </p:seq>
-          </p:childTnLst>
-        </p:cTn>
-      </p:par>
-    </p:tnLst>
-    <p:bldLst>
-      <p:bldP spid="2" grpId="0" uiExpand="1" build="p"/>
-    </p:bldLst>
-  </p:timing>
-</p:sld>
-</file>
-
-<file path=ppt/slides/slide3.xml><?xml version="1.0" encoding="utf-8"?>
-<p:sld xmlns:a="http://schemas.openxmlformats.org/drawingml/2006/main" xmlns:r="http://schemas.openxmlformats.org/officeDocument/2006/relationships" xmlns:p="http://schemas.openxmlformats.org/presentationml/2006/main">
-  <p:cSld>
-    <p:spTree>
-      <p:nvGrpSpPr>
-        <p:cNvPr id="1" name="">
-          <a:extLst>
-            <a:ext uri="{FF2B5EF4-FFF2-40B4-BE49-F238E27FC236}">
-              <a16:creationId xmlns:a16="http://schemas.microsoft.com/office/drawing/2014/main" id="{86D1235D-73A1-0B84-0745-6B97432CB074}"/>
-            </a:ext>
-          </a:extLst>
-        </p:cNvPr>
-        <p:cNvGrpSpPr/>
-        <p:nvPr/>
-      </p:nvGrpSpPr>
-      <p:grpSpPr>
-        <a:xfrm>
-          <a:off x="0" y="0"/>
-          <a:ext cx="0" cy="0"/>
-          <a:chOff x="0" y="0"/>
-          <a:chExt cx="0" cy="0"/>
-        </a:xfrm>
-      </p:grpSpPr>
-      <p:sp>
-        <p:nvSpPr>
-          <p:cNvPr id="3" name="TextBox 2">
-            <a:extLst>
-              <a:ext uri="{FF2B5EF4-FFF2-40B4-BE49-F238E27FC236}">
-                <a16:creationId xmlns:a16="http://schemas.microsoft.com/office/drawing/2014/main" id="{72FF40D3-B05A-88C3-591F-882A93FC9918}"/>
-              </a:ext>
-            </a:extLst>
-          </p:cNvPr>
-          <p:cNvSpPr txBox="1"/>
-          <p:nvPr/>
-        </p:nvSpPr>
-        <p:spPr>
-          <a:xfrm>
-            <a:off x="255996" y="502545"/>
-            <a:ext cx="10624338" cy="646331"/>
-          </a:xfrm>
-          <a:prstGeom prst="rect">
-            <a:avLst/>
-          </a:prstGeom>
-          <a:noFill/>
-        </p:spPr>
-        <p:txBody>
-          <a:bodyPr wrap="square" rtlCol="0">
-            <a:spAutoFit/>
-          </a:bodyPr>
-          <a:lstStyle/>
-          <a:p>
-            <a:pPr marL="0" marR="0" lvl="0" indent="0" algn="l" defTabSz="914400" rtl="0" eaLnBrk="1" fontAlgn="auto" latinLnBrk="0" hangingPunct="1">
-              <a:lnSpc>
-                <a:spcPct val="100000"/>
-              </a:lnSpc>
-              <a:spcBef>
-                <a:spcPts val="0"/>
-              </a:spcBef>
-              <a:spcAft>
-                <a:spcPts val="0"/>
-              </a:spcAft>
-              <a:buClrTx/>
-              <a:buSzTx/>
-              <a:buFontTx/>
-              <a:buNone/>
-              <a:tabLst/>
-              <a:defRPr/>
-            </a:pPr>
-            <a:r>
-              <a:rPr kumimoji="0" lang="en-US" sz="3600" b="1" i="0" u="none" strike="noStrike" kern="1200" cap="none" spc="0" normalizeH="0" baseline="0" noProof="0" dirty="0">
-                <a:ln>
-                  <a:noFill/>
-                </a:ln>
-                <a:solidFill>
-                  <a:srgbClr val="5B9BD5">
-                    <a:lumMod val="50000"/>
-                  </a:srgbClr>
-                </a:solidFill>
-                <a:effectLst/>
-                <a:uLnTx/>
-                <a:uFillTx/>
-                <a:latin typeface="Calibri" panose="020F0502020204030204"/>
-                <a:ea typeface="+mn-ea"/>
-                <a:cs typeface="+mn-cs"/>
-              </a:rPr>
-              <a:t>Objective…. Calibri body -36</a:t>
-            </a:r>
-          </a:p>
-        </p:txBody>
-      </p:sp>
-      <p:cxnSp>
-        <p:nvCxnSpPr>
-          <p:cNvPr id="5" name="Straight Connector 4">
-            <a:extLst>
-              <a:ext uri="{FF2B5EF4-FFF2-40B4-BE49-F238E27FC236}">
-                <a16:creationId xmlns:a16="http://schemas.microsoft.com/office/drawing/2014/main" id="{12740D4D-2363-70E1-0E6E-1BDDA8C33C87}"/>
-              </a:ext>
-            </a:extLst>
-          </p:cNvPr>
-          <p:cNvCxnSpPr>
-            <a:cxnSpLocks/>
-          </p:cNvCxnSpPr>
-          <p:nvPr/>
-        </p:nvCxnSpPr>
-        <p:spPr>
-          <a:xfrm>
-            <a:off x="221274" y="1191756"/>
-            <a:ext cx="7305799" cy="0"/>
-          </a:xfrm>
-          <a:prstGeom prst="line">
-            <a:avLst/>
-          </a:prstGeom>
-          <a:ln w="28575">
-            <a:solidFill>
-              <a:schemeClr val="accent6"/>
-            </a:solidFill>
-          </a:ln>
-        </p:spPr>
-        <p:style>
-          <a:lnRef idx="1">
-            <a:schemeClr val="accent1"/>
-          </a:lnRef>
-          <a:fillRef idx="0">
-            <a:schemeClr val="accent1"/>
-          </a:fillRef>
-          <a:effectRef idx="0">
-            <a:schemeClr val="accent1"/>
-          </a:effectRef>
-          <a:fontRef idx="minor">
-            <a:schemeClr val="tx1"/>
-          </a:fontRef>
-        </p:style>
-      </p:cxnSp>
-      <p:sp>
-        <p:nvSpPr>
-          <p:cNvPr id="4" name="TextBox 3">
-            <a:extLst>
-              <a:ext uri="{FF2B5EF4-FFF2-40B4-BE49-F238E27FC236}">
-                <a16:creationId xmlns:a16="http://schemas.microsoft.com/office/drawing/2014/main" id="{E4452DD5-D934-4955-F39B-2109AC72692F}"/>
-              </a:ext>
-            </a:extLst>
-          </p:cNvPr>
-          <p:cNvSpPr txBox="1"/>
-          <p:nvPr/>
-        </p:nvSpPr>
-        <p:spPr>
-          <a:xfrm>
-            <a:off x="6093893" y="57036"/>
-            <a:ext cx="6098107" cy="646331"/>
-          </a:xfrm>
-          <a:prstGeom prst="rect">
-            <a:avLst/>
-          </a:prstGeom>
-          <a:noFill/>
-        </p:spPr>
-        <p:txBody>
-          <a:bodyPr wrap="square" rtlCol="0">
-            <a:spAutoFit/>
-          </a:bodyPr>
-          <a:lstStyle/>
-          <a:p>
-            <a:pPr algn="r"/>
-            <a:r>
-              <a:rPr lang="en-US" sz="1800" b="1" i="1" dirty="0">
-                <a:solidFill>
-                  <a:srgbClr val="FFFFFF"/>
-                </a:solidFill>
-              </a:rPr>
-              <a:t>Project Title -  Calibri body 18</a:t>
-            </a:r>
-          </a:p>
-          <a:p>
-            <a:pPr algn="r"/>
-            <a:endParaRPr lang="en-US" dirty="0"/>
-          </a:p>
-        </p:txBody>
-      </p:sp>
-      <p:sp>
-        <p:nvSpPr>
-          <p:cNvPr id="6" name="Rectangle 1">
-            <a:extLst>
-              <a:ext uri="{FF2B5EF4-FFF2-40B4-BE49-F238E27FC236}">
-                <a16:creationId xmlns:a16="http://schemas.microsoft.com/office/drawing/2014/main" id="{4E6A0C20-81A4-F4BD-A45A-E1E469346ED1}"/>
-              </a:ext>
-            </a:extLst>
-          </p:cNvPr>
-          <p:cNvSpPr>
-            <a:spLocks noGrp="1" noChangeArrowheads="1"/>
-          </p:cNvSpPr>
-          <p:nvPr>
-            <p:ph type="body" sz="quarter" idx="13"/>
-          </p:nvPr>
-        </p:nvSpPr>
-        <p:spPr bwMode="auto">
-          <a:xfrm>
-            <a:off x="255588" y="1899249"/>
-            <a:ext cx="11729935" cy="3139321"/>
-          </a:xfrm>
-          <a:prstGeom prst="rect">
-            <a:avLst/>
-          </a:prstGeom>
-          <a:noFill/>
-          <a:ln>
-            <a:noFill/>
-          </a:ln>
-          <a:effectLst/>
-          <a:extLst>
-            <a:ext uri="{909E8E84-426E-40DD-AFC4-6F175D3DCCD1}">
-              <a14:hiddenFill xmlns:a14="http://schemas.microsoft.com/office/drawing/2010/main">
-                <a:solidFill>
-                  <a:schemeClr val="accent1"/>
-                </a:solidFill>
-              </a14:hiddenFill>
-            </a:ext>
-            <a:ext uri="{91240B29-F687-4F45-9708-019B960494DF}">
-              <a14:hiddenLine xmlns:a14="http://schemas.microsoft.com/office/drawing/2010/main" w="9525">
-                <a:solidFill>
-                  <a:schemeClr val="tx1"/>
-                </a:solidFill>
-                <a:miter lim="800000"/>
-                <a:headEnd/>
-                <a:tailEnd/>
-              </a14:hiddenLine>
-            </a:ext>
-            <a:ext uri="{AF507438-7753-43E0-B8FC-AC1667EBCBE1}">
-              <a14:hiddenEffects xmlns:a14="http://schemas.microsoft.com/office/drawing/2010/main">
-                <a:effectLst>
-                  <a:outerShdw dist="35921" dir="2700000" algn="ctr" rotWithShape="0">
-                    <a:schemeClr val="bg2"/>
-                  </a:outerShdw>
-                </a:effectLst>
-              </a14:hiddenEffects>
-            </a:ext>
-          </a:extLst>
-        </p:spPr>
-        <p:txBody>
-          <a:bodyPr vert="horz" wrap="square" lIns="91440" tIns="45720" rIns="91440" bIns="45720" numCol="1" anchor="ctr" anchorCtr="0" compatLnSpc="1">
-            <a:prstTxWarp prst="textNoShape">
-              <a:avLst/>
-            </a:prstTxWarp>
-            <a:spAutoFit/>
-          </a:bodyPr>
-          <a:lstStyle/>
-          <a:p>
-            <a:pPr marL="0" marR="0" lvl="0" indent="0" algn="l" defTabSz="914400" rtl="0" eaLnBrk="0" fontAlgn="base" latinLnBrk="0" hangingPunct="0">
-              <a:lnSpc>
-                <a:spcPct val="100000"/>
-              </a:lnSpc>
-              <a:spcBef>
-                <a:spcPct val="0"/>
-              </a:spcBef>
-              <a:spcAft>
-                <a:spcPct val="0"/>
-              </a:spcAft>
-              <a:buClrTx/>
-              <a:buSzTx/>
-              <a:buFontTx/>
-              <a:buChar char="•"/>
-              <a:tabLst/>
-            </a:pPr>
-            <a:r>
-              <a:rPr kumimoji="0" lang="en-US" altLang="en-US" sz="1800" b="1" i="0" u="none" strike="noStrike" cap="none" normalizeH="0" baseline="0">
-                <a:ln>
-                  <a:noFill/>
-                </a:ln>
-                <a:solidFill>
-                  <a:schemeClr val="tx1"/>
-                </a:solidFill>
-                <a:effectLst/>
-                <a:latin typeface="Arial" panose="020B0604020202020204" pitchFamily="34" charset="0"/>
-              </a:rPr>
-              <a:t>Frontend</a:t>
-            </a:r>
-            <a:r>
-              <a:rPr kumimoji="0" lang="en-US" altLang="en-US" sz="1800" b="0" i="0" u="none" strike="noStrike" cap="none" normalizeH="0" baseline="0">
-                <a:ln>
-                  <a:noFill/>
-                </a:ln>
-                <a:solidFill>
-                  <a:schemeClr val="tx1"/>
-                </a:solidFill>
-                <a:effectLst/>
-                <a:latin typeface="Arial" panose="020B0604020202020204" pitchFamily="34" charset="0"/>
-              </a:rPr>
-              <a:t>: A responsive web application built with </a:t>
-            </a:r>
-            <a:r>
-              <a:rPr kumimoji="0" lang="en-US" altLang="en-US" sz="1800" b="1" i="0" u="none" strike="noStrike" cap="none" normalizeH="0" baseline="0">
-                <a:ln>
-                  <a:noFill/>
-                </a:ln>
-                <a:solidFill>
-                  <a:schemeClr val="tx1"/>
-                </a:solidFill>
-                <a:effectLst/>
-                <a:latin typeface="Arial" panose="020B0604020202020204" pitchFamily="34" charset="0"/>
-              </a:rPr>
-              <a:t>Streamlit</a:t>
-            </a:r>
-            <a:r>
-              <a:rPr kumimoji="0" lang="en-US" altLang="en-US" sz="1800" b="0" i="0" u="none" strike="noStrike" cap="none" normalizeH="0" baseline="0">
-                <a:ln>
-                  <a:noFill/>
-                </a:ln>
-                <a:solidFill>
-                  <a:schemeClr val="tx1"/>
-                </a:solidFill>
-                <a:effectLst/>
-                <a:latin typeface="Arial" panose="020B0604020202020204" pitchFamily="34" charset="0"/>
-              </a:rPr>
-              <a:t> for a user-friendly interface. It allows users to input their health metrics and view their personalized results.</a:t>
-            </a:r>
-          </a:p>
-          <a:p>
-            <a:pPr marL="0" marR="0" lvl="0" indent="0" algn="l" defTabSz="914400" rtl="0" eaLnBrk="0" fontAlgn="base" latinLnBrk="0" hangingPunct="0">
-              <a:lnSpc>
-                <a:spcPct val="100000"/>
-              </a:lnSpc>
-              <a:spcBef>
-                <a:spcPct val="0"/>
-              </a:spcBef>
-              <a:spcAft>
-                <a:spcPct val="0"/>
-              </a:spcAft>
-              <a:buClrTx/>
-              <a:buSzTx/>
-              <a:buFontTx/>
-              <a:buChar char="•"/>
-              <a:tabLst/>
-            </a:pPr>
-            <a:r>
-              <a:rPr kumimoji="0" lang="en-US" altLang="en-US" sz="1800" b="1" i="0" u="none" strike="noStrike" cap="none" normalizeH="0" baseline="0">
-                <a:ln>
-                  <a:noFill/>
-                </a:ln>
-                <a:solidFill>
-                  <a:schemeClr val="tx1"/>
-                </a:solidFill>
-                <a:effectLst/>
-                <a:latin typeface="Arial" panose="020B0604020202020204" pitchFamily="34" charset="0"/>
-              </a:rPr>
-              <a:t>Machine Learning Backend</a:t>
-            </a:r>
-            <a:r>
-              <a:rPr kumimoji="0" lang="en-US" altLang="en-US" sz="1800" b="0" i="0" u="none" strike="noStrike" cap="none" normalizeH="0" baseline="0">
-                <a:ln>
-                  <a:noFill/>
-                </a:ln>
-                <a:solidFill>
-                  <a:schemeClr val="tx1"/>
-                </a:solidFill>
-                <a:effectLst/>
-                <a:latin typeface="Arial" panose="020B0604020202020204" pitchFamily="34" charset="0"/>
-              </a:rPr>
-              <a:t>: The core prediction engine uses a </a:t>
-            </a:r>
-            <a:r>
-              <a:rPr kumimoji="0" lang="en-US" altLang="en-US" sz="1800" b="1" i="0" u="none" strike="noStrike" cap="none" normalizeH="0" baseline="0">
-                <a:ln>
-                  <a:noFill/>
-                </a:ln>
-                <a:solidFill>
-                  <a:schemeClr val="tx1"/>
-                </a:solidFill>
-                <a:effectLst/>
-                <a:latin typeface="Arial" panose="020B0604020202020204" pitchFamily="34" charset="0"/>
-              </a:rPr>
-              <a:t>Logistic Regression</a:t>
-            </a:r>
-            <a:r>
-              <a:rPr kumimoji="0" lang="en-US" altLang="en-US" sz="1800" b="0" i="0" u="none" strike="noStrike" cap="none" normalizeH="0" baseline="0">
-                <a:ln>
-                  <a:noFill/>
-                </a:ln>
-                <a:solidFill>
-                  <a:schemeClr val="tx1"/>
-                </a:solidFill>
-                <a:effectLst/>
-                <a:latin typeface="Arial" panose="020B0604020202020204" pitchFamily="34" charset="0"/>
-              </a:rPr>
-              <a:t> model. This model is trained on a diabetes dataset to accurately predict a user's risk of developing the condition.</a:t>
-            </a:r>
-          </a:p>
-          <a:p>
-            <a:pPr marL="0" marR="0" lvl="0" indent="0" algn="l" defTabSz="914400" rtl="0" eaLnBrk="0" fontAlgn="base" latinLnBrk="0" hangingPunct="0">
-              <a:lnSpc>
-                <a:spcPct val="100000"/>
-              </a:lnSpc>
-              <a:spcBef>
-                <a:spcPct val="0"/>
-              </a:spcBef>
-              <a:spcAft>
-                <a:spcPct val="0"/>
-              </a:spcAft>
-              <a:buClrTx/>
-              <a:buSzTx/>
-              <a:buFontTx/>
-              <a:buChar char="•"/>
-              <a:tabLst/>
-            </a:pPr>
-            <a:r>
-              <a:rPr kumimoji="0" lang="en-US" altLang="en-US" sz="1800" b="1" i="0" u="none" strike="noStrike" cap="none" normalizeH="0" baseline="0">
-                <a:ln>
-                  <a:noFill/>
-                </a:ln>
-                <a:solidFill>
-                  <a:schemeClr val="tx1"/>
-                </a:solidFill>
-                <a:effectLst/>
-                <a:latin typeface="Arial" panose="020B0604020202020204" pitchFamily="34" charset="0"/>
-              </a:rPr>
-              <a:t>Authentication &amp; Security</a:t>
-            </a:r>
-            <a:r>
-              <a:rPr kumimoji="0" lang="en-US" altLang="en-US" sz="1800" b="0" i="0" u="none" strike="noStrike" cap="none" normalizeH="0" baseline="0">
-                <a:ln>
-                  <a:noFill/>
-                </a:ln>
-                <a:solidFill>
-                  <a:schemeClr val="tx1"/>
-                </a:solidFill>
-                <a:effectLst/>
-                <a:latin typeface="Arial" panose="020B0604020202020204" pitchFamily="34" charset="0"/>
-              </a:rPr>
-              <a:t>: </a:t>
-            </a:r>
-            <a:r>
-              <a:rPr kumimoji="0" lang="en-US" altLang="en-US" sz="1800" b="1" i="0" u="none" strike="noStrike" cap="none" normalizeH="0" baseline="0">
-                <a:ln>
-                  <a:noFill/>
-                </a:ln>
-                <a:solidFill>
-                  <a:schemeClr val="tx1"/>
-                </a:solidFill>
-                <a:effectLst/>
-                <a:latin typeface="Arial" panose="020B0604020202020204" pitchFamily="34" charset="0"/>
-              </a:rPr>
-              <a:t>Keycloak</a:t>
-            </a:r>
-            <a:r>
-              <a:rPr kumimoji="0" lang="en-US" altLang="en-US" sz="1800" b="0" i="0" u="none" strike="noStrike" cap="none" normalizeH="0" baseline="0">
-                <a:ln>
-                  <a:noFill/>
-                </a:ln>
-                <a:solidFill>
-                  <a:schemeClr val="tx1"/>
-                </a:solidFill>
-                <a:effectLst/>
-                <a:latin typeface="Arial" panose="020B0604020202020204" pitchFamily="34" charset="0"/>
-              </a:rPr>
-              <a:t> is integrated to provide secure user authentication and authorization. It manages user roles, ensuring that only authorized users (e.g., doctors, patients) can access the system.</a:t>
-            </a:r>
-          </a:p>
-          <a:p>
-            <a:pPr marL="0" marR="0" lvl="0" indent="0" algn="l" defTabSz="914400" rtl="0" eaLnBrk="0" fontAlgn="base" latinLnBrk="0" hangingPunct="0">
-              <a:lnSpc>
-                <a:spcPct val="100000"/>
-              </a:lnSpc>
-              <a:spcBef>
-                <a:spcPct val="0"/>
-              </a:spcBef>
-              <a:spcAft>
-                <a:spcPct val="0"/>
-              </a:spcAft>
-              <a:buClrTx/>
-              <a:buSzTx/>
-              <a:buFontTx/>
-              <a:buChar char="•"/>
-              <a:tabLst/>
-            </a:pPr>
-            <a:r>
-              <a:rPr kumimoji="0" lang="en-US" altLang="en-US" sz="1800" b="1" i="0" u="none" strike="noStrike" cap="none" normalizeH="0" baseline="0">
-                <a:ln>
-                  <a:noFill/>
-                </a:ln>
-                <a:solidFill>
-                  <a:schemeClr val="tx1"/>
-                </a:solidFill>
-                <a:effectLst/>
-                <a:latin typeface="Arial" panose="020B0604020202020204" pitchFamily="34" charset="0"/>
-              </a:rPr>
-              <a:t>Containerization</a:t>
-            </a:r>
-            <a:r>
-              <a:rPr kumimoji="0" lang="en-US" altLang="en-US" sz="1800" b="0" i="0" u="none" strike="noStrike" cap="none" normalizeH="0" baseline="0">
-                <a:ln>
-                  <a:noFill/>
-                </a:ln>
-                <a:solidFill>
-                  <a:schemeClr val="tx1"/>
-                </a:solidFill>
-                <a:effectLst/>
-                <a:latin typeface="Arial" panose="020B0604020202020204" pitchFamily="34" charset="0"/>
-              </a:rPr>
-              <a:t>: The entire system is </a:t>
-            </a:r>
-            <a:r>
-              <a:rPr kumimoji="0" lang="en-US" altLang="en-US" sz="1800" b="1" i="0" u="none" strike="noStrike" cap="none" normalizeH="0" baseline="0">
-                <a:ln>
-                  <a:noFill/>
-                </a:ln>
-                <a:solidFill>
-                  <a:schemeClr val="tx1"/>
-                </a:solidFill>
-                <a:effectLst/>
-                <a:latin typeface="Arial" panose="020B0604020202020204" pitchFamily="34" charset="0"/>
-              </a:rPr>
-              <a:t>containerized using Docker</a:t>
-            </a:r>
-            <a:r>
-              <a:rPr kumimoji="0" lang="en-US" altLang="en-US" sz="1800" b="0" i="0" u="none" strike="noStrike" cap="none" normalizeH="0" baseline="0">
-                <a:ln>
-                  <a:noFill/>
-                </a:ln>
-                <a:solidFill>
-                  <a:schemeClr val="tx1"/>
-                </a:solidFill>
-                <a:effectLst/>
-                <a:latin typeface="Arial" panose="020B0604020202020204" pitchFamily="34" charset="0"/>
-              </a:rPr>
-              <a:t>, with </a:t>
-            </a:r>
-            <a:r>
-              <a:rPr kumimoji="0" lang="en-US" altLang="en-US" sz="1800" b="1" i="0" u="none" strike="noStrike" cap="none" normalizeH="0" baseline="0">
-                <a:ln>
-                  <a:noFill/>
-                </a:ln>
-                <a:solidFill>
-                  <a:schemeClr val="tx1"/>
-                </a:solidFill>
-                <a:effectLst/>
-                <a:latin typeface="Arial" panose="020B0604020202020204" pitchFamily="34" charset="0"/>
-              </a:rPr>
-              <a:t>Docker Compose</a:t>
-            </a:r>
-            <a:r>
-              <a:rPr kumimoji="0" lang="en-US" altLang="en-US" sz="1800" b="0" i="0" u="none" strike="noStrike" cap="none" normalizeH="0" baseline="0">
-                <a:ln>
-                  <a:noFill/>
-                </a:ln>
-                <a:solidFill>
-                  <a:schemeClr val="tx1"/>
-                </a:solidFill>
-                <a:effectLst/>
-                <a:latin typeface="Arial" panose="020B0604020202020204" pitchFamily="34" charset="0"/>
-              </a:rPr>
-              <a:t> used for orchestrating the multi-container application and the Keycloak server. This ensures easy deployment, portability, and scalability across different environments, including cloud platforms like Azure.</a:t>
-            </a:r>
-          </a:p>
-          <a:p>
-            <a:pPr marL="0" marR="0" lvl="0" indent="0" algn="l" defTabSz="914400" rtl="0" eaLnBrk="0" fontAlgn="base" latinLnBrk="0" hangingPunct="0">
-              <a:lnSpc>
-                <a:spcPct val="100000"/>
-              </a:lnSpc>
-              <a:spcBef>
-                <a:spcPct val="0"/>
-              </a:spcBef>
-              <a:spcAft>
-                <a:spcPct val="0"/>
-              </a:spcAft>
-              <a:buClrTx/>
-              <a:buSzTx/>
-              <a:buFontTx/>
-              <a:buChar char="•"/>
-              <a:tabLst/>
-            </a:pPr>
-            <a:r>
-              <a:rPr kumimoji="0" lang="en-US" altLang="en-US" sz="1800" b="1" i="0" u="none" strike="noStrike" cap="none" normalizeH="0" baseline="0">
-                <a:ln>
-                  <a:noFill/>
-                </a:ln>
-                <a:solidFill>
-                  <a:schemeClr val="tx1"/>
-                </a:solidFill>
-                <a:effectLst/>
-                <a:latin typeface="Arial" panose="020B0604020202020204" pitchFamily="34" charset="0"/>
-              </a:rPr>
-              <a:t>Visuals</a:t>
-            </a:r>
-            <a:r>
-              <a:rPr kumimoji="0" lang="en-US" altLang="en-US" sz="1800" b="0" i="0" u="none" strike="noStrike" cap="none" normalizeH="0" baseline="0">
-                <a:ln>
-                  <a:noFill/>
-                </a:ln>
-                <a:solidFill>
-                  <a:schemeClr val="tx1"/>
-                </a:solidFill>
-                <a:effectLst/>
-                <a:latin typeface="Arial" panose="020B0604020202020204" pitchFamily="34" charset="0"/>
-              </a:rPr>
-              <a:t>: A diagram illustrating the flow from the user to the Streamlit app, the machine learning model, and the Keycloak server, all running within Docker containers.</a:t>
-            </a:r>
-          </a:p>
-        </p:txBody>
-      </p:sp>
-    </p:spTree>
-    <p:extLst>
-      <p:ext uri="{BB962C8B-B14F-4D97-AF65-F5344CB8AC3E}">
-        <p14:creationId xmlns:p14="http://schemas.microsoft.com/office/powerpoint/2010/main" val="1739450533"/>
+        <p14:creationId xmlns:p14="http://schemas.microsoft.com/office/powerpoint/2010/main" val="705053093"/>
       </p:ext>
     </p:extLst>
   </p:cSld>
@@ -5118,850 +4798,7 @@
 </p:sld>
 </file>
 
-<file path=ppt/slides/slide4.xml><?xml version="1.0" encoding="utf-8"?>
-<p:sld xmlns:a="http://schemas.openxmlformats.org/drawingml/2006/main" xmlns:r="http://schemas.openxmlformats.org/officeDocument/2006/relationships" xmlns:p="http://schemas.openxmlformats.org/presentationml/2006/main">
-  <p:cSld>
-    <p:spTree>
-      <p:nvGrpSpPr>
-        <p:cNvPr id="1" name="">
-          <a:extLst>
-            <a:ext uri="{FF2B5EF4-FFF2-40B4-BE49-F238E27FC236}">
-              <a16:creationId xmlns:a16="http://schemas.microsoft.com/office/drawing/2014/main" id="{CBE2D7CD-C158-6FC1-06C7-09444D2DE02B}"/>
-            </a:ext>
-          </a:extLst>
-        </p:cNvPr>
-        <p:cNvGrpSpPr/>
-        <p:nvPr/>
-      </p:nvGrpSpPr>
-      <p:grpSpPr>
-        <a:xfrm>
-          <a:off x="0" y="0"/>
-          <a:ext cx="0" cy="0"/>
-          <a:chOff x="0" y="0"/>
-          <a:chExt cx="0" cy="0"/>
-        </a:xfrm>
-      </p:grpSpPr>
-      <p:sp>
-        <p:nvSpPr>
-          <p:cNvPr id="3" name="TextBox 2">
-            <a:extLst>
-              <a:ext uri="{FF2B5EF4-FFF2-40B4-BE49-F238E27FC236}">
-                <a16:creationId xmlns:a16="http://schemas.microsoft.com/office/drawing/2014/main" id="{CB15F4B8-EED0-F7BE-96C7-D7AAE989A251}"/>
-              </a:ext>
-            </a:extLst>
-          </p:cNvPr>
-          <p:cNvSpPr txBox="1"/>
-          <p:nvPr/>
-        </p:nvSpPr>
-        <p:spPr>
-          <a:xfrm>
-            <a:off x="255996" y="502545"/>
-            <a:ext cx="10624338" cy="646331"/>
-          </a:xfrm>
-          <a:prstGeom prst="rect">
-            <a:avLst/>
-          </a:prstGeom>
-          <a:noFill/>
-        </p:spPr>
-        <p:txBody>
-          <a:bodyPr wrap="square" rtlCol="0">
-            <a:spAutoFit/>
-          </a:bodyPr>
-          <a:lstStyle/>
-          <a:p>
-            <a:pPr marL="0" marR="0" lvl="0" indent="0" algn="l" defTabSz="914400" rtl="0" eaLnBrk="1" fontAlgn="auto" latinLnBrk="0" hangingPunct="1">
-              <a:lnSpc>
-                <a:spcPct val="100000"/>
-              </a:lnSpc>
-              <a:spcBef>
-                <a:spcPts val="0"/>
-              </a:spcBef>
-              <a:spcAft>
-                <a:spcPts val="0"/>
-              </a:spcAft>
-              <a:buClrTx/>
-              <a:buSzTx/>
-              <a:buFontTx/>
-              <a:buNone/>
-              <a:tabLst/>
-              <a:defRPr/>
-            </a:pPr>
-            <a:r>
-              <a:rPr kumimoji="0" lang="en-US" sz="3600" b="1" i="0" u="none" strike="noStrike" kern="1200" cap="none" spc="0" normalizeH="0" baseline="0" noProof="0" dirty="0">
-                <a:ln>
-                  <a:noFill/>
-                </a:ln>
-                <a:solidFill>
-                  <a:srgbClr val="5B9BD5">
-                    <a:lumMod val="50000"/>
-                  </a:srgbClr>
-                </a:solidFill>
-                <a:effectLst/>
-                <a:uLnTx/>
-                <a:uFillTx/>
-                <a:latin typeface="Calibri" panose="020F0502020204030204"/>
-                <a:ea typeface="+mn-ea"/>
-                <a:cs typeface="+mn-cs"/>
-              </a:rPr>
-              <a:t>Scope…. Calibri body -36</a:t>
-            </a:r>
-          </a:p>
-        </p:txBody>
-      </p:sp>
-      <p:cxnSp>
-        <p:nvCxnSpPr>
-          <p:cNvPr id="5" name="Straight Connector 4">
-            <a:extLst>
-              <a:ext uri="{FF2B5EF4-FFF2-40B4-BE49-F238E27FC236}">
-                <a16:creationId xmlns:a16="http://schemas.microsoft.com/office/drawing/2014/main" id="{5A882B44-FCE4-BF93-E951-46CF2238FB74}"/>
-              </a:ext>
-            </a:extLst>
-          </p:cNvPr>
-          <p:cNvCxnSpPr>
-            <a:cxnSpLocks/>
-          </p:cNvCxnSpPr>
-          <p:nvPr/>
-        </p:nvCxnSpPr>
-        <p:spPr>
-          <a:xfrm>
-            <a:off x="221274" y="1191756"/>
-            <a:ext cx="7305799" cy="0"/>
-          </a:xfrm>
-          <a:prstGeom prst="line">
-            <a:avLst/>
-          </a:prstGeom>
-          <a:ln w="28575">
-            <a:solidFill>
-              <a:schemeClr val="accent6"/>
-            </a:solidFill>
-          </a:ln>
-        </p:spPr>
-        <p:style>
-          <a:lnRef idx="1">
-            <a:schemeClr val="accent1"/>
-          </a:lnRef>
-          <a:fillRef idx="0">
-            <a:schemeClr val="accent1"/>
-          </a:fillRef>
-          <a:effectRef idx="0">
-            <a:schemeClr val="accent1"/>
-          </a:effectRef>
-          <a:fontRef idx="minor">
-            <a:schemeClr val="tx1"/>
-          </a:fontRef>
-        </p:style>
-      </p:cxnSp>
-      <p:sp>
-        <p:nvSpPr>
-          <p:cNvPr id="4" name="TextBox 3">
-            <a:extLst>
-              <a:ext uri="{FF2B5EF4-FFF2-40B4-BE49-F238E27FC236}">
-                <a16:creationId xmlns:a16="http://schemas.microsoft.com/office/drawing/2014/main" id="{6CE164B1-01DD-BF3B-88E8-DF2DEDBFA9EB}"/>
-              </a:ext>
-            </a:extLst>
-          </p:cNvPr>
-          <p:cNvSpPr txBox="1"/>
-          <p:nvPr/>
-        </p:nvSpPr>
-        <p:spPr>
-          <a:xfrm>
-            <a:off x="6093893" y="57036"/>
-            <a:ext cx="6098107" cy="646331"/>
-          </a:xfrm>
-          <a:prstGeom prst="rect">
-            <a:avLst/>
-          </a:prstGeom>
-          <a:noFill/>
-        </p:spPr>
-        <p:txBody>
-          <a:bodyPr wrap="square" rtlCol="0">
-            <a:spAutoFit/>
-          </a:bodyPr>
-          <a:lstStyle/>
-          <a:p>
-            <a:pPr algn="r"/>
-            <a:r>
-              <a:rPr lang="en-US" sz="1800" b="1" i="1" dirty="0">
-                <a:solidFill>
-                  <a:srgbClr val="FFFFFF"/>
-                </a:solidFill>
-              </a:rPr>
-              <a:t>Project Title -  Calibri body 18</a:t>
-            </a:r>
-          </a:p>
-          <a:p>
-            <a:pPr algn="r"/>
-            <a:endParaRPr lang="en-US" dirty="0"/>
-          </a:p>
-        </p:txBody>
-      </p:sp>
-      <p:sp>
-        <p:nvSpPr>
-          <p:cNvPr id="6" name="Rectangle 1">
-            <a:extLst>
-              <a:ext uri="{FF2B5EF4-FFF2-40B4-BE49-F238E27FC236}">
-                <a16:creationId xmlns:a16="http://schemas.microsoft.com/office/drawing/2014/main" id="{3C7F2963-FC93-8F5D-8810-9A7AF554AA98}"/>
-              </a:ext>
-            </a:extLst>
-          </p:cNvPr>
-          <p:cNvSpPr>
-            <a:spLocks noGrp="1" noChangeArrowheads="1"/>
-          </p:cNvSpPr>
-          <p:nvPr>
-            <p:ph type="body" sz="quarter" idx="13"/>
-          </p:nvPr>
-        </p:nvSpPr>
-        <p:spPr bwMode="auto">
-          <a:xfrm>
-            <a:off x="255588" y="1990247"/>
-            <a:ext cx="11584478" cy="2862322"/>
-          </a:xfrm>
-          <a:prstGeom prst="rect">
-            <a:avLst/>
-          </a:prstGeom>
-          <a:noFill/>
-          <a:ln>
-            <a:noFill/>
-          </a:ln>
-          <a:effectLst/>
-          <a:extLst>
-            <a:ext uri="{909E8E84-426E-40DD-AFC4-6F175D3DCCD1}">
-              <a14:hiddenFill xmlns:a14="http://schemas.microsoft.com/office/drawing/2010/main">
-                <a:solidFill>
-                  <a:schemeClr val="accent1"/>
-                </a:solidFill>
-              </a14:hiddenFill>
-            </a:ext>
-            <a:ext uri="{91240B29-F687-4F45-9708-019B960494DF}">
-              <a14:hiddenLine xmlns:a14="http://schemas.microsoft.com/office/drawing/2010/main" w="9525">
-                <a:solidFill>
-                  <a:schemeClr val="tx1"/>
-                </a:solidFill>
-                <a:miter lim="800000"/>
-                <a:headEnd/>
-                <a:tailEnd/>
-              </a14:hiddenLine>
-            </a:ext>
-            <a:ext uri="{AF507438-7753-43E0-B8FC-AC1667EBCBE1}">
-              <a14:hiddenEffects xmlns:a14="http://schemas.microsoft.com/office/drawing/2010/main">
-                <a:effectLst>
-                  <a:outerShdw dist="35921" dir="2700000" algn="ctr" rotWithShape="0">
-                    <a:schemeClr val="bg2"/>
-                  </a:outerShdw>
-                </a:effectLst>
-              </a14:hiddenEffects>
-            </a:ext>
-          </a:extLst>
-        </p:spPr>
-        <p:txBody>
-          <a:bodyPr vert="horz" wrap="square" lIns="91440" tIns="45720" rIns="91440" bIns="45720" numCol="1" anchor="ctr" anchorCtr="0" compatLnSpc="1">
-            <a:prstTxWarp prst="textNoShape">
-              <a:avLst/>
-            </a:prstTxWarp>
-            <a:spAutoFit/>
-          </a:bodyPr>
-          <a:lstStyle/>
-          <a:p>
-            <a:pPr marL="0" marR="0" lvl="0" indent="0" algn="l" defTabSz="914400" rtl="0" eaLnBrk="0" fontAlgn="base" latinLnBrk="0" hangingPunct="0">
-              <a:lnSpc>
-                <a:spcPct val="100000"/>
-              </a:lnSpc>
-              <a:spcBef>
-                <a:spcPct val="0"/>
-              </a:spcBef>
-              <a:spcAft>
-                <a:spcPct val="0"/>
-              </a:spcAft>
-              <a:buClrTx/>
-              <a:buSzTx/>
-              <a:buFontTx/>
-              <a:buChar char="•"/>
-              <a:tabLst/>
-            </a:pPr>
-            <a:r>
-              <a:rPr kumimoji="0" lang="en-US" altLang="en-US" sz="1800" b="1" i="0" u="none" strike="noStrike" cap="none" normalizeH="0" baseline="0" dirty="0">
-                <a:ln>
-                  <a:noFill/>
-                </a:ln>
-                <a:solidFill>
-                  <a:schemeClr val="tx1"/>
-                </a:solidFill>
-                <a:effectLst/>
-                <a:latin typeface="Arial" panose="020B0604020202020204" pitchFamily="34" charset="0"/>
-              </a:rPr>
-              <a:t>Prediction Model</a:t>
-            </a:r>
-            <a:r>
-              <a:rPr kumimoji="0" lang="en-US" altLang="en-US" sz="1800" b="0" i="0" u="none" strike="noStrike" cap="none" normalizeH="0" baseline="0" dirty="0">
-                <a:ln>
-                  <a:noFill/>
-                </a:ln>
-                <a:solidFill>
-                  <a:schemeClr val="tx1"/>
-                </a:solidFill>
-                <a:effectLst/>
-                <a:latin typeface="Arial" panose="020B0604020202020204" pitchFamily="34" charset="0"/>
-              </a:rPr>
-              <a:t>:</a:t>
-            </a:r>
-          </a:p>
-          <a:p>
-            <a:pPr marL="0" marR="0" lvl="0" indent="0" algn="l" defTabSz="914400" rtl="0" eaLnBrk="0" fontAlgn="base" latinLnBrk="0" hangingPunct="0">
-              <a:lnSpc>
-                <a:spcPct val="100000"/>
-              </a:lnSpc>
-              <a:spcBef>
-                <a:spcPct val="0"/>
-              </a:spcBef>
-              <a:spcAft>
-                <a:spcPct val="0"/>
-              </a:spcAft>
-              <a:buClrTx/>
-              <a:buSzTx/>
-              <a:buFontTx/>
-              <a:buChar char="•"/>
-              <a:tabLst/>
-            </a:pPr>
-            <a:r>
-              <a:rPr kumimoji="0" lang="en-US" altLang="en-US" sz="1800" b="0" i="0" u="none" strike="noStrike" cap="none" normalizeH="0" baseline="0" dirty="0">
-                <a:ln>
-                  <a:noFill/>
-                </a:ln>
-                <a:solidFill>
-                  <a:schemeClr val="tx1"/>
-                </a:solidFill>
-                <a:effectLst/>
-                <a:latin typeface="Arial" panose="020B0604020202020204" pitchFamily="34" charset="0"/>
-              </a:rPr>
-              <a:t>Trained on clinical metrics such as Glucose, BMI, Blood Pressure, and Age.</a:t>
-            </a:r>
-          </a:p>
-          <a:p>
-            <a:pPr marL="0" marR="0" lvl="0" indent="0" algn="l" defTabSz="914400" rtl="0" eaLnBrk="0" fontAlgn="base" latinLnBrk="0" hangingPunct="0">
-              <a:lnSpc>
-                <a:spcPct val="100000"/>
-              </a:lnSpc>
-              <a:spcBef>
-                <a:spcPct val="0"/>
-              </a:spcBef>
-              <a:spcAft>
-                <a:spcPct val="0"/>
-              </a:spcAft>
-              <a:buClrTx/>
-              <a:buSzTx/>
-              <a:buFontTx/>
-              <a:buChar char="•"/>
-              <a:tabLst/>
-            </a:pPr>
-            <a:r>
-              <a:rPr kumimoji="0" lang="en-US" altLang="en-US" sz="1800" b="0" i="0" u="none" strike="noStrike" cap="none" normalizeH="0" baseline="0" dirty="0">
-                <a:ln>
-                  <a:noFill/>
-                </a:ln>
-                <a:solidFill>
-                  <a:schemeClr val="tx1"/>
-                </a:solidFill>
-                <a:effectLst/>
-                <a:latin typeface="Arial" panose="020B0604020202020204" pitchFamily="34" charset="0"/>
-              </a:rPr>
-              <a:t>The model and the data scaler are saved as allowing for efficient, real-time predictions without the need for retraining on every use.</a:t>
-            </a:r>
-          </a:p>
-          <a:p>
-            <a:pPr marL="0" marR="0" lvl="0" indent="0" algn="l" defTabSz="914400" rtl="0" eaLnBrk="0" fontAlgn="base" latinLnBrk="0" hangingPunct="0">
-              <a:lnSpc>
-                <a:spcPct val="100000"/>
-              </a:lnSpc>
-              <a:spcBef>
-                <a:spcPct val="0"/>
-              </a:spcBef>
-              <a:spcAft>
-                <a:spcPct val="0"/>
-              </a:spcAft>
-              <a:buClrTx/>
-              <a:buSzTx/>
-              <a:buFontTx/>
-              <a:buChar char="•"/>
-              <a:tabLst/>
-            </a:pPr>
-            <a:r>
-              <a:rPr kumimoji="0" lang="en-US" altLang="en-US" sz="1800" b="1" i="0" u="none" strike="noStrike" cap="none" normalizeH="0" baseline="0" dirty="0">
-                <a:ln>
-                  <a:noFill/>
-                </a:ln>
-                <a:solidFill>
-                  <a:schemeClr val="tx1"/>
-                </a:solidFill>
-                <a:effectLst/>
-                <a:latin typeface="Arial" panose="020B0604020202020204" pitchFamily="34" charset="0"/>
-              </a:rPr>
-              <a:t>Lifestyle Management</a:t>
-            </a:r>
-            <a:r>
-              <a:rPr kumimoji="0" lang="en-US" altLang="en-US" sz="1800" b="0" i="0" u="none" strike="noStrike" cap="none" normalizeH="0" baseline="0" dirty="0">
-                <a:ln>
-                  <a:noFill/>
-                </a:ln>
-                <a:solidFill>
-                  <a:schemeClr val="tx1"/>
-                </a:solidFill>
-                <a:effectLst/>
-                <a:latin typeface="Arial" panose="020B0604020202020204" pitchFamily="34" charset="0"/>
-              </a:rPr>
-              <a:t>:</a:t>
-            </a:r>
-          </a:p>
-          <a:p>
-            <a:pPr marL="0" marR="0" lvl="0" indent="0" algn="l" defTabSz="914400" rtl="0" eaLnBrk="0" fontAlgn="base" latinLnBrk="0" hangingPunct="0">
-              <a:lnSpc>
-                <a:spcPct val="100000"/>
-              </a:lnSpc>
-              <a:spcBef>
-                <a:spcPct val="0"/>
-              </a:spcBef>
-              <a:spcAft>
-                <a:spcPct val="0"/>
-              </a:spcAft>
-              <a:buClrTx/>
-              <a:buSzTx/>
-              <a:buFontTx/>
-              <a:buChar char="•"/>
-              <a:tabLst/>
-            </a:pPr>
-            <a:r>
-              <a:rPr kumimoji="0" lang="en-US" altLang="en-US" sz="1800" b="0" i="0" u="none" strike="noStrike" cap="none" normalizeH="0" baseline="0" dirty="0">
-                <a:ln>
-                  <a:noFill/>
-                </a:ln>
-                <a:solidFill>
-                  <a:schemeClr val="tx1"/>
-                </a:solidFill>
-                <a:effectLst/>
-                <a:latin typeface="Arial" panose="020B0604020202020204" pitchFamily="34" charset="0"/>
-              </a:rPr>
-              <a:t>Based on the prediction, the system can provide personalized recommendations for diet, exercise, and health monitoring.</a:t>
-            </a:r>
-          </a:p>
-          <a:p>
-            <a:pPr marL="0" marR="0" lvl="0" indent="0" algn="l" defTabSz="914400" rtl="0" eaLnBrk="0" fontAlgn="base" latinLnBrk="0" hangingPunct="0">
-              <a:lnSpc>
-                <a:spcPct val="100000"/>
-              </a:lnSpc>
-              <a:spcBef>
-                <a:spcPct val="0"/>
-              </a:spcBef>
-              <a:spcAft>
-                <a:spcPct val="0"/>
-              </a:spcAft>
-              <a:buClrTx/>
-              <a:buSzTx/>
-              <a:buFontTx/>
-              <a:buChar char="•"/>
-              <a:tabLst/>
-            </a:pPr>
-            <a:r>
-              <a:rPr kumimoji="0" lang="en-US" altLang="en-US" sz="1800" b="0" i="0" u="none" strike="noStrike" cap="none" normalizeH="0" baseline="0" dirty="0">
-                <a:ln>
-                  <a:noFill/>
-                </a:ln>
-                <a:solidFill>
-                  <a:schemeClr val="tx1"/>
-                </a:solidFill>
-                <a:effectLst/>
-                <a:latin typeface="Arial" panose="020B0604020202020204" pitchFamily="34" charset="0"/>
-              </a:rPr>
-              <a:t>This feature is a crucial differentiator, transforming the system from a simple diagnostic tool into a comprehensive health companion.</a:t>
-            </a:r>
-          </a:p>
-          <a:p>
-            <a:pPr marL="0" marR="0" lvl="0" indent="0" algn="l" defTabSz="914400" rtl="0" eaLnBrk="0" fontAlgn="base" latinLnBrk="0" hangingPunct="0">
-              <a:lnSpc>
-                <a:spcPct val="100000"/>
-              </a:lnSpc>
-              <a:spcBef>
-                <a:spcPct val="0"/>
-              </a:spcBef>
-              <a:spcAft>
-                <a:spcPct val="0"/>
-              </a:spcAft>
-              <a:buClrTx/>
-              <a:buSzTx/>
-              <a:buFontTx/>
-              <a:buNone/>
-              <a:tabLst/>
-            </a:pPr>
-            <a:endParaRPr kumimoji="0" lang="en-US" altLang="en-US" sz="1800" b="0" i="0" u="none" strike="noStrike" cap="none" normalizeH="0" baseline="0" dirty="0">
-              <a:ln>
-                <a:noFill/>
-              </a:ln>
-              <a:solidFill>
-                <a:schemeClr val="tx1"/>
-              </a:solidFill>
-              <a:effectLst/>
-              <a:latin typeface="Arial" panose="020B0604020202020204" pitchFamily="34" charset="0"/>
-            </a:endParaRPr>
-          </a:p>
-        </p:txBody>
-      </p:sp>
-    </p:spTree>
-    <p:extLst>
-      <p:ext uri="{BB962C8B-B14F-4D97-AF65-F5344CB8AC3E}">
-        <p14:creationId xmlns:p14="http://schemas.microsoft.com/office/powerpoint/2010/main" val="2034681921"/>
-      </p:ext>
-    </p:extLst>
-  </p:cSld>
-  <p:clrMapOvr>
-    <a:masterClrMapping/>
-  </p:clrMapOvr>
-  <mc:AlternateContent xmlns:mc="http://schemas.openxmlformats.org/markup-compatibility/2006" xmlns:p14="http://schemas.microsoft.com/office/powerpoint/2010/main">
-    <mc:Choice Requires="p14">
-      <p:transition spd="med" p14:dur="700">
-        <p:fade/>
-      </p:transition>
-    </mc:Choice>
-    <mc:Fallback xmlns="">
-      <p:transition spd="med">
-        <p:fade/>
-      </p:transition>
-    </mc:Fallback>
-  </mc:AlternateContent>
-</p:sld>
-</file>
-
-<file path=ppt/slides/slide5.xml><?xml version="1.0" encoding="utf-8"?>
-<p:sld xmlns:a="http://schemas.openxmlformats.org/drawingml/2006/main" xmlns:r="http://schemas.openxmlformats.org/officeDocument/2006/relationships" xmlns:p="http://schemas.openxmlformats.org/presentationml/2006/main">
-  <p:cSld>
-    <p:spTree>
-      <p:nvGrpSpPr>
-        <p:cNvPr id="1" name="">
-          <a:extLst>
-            <a:ext uri="{FF2B5EF4-FFF2-40B4-BE49-F238E27FC236}">
-              <a16:creationId xmlns:a16="http://schemas.microsoft.com/office/drawing/2014/main" id="{89069C03-8E92-54D7-6EE2-33DC2B5C67BA}"/>
-            </a:ext>
-          </a:extLst>
-        </p:cNvPr>
-        <p:cNvGrpSpPr/>
-        <p:nvPr/>
-      </p:nvGrpSpPr>
-      <p:grpSpPr>
-        <a:xfrm>
-          <a:off x="0" y="0"/>
-          <a:ext cx="0" cy="0"/>
-          <a:chOff x="0" y="0"/>
-          <a:chExt cx="0" cy="0"/>
-        </a:xfrm>
-      </p:grpSpPr>
-      <p:sp>
-        <p:nvSpPr>
-          <p:cNvPr id="2" name="Text Placeholder 1">
-            <a:extLst>
-              <a:ext uri="{FF2B5EF4-FFF2-40B4-BE49-F238E27FC236}">
-                <a16:creationId xmlns:a16="http://schemas.microsoft.com/office/drawing/2014/main" id="{DB433ECB-8EAD-0AB5-1D66-62BCF658AA2C}"/>
-              </a:ext>
-            </a:extLst>
-          </p:cNvPr>
-          <p:cNvSpPr>
-            <a:spLocks noGrp="1"/>
-          </p:cNvSpPr>
-          <p:nvPr>
-            <p:ph type="body" sz="quarter" idx="13"/>
-          </p:nvPr>
-        </p:nvSpPr>
-        <p:spPr>
-          <a:xfrm>
-            <a:off x="255996" y="1271219"/>
-            <a:ext cx="10624338" cy="4142989"/>
-          </a:xfrm>
-        </p:spPr>
-        <p:txBody>
-          <a:bodyPr/>
-          <a:lstStyle/>
-          <a:p>
-            <a:pPr marL="0" indent="0">
-              <a:lnSpc>
-                <a:spcPct val="150000"/>
-              </a:lnSpc>
-              <a:buNone/>
-            </a:pPr>
-            <a:r>
-              <a:rPr lang="en-US" sz="2400" b="0" dirty="0">
-                <a:solidFill>
-                  <a:srgbClr val="5583D1"/>
-                </a:solidFill>
-                <a:latin typeface="+mn-lt"/>
-              </a:rPr>
-              <a:t>Calibri body 28</a:t>
-            </a:r>
-            <a:endParaRPr lang="en-US" sz="2400" b="0" dirty="0">
-              <a:solidFill>
-                <a:srgbClr val="5583D1"/>
-              </a:solidFill>
-            </a:endParaRPr>
-          </a:p>
-        </p:txBody>
-      </p:sp>
-      <p:sp>
-        <p:nvSpPr>
-          <p:cNvPr id="3" name="TextBox 2">
-            <a:extLst>
-              <a:ext uri="{FF2B5EF4-FFF2-40B4-BE49-F238E27FC236}">
-                <a16:creationId xmlns:a16="http://schemas.microsoft.com/office/drawing/2014/main" id="{DAB3663C-4C71-EB2A-170D-22878BAC4C68}"/>
-              </a:ext>
-            </a:extLst>
-          </p:cNvPr>
-          <p:cNvSpPr txBox="1"/>
-          <p:nvPr/>
-        </p:nvSpPr>
-        <p:spPr>
-          <a:xfrm>
-            <a:off x="255996" y="502545"/>
-            <a:ext cx="10624338" cy="646331"/>
-          </a:xfrm>
-          <a:prstGeom prst="rect">
-            <a:avLst/>
-          </a:prstGeom>
-          <a:noFill/>
-        </p:spPr>
-        <p:txBody>
-          <a:bodyPr wrap="square" rtlCol="0">
-            <a:spAutoFit/>
-          </a:bodyPr>
-          <a:lstStyle/>
-          <a:p>
-            <a:pPr marL="0" marR="0" lvl="0" indent="0" algn="l" defTabSz="914400" rtl="0" eaLnBrk="1" fontAlgn="auto" latinLnBrk="0" hangingPunct="1">
-              <a:lnSpc>
-                <a:spcPct val="100000"/>
-              </a:lnSpc>
-              <a:spcBef>
-                <a:spcPts val="0"/>
-              </a:spcBef>
-              <a:spcAft>
-                <a:spcPts val="0"/>
-              </a:spcAft>
-              <a:buClrTx/>
-              <a:buSzTx/>
-              <a:buFontTx/>
-              <a:buNone/>
-              <a:tabLst/>
-              <a:defRPr/>
-            </a:pPr>
-            <a:r>
-              <a:rPr kumimoji="0" lang="en-US" sz="3600" b="1" i="0" u="none" strike="noStrike" kern="1200" cap="none" spc="0" normalizeH="0" baseline="0" noProof="0" dirty="0">
-                <a:ln>
-                  <a:noFill/>
-                </a:ln>
-                <a:solidFill>
-                  <a:srgbClr val="5B9BD5">
-                    <a:lumMod val="50000"/>
-                  </a:srgbClr>
-                </a:solidFill>
-                <a:effectLst/>
-                <a:uLnTx/>
-                <a:uFillTx/>
-                <a:latin typeface="Calibri" panose="020F0502020204030204"/>
-                <a:ea typeface="+mn-ea"/>
-                <a:cs typeface="+mn-cs"/>
-              </a:rPr>
-              <a:t>Literature Review…. Calibri body -36</a:t>
-            </a:r>
-          </a:p>
-        </p:txBody>
-      </p:sp>
-      <p:cxnSp>
-        <p:nvCxnSpPr>
-          <p:cNvPr id="5" name="Straight Connector 4">
-            <a:extLst>
-              <a:ext uri="{FF2B5EF4-FFF2-40B4-BE49-F238E27FC236}">
-                <a16:creationId xmlns:a16="http://schemas.microsoft.com/office/drawing/2014/main" id="{B91B76A7-3EE1-470C-EBA7-8F98E8FFE105}"/>
-              </a:ext>
-            </a:extLst>
-          </p:cNvPr>
-          <p:cNvCxnSpPr>
-            <a:cxnSpLocks/>
-          </p:cNvCxnSpPr>
-          <p:nvPr/>
-        </p:nvCxnSpPr>
-        <p:spPr>
-          <a:xfrm>
-            <a:off x="221274" y="1191756"/>
-            <a:ext cx="7305799" cy="0"/>
-          </a:xfrm>
-          <a:prstGeom prst="line">
-            <a:avLst/>
-          </a:prstGeom>
-          <a:ln w="28575">
-            <a:solidFill>
-              <a:schemeClr val="accent6"/>
-            </a:solidFill>
-          </a:ln>
-        </p:spPr>
-        <p:style>
-          <a:lnRef idx="1">
-            <a:schemeClr val="accent1"/>
-          </a:lnRef>
-          <a:fillRef idx="0">
-            <a:schemeClr val="accent1"/>
-          </a:fillRef>
-          <a:effectRef idx="0">
-            <a:schemeClr val="accent1"/>
-          </a:effectRef>
-          <a:fontRef idx="minor">
-            <a:schemeClr val="tx1"/>
-          </a:fontRef>
-        </p:style>
-      </p:cxnSp>
-      <p:sp>
-        <p:nvSpPr>
-          <p:cNvPr id="4" name="TextBox 3">
-            <a:extLst>
-              <a:ext uri="{FF2B5EF4-FFF2-40B4-BE49-F238E27FC236}">
-                <a16:creationId xmlns:a16="http://schemas.microsoft.com/office/drawing/2014/main" id="{084F4041-8131-3536-FDDF-513CA3ABA637}"/>
-              </a:ext>
-            </a:extLst>
-          </p:cNvPr>
-          <p:cNvSpPr txBox="1"/>
-          <p:nvPr/>
-        </p:nvSpPr>
-        <p:spPr>
-          <a:xfrm>
-            <a:off x="6093893" y="57036"/>
-            <a:ext cx="6098107" cy="646331"/>
-          </a:xfrm>
-          <a:prstGeom prst="rect">
-            <a:avLst/>
-          </a:prstGeom>
-          <a:noFill/>
-        </p:spPr>
-        <p:txBody>
-          <a:bodyPr wrap="square" rtlCol="0">
-            <a:spAutoFit/>
-          </a:bodyPr>
-          <a:lstStyle/>
-          <a:p>
-            <a:pPr algn="r"/>
-            <a:r>
-              <a:rPr lang="en-US" sz="1800" b="1" i="1" dirty="0">
-                <a:solidFill>
-                  <a:srgbClr val="FFFFFF"/>
-                </a:solidFill>
-              </a:rPr>
-              <a:t>Project Title -  Calibri body 18</a:t>
-            </a:r>
-          </a:p>
-          <a:p>
-            <a:pPr algn="r"/>
-            <a:endParaRPr lang="en-US" dirty="0"/>
-          </a:p>
-        </p:txBody>
-      </p:sp>
-    </p:spTree>
-    <p:extLst>
-      <p:ext uri="{BB962C8B-B14F-4D97-AF65-F5344CB8AC3E}">
-        <p14:creationId xmlns:p14="http://schemas.microsoft.com/office/powerpoint/2010/main" val="860765087"/>
-      </p:ext>
-    </p:extLst>
-  </p:cSld>
-  <p:clrMapOvr>
-    <a:masterClrMapping/>
-  </p:clrMapOvr>
-  <mc:AlternateContent xmlns:mc="http://schemas.openxmlformats.org/markup-compatibility/2006" xmlns:p14="http://schemas.microsoft.com/office/powerpoint/2010/main">
-    <mc:Choice Requires="p14">
-      <p:transition spd="med" p14:dur="700">
-        <p:fade/>
-      </p:transition>
-    </mc:Choice>
-    <mc:Fallback xmlns="">
-      <p:transition spd="med">
-        <p:fade/>
-      </p:transition>
-    </mc:Fallback>
-  </mc:AlternateContent>
-  <p:timing>
-    <p:tnLst>
-      <p:par>
-        <p:cTn id="1" dur="indefinite" restart="never" nodeType="tmRoot">
-          <p:childTnLst>
-            <p:seq concurrent="1" nextAc="seek">
-              <p:cTn id="2" dur="indefinite" nodeType="mainSeq">
-                <p:childTnLst>
-                  <p:par>
-                    <p:cTn id="3" fill="hold">
-                      <p:stCondLst>
-                        <p:cond delay="indefinite"/>
-                      </p:stCondLst>
-                      <p:childTnLst>
-                        <p:par>
-                          <p:cTn id="4" fill="hold">
-                            <p:stCondLst>
-                              <p:cond delay="0"/>
-                            </p:stCondLst>
-                            <p:childTnLst>
-                              <p:par>
-                                <p:cTn id="5" presetID="1" presetClass="entr" presetSubtype="0" fill="hold" grpId="0" nodeType="clickEffect">
-                                  <p:stCondLst>
-                                    <p:cond delay="0"/>
-                                  </p:stCondLst>
-                                  <p:childTnLst>
-                                    <p:set>
-                                      <p:cBhvr>
-                                        <p:cTn id="6" dur="1" fill="hold">
-                                          <p:stCondLst>
-                                            <p:cond delay="0"/>
-                                          </p:stCondLst>
-                                        </p:cTn>
-                                        <p:tgtEl>
-                                          <p:spTgt spid="2">
-                                            <p:txEl>
-                                              <p:pRg st="0" end="0"/>
-                                            </p:txEl>
-                                          </p:spTgt>
-                                        </p:tgtEl>
-                                        <p:attrNameLst>
-                                          <p:attrName>style.visibility</p:attrName>
-                                        </p:attrNameLst>
-                                      </p:cBhvr>
-                                      <p:to>
-                                        <p:strVal val="visible"/>
-                                      </p:to>
-                                    </p:set>
-                                  </p:childTnLst>
-                                </p:cTn>
-                              </p:par>
-                            </p:childTnLst>
-                          </p:cTn>
-                        </p:par>
-                      </p:childTnLst>
-                    </p:cTn>
-                  </p:par>
-                </p:childTnLst>
-              </p:cTn>
-              <p:prevCondLst>
-                <p:cond evt="onPrev" delay="0">
-                  <p:tgtEl>
-                    <p:sldTgt/>
-                  </p:tgtEl>
-                </p:cond>
-              </p:prevCondLst>
-              <p:nextCondLst>
-                <p:cond evt="onNext" delay="0">
-                  <p:tgtEl>
-                    <p:sldTgt/>
-                  </p:tgtEl>
-                </p:cond>
-              </p:nextCondLst>
-            </p:seq>
-          </p:childTnLst>
-        </p:cTn>
-      </p:par>
-    </p:tnLst>
-    <p:bldLst>
-      <p:bldP spid="2" grpId="0" uiExpand="1" build="p"/>
-    </p:bldLst>
-  </p:timing>
-</p:sld>
-</file>
-
-<file path=ppt/slides/slide6.xml><?xml version="1.0" encoding="utf-8"?>
+<file path=ppt/slides/slide11.xml><?xml version="1.0" encoding="utf-8"?>
 <p:sld xmlns:a="http://schemas.openxmlformats.org/drawingml/2006/main" xmlns:r="http://schemas.openxmlformats.org/officeDocument/2006/relationships" xmlns:p="http://schemas.openxmlformats.org/presentationml/2006/main">
   <p:cSld>
     <p:spTree>
@@ -5984,55 +4821,6 @@
           <a:chExt cx="0" cy="0"/>
         </a:xfrm>
       </p:grpSpPr>
-      <p:sp>
-        <p:nvSpPr>
-          <p:cNvPr id="2" name="Text Placeholder 1">
-            <a:extLst>
-              <a:ext uri="{FF2B5EF4-FFF2-40B4-BE49-F238E27FC236}">
-                <a16:creationId xmlns:a16="http://schemas.microsoft.com/office/drawing/2014/main" id="{A364AF3A-1BAA-BB19-865F-8604C4E3B859}"/>
-              </a:ext>
-            </a:extLst>
-          </p:cNvPr>
-          <p:cNvSpPr>
-            <a:spLocks noGrp="1"/>
-          </p:cNvSpPr>
-          <p:nvPr>
-            <p:ph type="body" sz="quarter" idx="13"/>
-          </p:nvPr>
-        </p:nvSpPr>
-        <p:spPr>
-          <a:xfrm>
-            <a:off x="255996" y="1271219"/>
-            <a:ext cx="10624338" cy="4142989"/>
-          </a:xfrm>
-        </p:spPr>
-        <p:txBody>
-          <a:bodyPr/>
-          <a:lstStyle/>
-          <a:p>
-            <a:pPr marL="0" indent="0">
-              <a:lnSpc>
-                <a:spcPct val="150000"/>
-              </a:lnSpc>
-              <a:buNone/>
-            </a:pPr>
-            <a:r>
-              <a:rPr lang="en-US" sz="2400" b="0" dirty="0">
-                <a:solidFill>
-                  <a:srgbClr val="5583D1"/>
-                </a:solidFill>
-                <a:latin typeface="+mn-lt"/>
-              </a:rPr>
-              <a:t>Calibri body 28</a:t>
-            </a:r>
-            <a:endParaRPr lang="en-US" sz="2400" b="0" dirty="0">
-              <a:solidFill>
-                <a:srgbClr val="5583D1"/>
-              </a:solidFill>
-            </a:endParaRPr>
-          </a:p>
-        </p:txBody>
-      </p:sp>
       <p:sp>
         <p:nvSpPr>
           <p:cNvPr id="3" name="TextBox 2">
@@ -6187,6 +4975,156 @@
           </a:p>
         </p:txBody>
       </p:sp>
+      <p:sp>
+        <p:nvSpPr>
+          <p:cNvPr id="7" name="TextBox 6">
+            <a:extLst>
+              <a:ext uri="{FF2B5EF4-FFF2-40B4-BE49-F238E27FC236}">
+                <a16:creationId xmlns:a16="http://schemas.microsoft.com/office/drawing/2014/main" id="{18C02E56-21AD-A537-239A-68E2B8B7F17A}"/>
+              </a:ext>
+            </a:extLst>
+          </p:cNvPr>
+          <p:cNvSpPr txBox="1"/>
+          <p:nvPr/>
+        </p:nvSpPr>
+        <p:spPr>
+          <a:xfrm>
+            <a:off x="255996" y="1319765"/>
+            <a:ext cx="11357827" cy="6186309"/>
+          </a:xfrm>
+          <a:prstGeom prst="rect">
+            <a:avLst/>
+          </a:prstGeom>
+          <a:noFill/>
+        </p:spPr>
+        <p:txBody>
+          <a:bodyPr wrap="square">
+            <a:spAutoFit/>
+          </a:bodyPr>
+          <a:lstStyle/>
+          <a:p>
+            <a:r>
+              <a:rPr lang="en-US" b="1" dirty="0"/>
+              <a:t>1. An Ensemble Learning and Machine Learning Approach for Predicting Diabetic Disease</a:t>
+            </a:r>
+            <a:r>
+              <a:rPr lang="en-US" dirty="0"/>
+              <a:t> (2024, IEEE ICIICS)</a:t>
+            </a:r>
+          </a:p>
+          <a:p>
+            <a:r>
+              <a:rPr lang="en-US" b="1" dirty="0"/>
+              <a:t>Research Gap</a:t>
+            </a:r>
+            <a:r>
+              <a:rPr lang="en-US" dirty="0"/>
+              <a:t>: Focused on algorithm benchmarking only, no deployment, no lifestyle/nutrition personalization.</a:t>
+            </a:r>
+          </a:p>
+          <a:p>
+            <a:r>
+              <a:rPr lang="en-US" b="1" dirty="0"/>
+              <a:t>2. Diabetes Prediction and Classification Using Machine Learning and Deep Learning: A Chatbot-Based Approach</a:t>
+            </a:r>
+            <a:r>
+              <a:rPr lang="en-US" dirty="0"/>
+              <a:t> (2025, ICICI)</a:t>
+            </a:r>
+          </a:p>
+          <a:p>
+            <a:r>
+              <a:rPr lang="en-US" b="1" dirty="0"/>
+              <a:t>Research Gap</a:t>
+            </a:r>
+            <a:r>
+              <a:rPr lang="en-US" dirty="0"/>
+              <a:t>: Desktop-only, local database (SQLite), no cloud scalability, no nutrition integration, no real-world </a:t>
+            </a:r>
+            <a:r>
+              <a:rPr lang="en-US" dirty="0" err="1"/>
+              <a:t>deploymen</a:t>
+            </a:r>
+            <a:endParaRPr lang="en-US" dirty="0"/>
+          </a:p>
+          <a:p>
+            <a:r>
+              <a:rPr lang="en-US" b="1" dirty="0"/>
+              <a:t>3.Diabetes Predicting mHealth Web-Based Applications (2024)</a:t>
+            </a:r>
+          </a:p>
+          <a:p>
+            <a:r>
+              <a:rPr lang="en-US" b="1" dirty="0"/>
+              <a:t>Research Gap</a:t>
+            </a:r>
+            <a:r>
+              <a:rPr lang="en-US" dirty="0"/>
+              <a:t>: Most lacked personalization, nutrition/lifestyle integration, explainability, and secure cloud deployment.</a:t>
+            </a:r>
+          </a:p>
+          <a:p>
+            <a:r>
+              <a:rPr lang="en-US" dirty="0"/>
+              <a:t>4.</a:t>
+            </a:r>
+            <a:r>
+              <a:rPr lang="en-US" b="1" dirty="0"/>
+              <a:t> Diabetes Predicting mHealth Application Using Machine Learning</a:t>
+            </a:r>
+            <a:r>
+              <a:rPr lang="en-US" dirty="0"/>
+              <a:t> (2017, IEEE WIECON-ECE)</a:t>
+            </a:r>
+          </a:p>
+          <a:p>
+            <a:r>
+              <a:rPr lang="en-US" b="1" dirty="0"/>
+              <a:t>Research Gap</a:t>
+            </a:r>
+            <a:r>
+              <a:rPr lang="en-US" dirty="0"/>
+              <a:t>: Very low accuracy, limited features, no nutrition or advanced ML integration, not scalable</a:t>
+            </a:r>
+          </a:p>
+          <a:p>
+            <a:endParaRPr lang="en-US" dirty="0"/>
+          </a:p>
+          <a:p>
+            <a:endParaRPr lang="en-US" dirty="0"/>
+          </a:p>
+          <a:p>
+            <a:endParaRPr lang="en-US" dirty="0"/>
+          </a:p>
+          <a:p>
+            <a:endParaRPr lang="en-US" dirty="0"/>
+          </a:p>
+          <a:p>
+            <a:endParaRPr lang="en-US" dirty="0"/>
+          </a:p>
+          <a:p>
+            <a:endParaRPr lang="en-US" dirty="0"/>
+          </a:p>
+          <a:p>
+            <a:endParaRPr lang="en-US" dirty="0"/>
+          </a:p>
+          <a:p>
+            <a:endParaRPr lang="en-US" dirty="0"/>
+          </a:p>
+          <a:p>
+            <a:endParaRPr lang="en-US" dirty="0"/>
+          </a:p>
+          <a:p>
+            <a:endParaRPr lang="en-US" dirty="0"/>
+          </a:p>
+          <a:p>
+            <a:endParaRPr lang="en-US" dirty="0"/>
+          </a:p>
+          <a:p>
+            <a:endParaRPr lang="en-IN" dirty="0"/>
+          </a:p>
+        </p:txBody>
+      </p:sp>
     </p:spTree>
     <p:extLst>
       <p:ext uri="{BB962C8B-B14F-4D97-AF65-F5344CB8AC3E}">
@@ -6209,92 +5147,755 @@
       </p:transition>
     </mc:Fallback>
   </mc:AlternateContent>
-  <p:timing>
-    <p:tnLst>
-      <p:par>
-        <p:cTn id="1" dur="indefinite" restart="never" nodeType="tmRoot">
-          <p:childTnLst>
-            <p:seq concurrent="1" nextAc="seek">
-              <p:cTn id="2" dur="indefinite" nodeType="mainSeq">
-                <p:childTnLst>
-                  <p:par>
-                    <p:cTn id="3" fill="hold">
-                      <p:stCondLst>
-                        <p:cond delay="indefinite"/>
-                      </p:stCondLst>
-                      <p:childTnLst>
-                        <p:par>
-                          <p:cTn id="4" fill="hold">
-                            <p:stCondLst>
-                              <p:cond delay="0"/>
-                            </p:stCondLst>
-                            <p:childTnLst>
-                              <p:par>
-                                <p:cTn id="5" presetID="1" presetClass="entr" presetSubtype="0" fill="hold" grpId="0" nodeType="clickEffect">
-                                  <p:stCondLst>
-                                    <p:cond delay="0"/>
-                                  </p:stCondLst>
-                                  <p:childTnLst>
-                                    <p:set>
-                                      <p:cBhvr>
-                                        <p:cTn id="6" dur="1" fill="hold">
-                                          <p:stCondLst>
-                                            <p:cond delay="0"/>
-                                          </p:stCondLst>
-                                        </p:cTn>
-                                        <p:tgtEl>
-                                          <p:spTgt spid="2">
-                                            <p:txEl>
-                                              <p:pRg st="0" end="0"/>
-                                            </p:txEl>
-                                          </p:spTgt>
-                                        </p:tgtEl>
-                                        <p:attrNameLst>
-                                          <p:attrName>style.visibility</p:attrName>
-                                        </p:attrNameLst>
-                                      </p:cBhvr>
-                                      <p:to>
-                                        <p:strVal val="visible"/>
-                                      </p:to>
-                                    </p:set>
-                                  </p:childTnLst>
-                                </p:cTn>
-                              </p:par>
-                            </p:childTnLst>
-                          </p:cTn>
-                        </p:par>
-                      </p:childTnLst>
-                    </p:cTn>
-                  </p:par>
-                </p:childTnLst>
-              </p:cTn>
-              <p:prevCondLst>
-                <p:cond evt="onPrev" delay="0">
-                  <p:tgtEl>
-                    <p:sldTgt/>
-                  </p:tgtEl>
-                </p:cond>
-              </p:prevCondLst>
-              <p:nextCondLst>
-                <p:cond evt="onNext" delay="0">
-                  <p:tgtEl>
-                    <p:sldTgt/>
-                  </p:tgtEl>
-                </p:cond>
-              </p:nextCondLst>
-            </p:seq>
-          </p:childTnLst>
-        </p:cTn>
-      </p:par>
-    </p:tnLst>
-    <p:bldLst>
-      <p:bldP spid="2" grpId="0" uiExpand="1" build="p"/>
-    </p:bldLst>
-  </p:timing>
 </p:sld>
 </file>
 
-<file path=ppt/slides/slide7.xml><?xml version="1.0" encoding="utf-8"?>
+<file path=ppt/slides/slide12.xml><?xml version="1.0" encoding="utf-8"?>
+<p:sld xmlns:a="http://schemas.openxmlformats.org/drawingml/2006/main" xmlns:r="http://schemas.openxmlformats.org/officeDocument/2006/relationships" xmlns:p="http://schemas.openxmlformats.org/presentationml/2006/main">
+  <p:cSld>
+    <p:spTree>
+      <p:nvGrpSpPr>
+        <p:cNvPr id="1" name=""/>
+        <p:cNvGrpSpPr/>
+        <p:nvPr/>
+      </p:nvGrpSpPr>
+      <p:grpSpPr>
+        <a:xfrm>
+          <a:off x="0" y="0"/>
+          <a:ext cx="0" cy="0"/>
+          <a:chOff x="0" y="0"/>
+          <a:chExt cx="0" cy="0"/>
+        </a:xfrm>
+      </p:grpSpPr>
+      <p:sp>
+        <p:nvSpPr>
+          <p:cNvPr id="2" name="Text Placeholder 1">
+            <a:extLst>
+              <a:ext uri="{FF2B5EF4-FFF2-40B4-BE49-F238E27FC236}">
+                <a16:creationId xmlns:a16="http://schemas.microsoft.com/office/drawing/2014/main" id="{5E48D32D-292C-CC65-D2BC-58133B0A9CB2}"/>
+              </a:ext>
+            </a:extLst>
+          </p:cNvPr>
+          <p:cNvSpPr>
+            <a:spLocks noGrp="1"/>
+          </p:cNvSpPr>
+          <p:nvPr>
+            <p:ph type="body" sz="quarter" idx="13"/>
+          </p:nvPr>
+        </p:nvSpPr>
+        <p:spPr/>
+        <p:txBody>
+          <a:bodyPr/>
+          <a:lstStyle/>
+          <a:p>
+            <a:endParaRPr lang="en-IN" dirty="0"/>
+          </a:p>
+        </p:txBody>
+      </p:sp>
+      <p:sp>
+        <p:nvSpPr>
+          <p:cNvPr id="3" name="Text Placeholder 2">
+            <a:extLst>
+              <a:ext uri="{FF2B5EF4-FFF2-40B4-BE49-F238E27FC236}">
+                <a16:creationId xmlns:a16="http://schemas.microsoft.com/office/drawing/2014/main" id="{66030607-F22D-48E3-6998-290605396438}"/>
+              </a:ext>
+            </a:extLst>
+          </p:cNvPr>
+          <p:cNvSpPr>
+            <a:spLocks noGrp="1"/>
+          </p:cNvSpPr>
+          <p:nvPr>
+            <p:ph type="body" sz="quarter" idx="15"/>
+          </p:nvPr>
+        </p:nvSpPr>
+        <p:spPr/>
+        <p:txBody>
+          <a:bodyPr/>
+          <a:lstStyle/>
+          <a:p>
+            <a:endParaRPr lang="en-IN"/>
+          </a:p>
+        </p:txBody>
+      </p:sp>
+    </p:spTree>
+    <p:extLst>
+      <p:ext uri="{BB962C8B-B14F-4D97-AF65-F5344CB8AC3E}">
+        <p14:creationId xmlns:p14="http://schemas.microsoft.com/office/powerpoint/2010/main" val="3965174958"/>
+      </p:ext>
+    </p:extLst>
+  </p:cSld>
+  <p:clrMapOvr>
+    <a:masterClrMapping/>
+  </p:clrMapOvr>
+</p:sld>
+</file>
+
+<file path=ppt/slides/slide13.xml><?xml version="1.0" encoding="utf-8"?>
+<p:sld xmlns:a="http://schemas.openxmlformats.org/drawingml/2006/main" xmlns:r="http://schemas.openxmlformats.org/officeDocument/2006/relationships" xmlns:p="http://schemas.openxmlformats.org/presentationml/2006/main">
+  <p:cSld>
+    <p:spTree>
+      <p:nvGrpSpPr>
+        <p:cNvPr id="1" name="">
+          <a:extLst>
+            <a:ext uri="{FF2B5EF4-FFF2-40B4-BE49-F238E27FC236}">
+              <a16:creationId xmlns:a16="http://schemas.microsoft.com/office/drawing/2014/main" id="{430C3992-0CE8-7C11-E4E2-ECB7AB45540E}"/>
+            </a:ext>
+          </a:extLst>
+        </p:cNvPr>
+        <p:cNvGrpSpPr/>
+        <p:nvPr/>
+      </p:nvGrpSpPr>
+      <p:grpSpPr>
+        <a:xfrm>
+          <a:off x="0" y="0"/>
+          <a:ext cx="0" cy="0"/>
+          <a:chOff x="0" y="0"/>
+          <a:chExt cx="0" cy="0"/>
+        </a:xfrm>
+      </p:grpSpPr>
+      <p:sp>
+        <p:nvSpPr>
+          <p:cNvPr id="3" name="TextBox 2">
+            <a:extLst>
+              <a:ext uri="{FF2B5EF4-FFF2-40B4-BE49-F238E27FC236}">
+                <a16:creationId xmlns:a16="http://schemas.microsoft.com/office/drawing/2014/main" id="{7F0776DD-F789-7EBC-03B6-DB4A00261C08}"/>
+              </a:ext>
+            </a:extLst>
+          </p:cNvPr>
+          <p:cNvSpPr txBox="1"/>
+          <p:nvPr/>
+        </p:nvSpPr>
+        <p:spPr>
+          <a:xfrm>
+            <a:off x="255996" y="545425"/>
+            <a:ext cx="10624338" cy="646331"/>
+          </a:xfrm>
+          <a:prstGeom prst="rect">
+            <a:avLst/>
+          </a:prstGeom>
+          <a:noFill/>
+        </p:spPr>
+        <p:txBody>
+          <a:bodyPr wrap="square" rtlCol="0">
+            <a:spAutoFit/>
+          </a:bodyPr>
+          <a:lstStyle/>
+          <a:p>
+            <a:pPr marL="0" marR="0" lvl="0" indent="0" algn="l" defTabSz="914400" rtl="0" eaLnBrk="1" fontAlgn="auto" latinLnBrk="0" hangingPunct="1">
+              <a:lnSpc>
+                <a:spcPct val="100000"/>
+              </a:lnSpc>
+              <a:spcBef>
+                <a:spcPts val="0"/>
+              </a:spcBef>
+              <a:spcAft>
+                <a:spcPts val="0"/>
+              </a:spcAft>
+              <a:buClrTx/>
+              <a:buSzTx/>
+              <a:buFontTx/>
+              <a:buNone/>
+              <a:tabLst/>
+              <a:defRPr/>
+            </a:pPr>
+            <a:r>
+              <a:rPr lang="en-US" sz="3600" b="1" dirty="0">
+                <a:solidFill>
+                  <a:srgbClr val="5B9BD5">
+                    <a:lumMod val="50000"/>
+                  </a:srgbClr>
+                </a:solidFill>
+                <a:latin typeface="Calibri" panose="020F0502020204030204"/>
+              </a:rPr>
+              <a:t>MODULAR TO COVER</a:t>
+            </a:r>
+          </a:p>
+        </p:txBody>
+      </p:sp>
+      <p:cxnSp>
+        <p:nvCxnSpPr>
+          <p:cNvPr id="5" name="Straight Connector 4">
+            <a:extLst>
+              <a:ext uri="{FF2B5EF4-FFF2-40B4-BE49-F238E27FC236}">
+                <a16:creationId xmlns:a16="http://schemas.microsoft.com/office/drawing/2014/main" id="{21EEF61C-E56A-51C9-4517-232AEADCB9F2}"/>
+              </a:ext>
+            </a:extLst>
+          </p:cNvPr>
+          <p:cNvCxnSpPr>
+            <a:cxnSpLocks/>
+          </p:cNvCxnSpPr>
+          <p:nvPr/>
+        </p:nvCxnSpPr>
+        <p:spPr>
+          <a:xfrm>
+            <a:off x="221274" y="1191756"/>
+            <a:ext cx="7305799" cy="0"/>
+          </a:xfrm>
+          <a:prstGeom prst="line">
+            <a:avLst/>
+          </a:prstGeom>
+          <a:ln w="28575">
+            <a:solidFill>
+              <a:schemeClr val="accent6"/>
+            </a:solidFill>
+          </a:ln>
+        </p:spPr>
+        <p:style>
+          <a:lnRef idx="1">
+            <a:schemeClr val="accent1"/>
+          </a:lnRef>
+          <a:fillRef idx="0">
+            <a:schemeClr val="accent1"/>
+          </a:fillRef>
+          <a:effectRef idx="0">
+            <a:schemeClr val="accent1"/>
+          </a:effectRef>
+          <a:fontRef idx="minor">
+            <a:schemeClr val="tx1"/>
+          </a:fontRef>
+        </p:style>
+      </p:cxnSp>
+      <p:sp>
+        <p:nvSpPr>
+          <p:cNvPr id="4" name="TextBox 3">
+            <a:extLst>
+              <a:ext uri="{FF2B5EF4-FFF2-40B4-BE49-F238E27FC236}">
+                <a16:creationId xmlns:a16="http://schemas.microsoft.com/office/drawing/2014/main" id="{99C1280A-95F7-F8C3-F9A4-007F5A54A834}"/>
+              </a:ext>
+            </a:extLst>
+          </p:cNvPr>
+          <p:cNvSpPr txBox="1"/>
+          <p:nvPr/>
+        </p:nvSpPr>
+        <p:spPr>
+          <a:xfrm>
+            <a:off x="6093893" y="57036"/>
+            <a:ext cx="6098107" cy="646331"/>
+          </a:xfrm>
+          <a:prstGeom prst="rect">
+            <a:avLst/>
+          </a:prstGeom>
+          <a:noFill/>
+        </p:spPr>
+        <p:txBody>
+          <a:bodyPr wrap="square" rtlCol="0">
+            <a:spAutoFit/>
+          </a:bodyPr>
+          <a:lstStyle/>
+          <a:p>
+            <a:pPr algn="r"/>
+            <a:r>
+              <a:rPr lang="en-US" sz="1800" b="1" i="1" dirty="0">
+                <a:solidFill>
+                  <a:srgbClr val="FFFFFF"/>
+                </a:solidFill>
+              </a:rPr>
+              <a:t>Project Title -  Calibri body 18</a:t>
+            </a:r>
+          </a:p>
+          <a:p>
+            <a:pPr algn="r"/>
+            <a:endParaRPr lang="en-US" dirty="0"/>
+          </a:p>
+        </p:txBody>
+      </p:sp>
+      <p:graphicFrame>
+        <p:nvGraphicFramePr>
+          <p:cNvPr id="9" name="Table 8">
+            <a:extLst>
+              <a:ext uri="{FF2B5EF4-FFF2-40B4-BE49-F238E27FC236}">
+                <a16:creationId xmlns:a16="http://schemas.microsoft.com/office/drawing/2014/main" id="{D21CDC9B-74FC-4AFA-1E2D-D35176ACF424}"/>
+              </a:ext>
+            </a:extLst>
+          </p:cNvPr>
+          <p:cNvGraphicFramePr>
+            <a:graphicFrameLocks noGrp="1"/>
+          </p:cNvGraphicFramePr>
+          <p:nvPr>
+            <p:extLst>
+              <p:ext uri="{D42A27DB-BD31-4B8C-83A1-F6EECF244321}">
+                <p14:modId xmlns:p14="http://schemas.microsoft.com/office/powerpoint/2010/main" val="2545931385"/>
+              </p:ext>
+            </p:extLst>
+          </p:nvPr>
+        </p:nvGraphicFramePr>
+        <p:xfrm>
+          <a:off x="359691" y="1282045"/>
+          <a:ext cx="9904002" cy="4252168"/>
+        </p:xfrm>
+        <a:graphic>
+          <a:graphicData uri="http://schemas.openxmlformats.org/drawingml/2006/table">
+            <a:tbl>
+              <a:tblPr firstRow="1" bandRow="1">
+                <a:tableStyleId>{5940675A-B579-460E-94D1-54222C63F5DA}</a:tableStyleId>
+              </a:tblPr>
+              <a:tblGrid>
+                <a:gridCol w="3301334">
+                  <a:extLst>
+                    <a:ext uri="{9D8B030D-6E8A-4147-A177-3AD203B41FA5}">
+                      <a16:colId xmlns:a16="http://schemas.microsoft.com/office/drawing/2014/main" val="23275061"/>
+                    </a:ext>
+                  </a:extLst>
+                </a:gridCol>
+                <a:gridCol w="3301334">
+                  <a:extLst>
+                    <a:ext uri="{9D8B030D-6E8A-4147-A177-3AD203B41FA5}">
+                      <a16:colId xmlns:a16="http://schemas.microsoft.com/office/drawing/2014/main" val="3164779952"/>
+                    </a:ext>
+                  </a:extLst>
+                </a:gridCol>
+                <a:gridCol w="3301334">
+                  <a:extLst>
+                    <a:ext uri="{9D8B030D-6E8A-4147-A177-3AD203B41FA5}">
+                      <a16:colId xmlns:a16="http://schemas.microsoft.com/office/drawing/2014/main" val="3154595024"/>
+                    </a:ext>
+                  </a:extLst>
+                </a:gridCol>
+              </a:tblGrid>
+              <a:tr h="245755">
+                <a:tc>
+                  <a:txBody>
+                    <a:bodyPr/>
+                    <a:lstStyle/>
+                    <a:p>
+                      <a:r>
+                        <a:rPr lang="en-IN" dirty="0"/>
+                        <a:t>MODULAR</a:t>
+                      </a:r>
+                    </a:p>
+                  </a:txBody>
+                  <a:tcPr/>
+                </a:tc>
+                <a:tc>
+                  <a:txBody>
+                    <a:bodyPr/>
+                    <a:lstStyle/>
+                    <a:p>
+                      <a:r>
+                        <a:rPr lang="en-IN" dirty="0"/>
+                        <a:t>WEEKS</a:t>
+                      </a:r>
+                    </a:p>
+                  </a:txBody>
+                  <a:tcPr/>
+                </a:tc>
+                <a:tc>
+                  <a:txBody>
+                    <a:bodyPr/>
+                    <a:lstStyle/>
+                    <a:p>
+                      <a:r>
+                        <a:rPr lang="en-IN" dirty="0"/>
+                        <a:t>TASK</a:t>
+                      </a:r>
+                    </a:p>
+                  </a:txBody>
+                  <a:tcPr/>
+                </a:tc>
+                <a:extLst>
+                  <a:ext uri="{0D108BD9-81ED-4DB2-BD59-A6C34878D82A}">
+                    <a16:rowId xmlns:a16="http://schemas.microsoft.com/office/drawing/2014/main" val="3641283821"/>
+                  </a:ext>
+                </a:extLst>
+              </a:tr>
+              <a:tr h="485801">
+                <a:tc>
+                  <a:txBody>
+                    <a:bodyPr/>
+                    <a:lstStyle/>
+                    <a:p>
+                      <a:r>
+                        <a:rPr lang="en-IN" dirty="0"/>
+                        <a:t>Module 1</a:t>
+                      </a:r>
+                    </a:p>
+                  </a:txBody>
+                  <a:tcPr/>
+                </a:tc>
+                <a:tc>
+                  <a:txBody>
+                    <a:bodyPr/>
+                    <a:lstStyle/>
+                    <a:p>
+                      <a:r>
+                        <a:rPr lang="en-IN" dirty="0"/>
+                        <a:t>WEEK1</a:t>
+                      </a:r>
+                    </a:p>
+                  </a:txBody>
+                  <a:tcPr/>
+                </a:tc>
+                <a:tc>
+                  <a:txBody>
+                    <a:bodyPr/>
+                    <a:lstStyle/>
+                    <a:p>
+                      <a:r>
+                        <a:rPr lang="en-IN" dirty="0"/>
+                        <a:t>Data Acquisition &amp; Preprocessing</a:t>
+                      </a:r>
+                    </a:p>
+                  </a:txBody>
+                  <a:tcPr/>
+                </a:tc>
+                <a:extLst>
+                  <a:ext uri="{0D108BD9-81ED-4DB2-BD59-A6C34878D82A}">
+                    <a16:rowId xmlns:a16="http://schemas.microsoft.com/office/drawing/2014/main" val="2153380753"/>
+                  </a:ext>
+                </a:extLst>
+              </a:tr>
+              <a:tr h="485801">
+                <a:tc>
+                  <a:txBody>
+                    <a:bodyPr/>
+                    <a:lstStyle/>
+                    <a:p>
+                      <a:r>
+                        <a:rPr lang="en-IN" dirty="0"/>
+                        <a:t>Module 2</a:t>
+                      </a:r>
+                    </a:p>
+                  </a:txBody>
+                  <a:tcPr/>
+                </a:tc>
+                <a:tc>
+                  <a:txBody>
+                    <a:bodyPr/>
+                    <a:lstStyle/>
+                    <a:p>
+                      <a:r>
+                        <a:rPr lang="en-IN" dirty="0"/>
+                        <a:t>WEEK2</a:t>
+                      </a:r>
+                    </a:p>
+                  </a:txBody>
+                  <a:tcPr/>
+                </a:tc>
+                <a:tc>
+                  <a:txBody>
+                    <a:bodyPr/>
+                    <a:lstStyle/>
+                    <a:p>
+                      <a:r>
+                        <a:rPr lang="en-IN" dirty="0"/>
+                        <a:t>Train Machine Learning Models</a:t>
+                      </a:r>
+                    </a:p>
+                  </a:txBody>
+                  <a:tcPr/>
+                </a:tc>
+                <a:extLst>
+                  <a:ext uri="{0D108BD9-81ED-4DB2-BD59-A6C34878D82A}">
+                    <a16:rowId xmlns:a16="http://schemas.microsoft.com/office/drawing/2014/main" val="1051275376"/>
+                  </a:ext>
+                </a:extLst>
+              </a:tr>
+              <a:tr h="485801">
+                <a:tc>
+                  <a:txBody>
+                    <a:bodyPr/>
+                    <a:lstStyle/>
+                    <a:p>
+                      <a:r>
+                        <a:rPr lang="en-IN" dirty="0"/>
+                        <a:t>Module 3</a:t>
+                      </a:r>
+                    </a:p>
+                  </a:txBody>
+                  <a:tcPr/>
+                </a:tc>
+                <a:tc>
+                  <a:txBody>
+                    <a:bodyPr/>
+                    <a:lstStyle/>
+                    <a:p>
+                      <a:r>
+                        <a:rPr lang="en-IN" dirty="0"/>
+                        <a:t>WEEK3</a:t>
+                      </a:r>
+                    </a:p>
+                  </a:txBody>
+                  <a:tcPr/>
+                </a:tc>
+                <a:tc>
+                  <a:txBody>
+                    <a:bodyPr/>
+                    <a:lstStyle/>
+                    <a:p>
+                      <a:r>
+                        <a:rPr lang="en-IN" dirty="0"/>
+                        <a:t>Advanced Models &amp; NLP</a:t>
+                      </a:r>
+                    </a:p>
+                  </a:txBody>
+                  <a:tcPr/>
+                </a:tc>
+                <a:extLst>
+                  <a:ext uri="{0D108BD9-81ED-4DB2-BD59-A6C34878D82A}">
+                    <a16:rowId xmlns:a16="http://schemas.microsoft.com/office/drawing/2014/main" val="1989066765"/>
+                  </a:ext>
+                </a:extLst>
+              </a:tr>
+              <a:tr h="485801">
+                <a:tc>
+                  <a:txBody>
+                    <a:bodyPr/>
+                    <a:lstStyle/>
+                    <a:p>
+                      <a:r>
+                        <a:rPr lang="en-IN" dirty="0"/>
+                        <a:t>Module 4:</a:t>
+                      </a:r>
+                    </a:p>
+                  </a:txBody>
+                  <a:tcPr/>
+                </a:tc>
+                <a:tc>
+                  <a:txBody>
+                    <a:bodyPr/>
+                    <a:lstStyle/>
+                    <a:p>
+                      <a:r>
+                        <a:rPr lang="en-IN" dirty="0"/>
+                        <a:t>WEEK4</a:t>
+                      </a:r>
+                    </a:p>
+                  </a:txBody>
+                  <a:tcPr/>
+                </a:tc>
+                <a:tc>
+                  <a:txBody>
+                    <a:bodyPr/>
+                    <a:lstStyle/>
+                    <a:p>
+                      <a:r>
+                        <a:rPr lang="en-IN" dirty="0"/>
+                        <a:t>Risk Prediction &amp; Stratification</a:t>
+                      </a:r>
+                    </a:p>
+                  </a:txBody>
+                  <a:tcPr/>
+                </a:tc>
+                <a:extLst>
+                  <a:ext uri="{0D108BD9-81ED-4DB2-BD59-A6C34878D82A}">
+                    <a16:rowId xmlns:a16="http://schemas.microsoft.com/office/drawing/2014/main" val="3751945124"/>
+                  </a:ext>
+                </a:extLst>
+              </a:tr>
+              <a:tr h="485801">
+                <a:tc>
+                  <a:txBody>
+                    <a:bodyPr/>
+                    <a:lstStyle/>
+                    <a:p>
+                      <a:r>
+                        <a:rPr lang="en-IN" dirty="0"/>
+                        <a:t>Module 5</a:t>
+                      </a:r>
+                    </a:p>
+                  </a:txBody>
+                  <a:tcPr/>
+                </a:tc>
+                <a:tc>
+                  <a:txBody>
+                    <a:bodyPr/>
+                    <a:lstStyle/>
+                    <a:p>
+                      <a:r>
+                        <a:rPr lang="en-IN" dirty="0"/>
+                        <a:t>WEEK5</a:t>
+                      </a:r>
+                    </a:p>
+                  </a:txBody>
+                  <a:tcPr/>
+                </a:tc>
+                <a:tc>
+                  <a:txBody>
+                    <a:bodyPr/>
+                    <a:lstStyle/>
+                    <a:p>
+                      <a:r>
+                        <a:rPr lang="en-IN" dirty="0"/>
+                        <a:t>Recommendation Engine</a:t>
+                      </a:r>
+                    </a:p>
+                  </a:txBody>
+                  <a:tcPr/>
+                </a:tc>
+                <a:extLst>
+                  <a:ext uri="{0D108BD9-81ED-4DB2-BD59-A6C34878D82A}">
+                    <a16:rowId xmlns:a16="http://schemas.microsoft.com/office/drawing/2014/main" val="1761937023"/>
+                  </a:ext>
+                </a:extLst>
+              </a:tr>
+              <a:tr h="485801">
+                <a:tc>
+                  <a:txBody>
+                    <a:bodyPr/>
+                    <a:lstStyle/>
+                    <a:p>
+                      <a:r>
+                        <a:rPr lang="en-IN" dirty="0"/>
+                        <a:t>Module 6</a:t>
+                      </a:r>
+                    </a:p>
+                  </a:txBody>
+                  <a:tcPr/>
+                </a:tc>
+                <a:tc>
+                  <a:txBody>
+                    <a:bodyPr/>
+                    <a:lstStyle/>
+                    <a:p>
+                      <a:r>
+                        <a:rPr lang="en-IN" dirty="0"/>
+                        <a:t>WEEK6</a:t>
+                      </a:r>
+                    </a:p>
+                  </a:txBody>
+                  <a:tcPr/>
+                </a:tc>
+                <a:tc>
+                  <a:txBody>
+                    <a:bodyPr/>
+                    <a:lstStyle/>
+                    <a:p>
+                      <a:r>
+                        <a:rPr lang="en-IN" dirty="0"/>
+                        <a:t>Deployment</a:t>
+                      </a:r>
+                    </a:p>
+                  </a:txBody>
+                  <a:tcPr/>
+                </a:tc>
+                <a:extLst>
+                  <a:ext uri="{0D108BD9-81ED-4DB2-BD59-A6C34878D82A}">
+                    <a16:rowId xmlns:a16="http://schemas.microsoft.com/office/drawing/2014/main" val="68617025"/>
+                  </a:ext>
+                </a:extLst>
+              </a:tr>
+              <a:tr h="485801">
+                <a:tc>
+                  <a:txBody>
+                    <a:bodyPr/>
+                    <a:lstStyle/>
+                    <a:p>
+                      <a:r>
+                        <a:rPr lang="en-IN" dirty="0"/>
+                        <a:t>Module 7</a:t>
+                      </a:r>
+                    </a:p>
+                  </a:txBody>
+                  <a:tcPr/>
+                </a:tc>
+                <a:tc>
+                  <a:txBody>
+                    <a:bodyPr/>
+                    <a:lstStyle/>
+                    <a:p>
+                      <a:r>
+                        <a:rPr lang="en-IN" dirty="0"/>
+                        <a:t>WEEK7</a:t>
+                      </a:r>
+                    </a:p>
+                  </a:txBody>
+                  <a:tcPr/>
+                </a:tc>
+                <a:tc>
+                  <a:txBody>
+                    <a:bodyPr/>
+                    <a:lstStyle/>
+                    <a:p>
+                      <a:r>
+                        <a:rPr lang="en-IN" dirty="0"/>
+                        <a:t>Testing &amp; Validation</a:t>
+                      </a:r>
+                    </a:p>
+                  </a:txBody>
+                  <a:tcPr/>
+                </a:tc>
+                <a:extLst>
+                  <a:ext uri="{0D108BD9-81ED-4DB2-BD59-A6C34878D82A}">
+                    <a16:rowId xmlns:a16="http://schemas.microsoft.com/office/drawing/2014/main" val="2145439694"/>
+                  </a:ext>
+                </a:extLst>
+              </a:tr>
+              <a:tr h="485801">
+                <a:tc>
+                  <a:txBody>
+                    <a:bodyPr/>
+                    <a:lstStyle/>
+                    <a:p>
+                      <a:r>
+                        <a:rPr lang="en-IN" dirty="0"/>
+                        <a:t>Module 8</a:t>
+                      </a:r>
+                    </a:p>
+                  </a:txBody>
+                  <a:tcPr/>
+                </a:tc>
+                <a:tc>
+                  <a:txBody>
+                    <a:bodyPr/>
+                    <a:lstStyle/>
+                    <a:p>
+                      <a:r>
+                        <a:rPr lang="en-IN" dirty="0"/>
+                        <a:t>WEEK8</a:t>
+                      </a:r>
+                    </a:p>
+                  </a:txBody>
+                  <a:tcPr/>
+                </a:tc>
+                <a:tc>
+                  <a:txBody>
+                    <a:bodyPr/>
+                    <a:lstStyle/>
+                    <a:p>
+                      <a:r>
+                        <a:rPr lang="en-IN" dirty="0"/>
+                        <a:t>Monitoring &amp; Maintenance</a:t>
+                      </a:r>
+                    </a:p>
+                  </a:txBody>
+                  <a:tcPr/>
+                </a:tc>
+                <a:extLst>
+                  <a:ext uri="{0D108BD9-81ED-4DB2-BD59-A6C34878D82A}">
+                    <a16:rowId xmlns:a16="http://schemas.microsoft.com/office/drawing/2014/main" val="1695782272"/>
+                  </a:ext>
+                </a:extLst>
+              </a:tr>
+            </a:tbl>
+          </a:graphicData>
+        </a:graphic>
+      </p:graphicFrame>
+    </p:spTree>
+    <p:extLst>
+      <p:ext uri="{BB962C8B-B14F-4D97-AF65-F5344CB8AC3E}">
+        <p14:creationId xmlns:p14="http://schemas.microsoft.com/office/powerpoint/2010/main" val="1172074681"/>
+      </p:ext>
+    </p:extLst>
+  </p:cSld>
+  <p:clrMapOvr>
+    <a:masterClrMapping/>
+  </p:clrMapOvr>
+  <mc:AlternateContent xmlns:mc="http://schemas.openxmlformats.org/markup-compatibility/2006" xmlns:p14="http://schemas.microsoft.com/office/powerpoint/2010/main">
+    <mc:Choice Requires="p14">
+      <p:transition spd="med" p14:dur="700">
+        <p:fade/>
+      </p:transition>
+    </mc:Choice>
+    <mc:Fallback xmlns="">
+      <p:transition spd="med">
+        <p:fade/>
+      </p:transition>
+    </mc:Fallback>
+  </mc:AlternateContent>
+</p:sld>
+</file>
+
+<file path=ppt/slides/slide14.xml><?xml version="1.0" encoding="utf-8"?>
 <p:sld xmlns:a="http://schemas.openxmlformats.org/drawingml/2006/main" xmlns:r="http://schemas.openxmlformats.org/officeDocument/2006/relationships" xmlns:p="http://schemas.openxmlformats.org/presentationml/2006/main">
   <p:cSld>
     <p:spTree>
@@ -6335,13 +5936,93 @@
         </p:nvSpPr>
         <p:spPr>
           <a:xfrm>
-            <a:off x="255996" y="1271219"/>
-            <a:ext cx="10624338" cy="4142989"/>
+            <a:off x="255995" y="1271219"/>
+            <a:ext cx="10801645" cy="5110726"/>
           </a:xfrm>
         </p:spPr>
         <p:txBody>
           <a:bodyPr/>
           <a:lstStyle/>
+          <a:p>
+            <a:r>
+              <a:rPr lang="en-IN" dirty="0"/>
+              <a:t>System Architecture Overview</a:t>
+            </a:r>
+          </a:p>
+          <a:p>
+            <a:r>
+              <a:rPr lang="en-IN" dirty="0"/>
+              <a:t>Input Layer: Clinical parameters (Glucose, BMI, BP, Age, Family history) + Meal logs (text).</a:t>
+            </a:r>
+          </a:p>
+          <a:p>
+            <a:r>
+              <a:rPr lang="en-IN" dirty="0"/>
+              <a:t>Processing Layer:</a:t>
+            </a:r>
+          </a:p>
+          <a:p>
+            <a:pPr lvl="1"/>
+            <a:r>
+              <a:rPr lang="en-IN" dirty="0"/>
+              <a:t>Data cleaning and preprocessing.</a:t>
+            </a:r>
+          </a:p>
+          <a:p>
+            <a:pPr lvl="1"/>
+            <a:r>
+              <a:rPr lang="en-IN" dirty="0"/>
+              <a:t>NLP (BERT) for meal text → nutrition values.</a:t>
+            </a:r>
+          </a:p>
+          <a:p>
+            <a:pPr lvl="1"/>
+            <a:r>
+              <a:rPr lang="en-IN" dirty="0"/>
+              <a:t>ML models (Random Forest, </a:t>
+            </a:r>
+            <a:r>
+              <a:rPr lang="en-IN" dirty="0" err="1"/>
+              <a:t>XGBoost</a:t>
+            </a:r>
+            <a:r>
+              <a:rPr lang="en-IN" dirty="0"/>
+              <a:t>) for risk prediction.</a:t>
+            </a:r>
+          </a:p>
+          <a:p>
+            <a:r>
+              <a:rPr lang="en-IN" dirty="0"/>
+              <a:t>Output Layer: Risk classification (Low/Medium/High), lifestyle &amp; dietary recommendations.</a:t>
+            </a:r>
+          </a:p>
+          <a:p>
+            <a:r>
+              <a:rPr lang="en-IN" dirty="0"/>
+              <a:t>Deployment Layer: </a:t>
+            </a:r>
+            <a:r>
+              <a:rPr lang="en-IN" dirty="0" err="1"/>
+              <a:t>Streamlit</a:t>
+            </a:r>
+            <a:r>
+              <a:rPr lang="en-IN" dirty="0"/>
+              <a:t> frontend + Azure AD authentication + </a:t>
+            </a:r>
+            <a:r>
+              <a:rPr lang="en-IN" dirty="0" err="1"/>
+              <a:t>Dockerized</a:t>
+            </a:r>
+            <a:r>
+              <a:rPr lang="en-IN" dirty="0"/>
+              <a:t> </a:t>
+            </a:r>
+            <a:r>
+              <a:rPr lang="en-IN" dirty="0" err="1"/>
+              <a:t>deplo</a:t>
+            </a:r>
+            <a:endParaRPr lang="en-IN" dirty="0"/>
+          </a:p>
           <a:p>
             <a:pPr marL="0" indent="0">
               <a:lnSpc>
@@ -6349,15 +6030,6 @@
               </a:lnSpc>
               <a:buNone/>
             </a:pPr>
-            <a:r>
-              <a:rPr lang="en-US" sz="2400" b="0" dirty="0">
-                <a:solidFill>
-                  <a:srgbClr val="5583D1"/>
-                </a:solidFill>
-                <a:latin typeface="+mn-lt"/>
-              </a:rPr>
-              <a:t>Calibri body 28</a:t>
-            </a:r>
             <a:endParaRPr lang="en-US" sz="2400" b="0" dirty="0">
               <a:solidFill>
                 <a:srgbClr val="5583D1"/>
@@ -6380,7 +6052,7 @@
         </p:nvSpPr>
         <p:spPr>
           <a:xfrm>
-            <a:off x="255996" y="502545"/>
+            <a:off x="255996" y="545425"/>
             <a:ext cx="10624338" cy="646331"/>
           </a:xfrm>
           <a:prstGeom prst="rect">
@@ -6599,6 +6271,295 @@
                       </p:childTnLst>
                     </p:cTn>
                   </p:par>
+                  <p:par>
+                    <p:cTn id="7" fill="hold">
+                      <p:stCondLst>
+                        <p:cond delay="indefinite"/>
+                      </p:stCondLst>
+                      <p:childTnLst>
+                        <p:par>
+                          <p:cTn id="8" fill="hold">
+                            <p:stCondLst>
+                              <p:cond delay="0"/>
+                            </p:stCondLst>
+                            <p:childTnLst>
+                              <p:par>
+                                <p:cTn id="9" presetID="1" presetClass="entr" presetSubtype="0" fill="hold" grpId="0" nodeType="clickEffect">
+                                  <p:stCondLst>
+                                    <p:cond delay="0"/>
+                                  </p:stCondLst>
+                                  <p:childTnLst>
+                                    <p:set>
+                                      <p:cBhvr>
+                                        <p:cTn id="10" dur="1" fill="hold">
+                                          <p:stCondLst>
+                                            <p:cond delay="0"/>
+                                          </p:stCondLst>
+                                        </p:cTn>
+                                        <p:tgtEl>
+                                          <p:spTgt spid="2">
+                                            <p:txEl>
+                                              <p:pRg st="1" end="1"/>
+                                            </p:txEl>
+                                          </p:spTgt>
+                                        </p:tgtEl>
+                                        <p:attrNameLst>
+                                          <p:attrName>style.visibility</p:attrName>
+                                        </p:attrNameLst>
+                                      </p:cBhvr>
+                                      <p:to>
+                                        <p:strVal val="visible"/>
+                                      </p:to>
+                                    </p:set>
+                                  </p:childTnLst>
+                                </p:cTn>
+                              </p:par>
+                            </p:childTnLst>
+                          </p:cTn>
+                        </p:par>
+                      </p:childTnLst>
+                    </p:cTn>
+                  </p:par>
+                  <p:par>
+                    <p:cTn id="11" fill="hold">
+                      <p:stCondLst>
+                        <p:cond delay="indefinite"/>
+                      </p:stCondLst>
+                      <p:childTnLst>
+                        <p:par>
+                          <p:cTn id="12" fill="hold">
+                            <p:stCondLst>
+                              <p:cond delay="0"/>
+                            </p:stCondLst>
+                            <p:childTnLst>
+                              <p:par>
+                                <p:cTn id="13" presetID="1" presetClass="entr" presetSubtype="0" fill="hold" grpId="0" nodeType="clickEffect">
+                                  <p:stCondLst>
+                                    <p:cond delay="0"/>
+                                  </p:stCondLst>
+                                  <p:childTnLst>
+                                    <p:set>
+                                      <p:cBhvr>
+                                        <p:cTn id="14" dur="1" fill="hold">
+                                          <p:stCondLst>
+                                            <p:cond delay="0"/>
+                                          </p:stCondLst>
+                                        </p:cTn>
+                                        <p:tgtEl>
+                                          <p:spTgt spid="2">
+                                            <p:txEl>
+                                              <p:pRg st="2" end="2"/>
+                                            </p:txEl>
+                                          </p:spTgt>
+                                        </p:tgtEl>
+                                        <p:attrNameLst>
+                                          <p:attrName>style.visibility</p:attrName>
+                                        </p:attrNameLst>
+                                      </p:cBhvr>
+                                      <p:to>
+                                        <p:strVal val="visible"/>
+                                      </p:to>
+                                    </p:set>
+                                  </p:childTnLst>
+                                </p:cTn>
+                              </p:par>
+                              <p:par>
+                                <p:cTn id="15" presetID="1" presetClass="entr" presetSubtype="0" fill="hold" grpId="0" nodeType="withEffect">
+                                  <p:stCondLst>
+                                    <p:cond delay="0"/>
+                                  </p:stCondLst>
+                                  <p:childTnLst>
+                                    <p:set>
+                                      <p:cBhvr>
+                                        <p:cTn id="16" dur="1" fill="hold">
+                                          <p:stCondLst>
+                                            <p:cond delay="0"/>
+                                          </p:stCondLst>
+                                        </p:cTn>
+                                        <p:tgtEl>
+                                          <p:spTgt spid="2">
+                                            <p:txEl>
+                                              <p:pRg st="3" end="3"/>
+                                            </p:txEl>
+                                          </p:spTgt>
+                                        </p:tgtEl>
+                                        <p:attrNameLst>
+                                          <p:attrName>style.visibility</p:attrName>
+                                        </p:attrNameLst>
+                                      </p:cBhvr>
+                                      <p:to>
+                                        <p:strVal val="visible"/>
+                                      </p:to>
+                                    </p:set>
+                                  </p:childTnLst>
+                                </p:cTn>
+                              </p:par>
+                              <p:par>
+                                <p:cTn id="17" presetID="1" presetClass="entr" presetSubtype="0" fill="hold" grpId="0" nodeType="withEffect">
+                                  <p:stCondLst>
+                                    <p:cond delay="0"/>
+                                  </p:stCondLst>
+                                  <p:childTnLst>
+                                    <p:set>
+                                      <p:cBhvr>
+                                        <p:cTn id="18" dur="1" fill="hold">
+                                          <p:stCondLst>
+                                            <p:cond delay="0"/>
+                                          </p:stCondLst>
+                                        </p:cTn>
+                                        <p:tgtEl>
+                                          <p:spTgt spid="2">
+                                            <p:txEl>
+                                              <p:pRg st="4" end="4"/>
+                                            </p:txEl>
+                                          </p:spTgt>
+                                        </p:tgtEl>
+                                        <p:attrNameLst>
+                                          <p:attrName>style.visibility</p:attrName>
+                                        </p:attrNameLst>
+                                      </p:cBhvr>
+                                      <p:to>
+                                        <p:strVal val="visible"/>
+                                      </p:to>
+                                    </p:set>
+                                  </p:childTnLst>
+                                </p:cTn>
+                              </p:par>
+                              <p:par>
+                                <p:cTn id="19" presetID="1" presetClass="entr" presetSubtype="0" fill="hold" grpId="0" nodeType="withEffect">
+                                  <p:stCondLst>
+                                    <p:cond delay="0"/>
+                                  </p:stCondLst>
+                                  <p:childTnLst>
+                                    <p:set>
+                                      <p:cBhvr>
+                                        <p:cTn id="20" dur="1" fill="hold">
+                                          <p:stCondLst>
+                                            <p:cond delay="0"/>
+                                          </p:stCondLst>
+                                        </p:cTn>
+                                        <p:tgtEl>
+                                          <p:spTgt spid="2">
+                                            <p:txEl>
+                                              <p:pRg st="5" end="5"/>
+                                            </p:txEl>
+                                          </p:spTgt>
+                                        </p:tgtEl>
+                                        <p:attrNameLst>
+                                          <p:attrName>style.visibility</p:attrName>
+                                        </p:attrNameLst>
+                                      </p:cBhvr>
+                                      <p:to>
+                                        <p:strVal val="visible"/>
+                                      </p:to>
+                                    </p:set>
+                                  </p:childTnLst>
+                                </p:cTn>
+                              </p:par>
+                            </p:childTnLst>
+                          </p:cTn>
+                        </p:par>
+                      </p:childTnLst>
+                    </p:cTn>
+                  </p:par>
+                  <p:par>
+                    <p:cTn id="21" fill="hold">
+                      <p:stCondLst>
+                        <p:cond delay="indefinite"/>
+                      </p:stCondLst>
+                      <p:childTnLst>
+                        <p:par>
+                          <p:cTn id="22" fill="hold">
+                            <p:stCondLst>
+                              <p:cond delay="0"/>
+                            </p:stCondLst>
+                            <p:childTnLst>
+                              <p:par>
+                                <p:cTn id="23" presetID="1" presetClass="entr" presetSubtype="0" fill="hold" grpId="0" nodeType="clickEffect">
+                                  <p:stCondLst>
+                                    <p:cond delay="0"/>
+                                  </p:stCondLst>
+                                  <p:childTnLst>
+                                    <p:set>
+                                      <p:cBhvr>
+                                        <p:cTn id="24" dur="1" fill="hold">
+                                          <p:stCondLst>
+                                            <p:cond delay="0"/>
+                                          </p:stCondLst>
+                                        </p:cTn>
+                                        <p:tgtEl>
+                                          <p:spTgt spid="2">
+                                            <p:txEl>
+                                              <p:pRg st="6" end="6"/>
+                                            </p:txEl>
+                                          </p:spTgt>
+                                        </p:tgtEl>
+                                        <p:attrNameLst>
+                                          <p:attrName>style.visibility</p:attrName>
+                                        </p:attrNameLst>
+                                      </p:cBhvr>
+                                      <p:to>
+                                        <p:strVal val="visible"/>
+                                      </p:to>
+                                    </p:set>
+                                  </p:childTnLst>
+                                </p:cTn>
+                              </p:par>
+                            </p:childTnLst>
+                          </p:cTn>
+                        </p:par>
+                      </p:childTnLst>
+                    </p:cTn>
+                  </p:par>
+                  <p:par>
+                    <p:cTn id="25" fill="hold">
+                      <p:stCondLst>
+                        <p:cond delay="indefinite"/>
+                      </p:stCondLst>
+                      <p:childTnLst>
+                        <p:par>
+                          <p:cTn id="26" fill="hold">
+                            <p:stCondLst>
+                              <p:cond delay="0"/>
+                            </p:stCondLst>
+                            <p:childTnLst>
+                              <p:par>
+                                <p:cTn id="27" presetID="1" presetClass="entr" presetSubtype="0" fill="hold" grpId="0" nodeType="clickEffect">
+                                  <p:stCondLst>
+                                    <p:cond delay="0"/>
+                                  </p:stCondLst>
+                                  <p:childTnLst>
+                                    <p:set>
+                                      <p:cBhvr>
+                                        <p:cTn id="28" dur="1" fill="hold">
+                                          <p:stCondLst>
+                                            <p:cond delay="0"/>
+                                          </p:stCondLst>
+                                        </p:cTn>
+                                        <p:tgtEl>
+                                          <p:spTgt spid="2">
+                                            <p:txEl>
+                                              <p:pRg st="7" end="7"/>
+                                            </p:txEl>
+                                          </p:spTgt>
+                                        </p:tgtEl>
+                                        <p:attrNameLst>
+                                          <p:attrName>style.visibility</p:attrName>
+                                        </p:attrNameLst>
+                                      </p:cBhvr>
+                                      <p:to>
+                                        <p:strVal val="visible"/>
+                                      </p:to>
+                                    </p:set>
+                                  </p:childTnLst>
+                                </p:cTn>
+                              </p:par>
+                            </p:childTnLst>
+                          </p:cTn>
+                        </p:par>
+                      </p:childTnLst>
+                    </p:cTn>
+                  </p:par>
                 </p:childTnLst>
               </p:cTn>
               <p:prevCondLst>
@@ -6627,7 +6588,336 @@
 </p:sld>
 </file>
 
-<file path=ppt/slides/slide8.xml><?xml version="1.0" encoding="utf-8"?>
+<file path=ppt/slides/slide15.xml><?xml version="1.0" encoding="utf-8"?>
+<p:sld xmlns:a="http://schemas.openxmlformats.org/drawingml/2006/main" xmlns:r="http://schemas.openxmlformats.org/officeDocument/2006/relationships" xmlns:p="http://schemas.openxmlformats.org/presentationml/2006/main">
+  <p:cSld>
+    <p:spTree>
+      <p:nvGrpSpPr>
+        <p:cNvPr id="1" name="">
+          <a:extLst>
+            <a:ext uri="{FF2B5EF4-FFF2-40B4-BE49-F238E27FC236}">
+              <a16:creationId xmlns:a16="http://schemas.microsoft.com/office/drawing/2014/main" id="{F2C6CACC-46D0-F083-F487-4F04A355C6AB}"/>
+            </a:ext>
+          </a:extLst>
+        </p:cNvPr>
+        <p:cNvGrpSpPr/>
+        <p:nvPr/>
+      </p:nvGrpSpPr>
+      <p:grpSpPr>
+        <a:xfrm>
+          <a:off x="0" y="0"/>
+          <a:ext cx="0" cy="0"/>
+          <a:chOff x="0" y="0"/>
+          <a:chExt cx="0" cy="0"/>
+        </a:xfrm>
+      </p:grpSpPr>
+      <p:sp>
+        <p:nvSpPr>
+          <p:cNvPr id="2" name="Text Placeholder 1">
+            <a:extLst>
+              <a:ext uri="{FF2B5EF4-FFF2-40B4-BE49-F238E27FC236}">
+                <a16:creationId xmlns:a16="http://schemas.microsoft.com/office/drawing/2014/main" id="{57749DF0-FE53-FD45-5320-C8BBA5E96FEE}"/>
+              </a:ext>
+            </a:extLst>
+          </p:cNvPr>
+          <p:cNvSpPr>
+            <a:spLocks noGrp="1"/>
+          </p:cNvSpPr>
+          <p:nvPr>
+            <p:ph type="body" sz="quarter" idx="13"/>
+          </p:nvPr>
+        </p:nvSpPr>
+        <p:spPr>
+          <a:xfrm>
+            <a:off x="255995" y="1271219"/>
+            <a:ext cx="10801645" cy="5110726"/>
+          </a:xfrm>
+        </p:spPr>
+        <p:txBody>
+          <a:bodyPr/>
+          <a:lstStyle/>
+          <a:p>
+            <a:pPr marL="0" indent="0">
+              <a:lnSpc>
+                <a:spcPct val="150000"/>
+              </a:lnSpc>
+              <a:buNone/>
+            </a:pPr>
+            <a:endParaRPr lang="en-US" sz="2400" b="0" dirty="0">
+              <a:solidFill>
+                <a:srgbClr val="5583D1"/>
+              </a:solidFill>
+            </a:endParaRPr>
+          </a:p>
+        </p:txBody>
+      </p:sp>
+      <p:sp>
+        <p:nvSpPr>
+          <p:cNvPr id="3" name="TextBox 2">
+            <a:extLst>
+              <a:ext uri="{FF2B5EF4-FFF2-40B4-BE49-F238E27FC236}">
+                <a16:creationId xmlns:a16="http://schemas.microsoft.com/office/drawing/2014/main" id="{F2E5AFEF-FCB1-35A5-6F64-B449D53818CF}"/>
+              </a:ext>
+            </a:extLst>
+          </p:cNvPr>
+          <p:cNvSpPr txBox="1"/>
+          <p:nvPr/>
+        </p:nvSpPr>
+        <p:spPr>
+          <a:xfrm>
+            <a:off x="255996" y="545425"/>
+            <a:ext cx="10624338" cy="646331"/>
+          </a:xfrm>
+          <a:prstGeom prst="rect">
+            <a:avLst/>
+          </a:prstGeom>
+          <a:noFill/>
+        </p:spPr>
+        <p:txBody>
+          <a:bodyPr wrap="square" rtlCol="0">
+            <a:spAutoFit/>
+          </a:bodyPr>
+          <a:lstStyle/>
+          <a:p>
+            <a:pPr marL="0" marR="0" lvl="0" indent="0" algn="l" defTabSz="914400" rtl="0" eaLnBrk="1" fontAlgn="auto" latinLnBrk="0" hangingPunct="1">
+              <a:lnSpc>
+                <a:spcPct val="100000"/>
+              </a:lnSpc>
+              <a:spcBef>
+                <a:spcPts val="0"/>
+              </a:spcBef>
+              <a:spcAft>
+                <a:spcPts val="0"/>
+              </a:spcAft>
+              <a:buClrTx/>
+              <a:buSzTx/>
+              <a:buFontTx/>
+              <a:buNone/>
+              <a:tabLst/>
+              <a:defRPr/>
+            </a:pPr>
+            <a:r>
+              <a:rPr kumimoji="0" lang="en-US" sz="3600" b="1" i="0" u="none" strike="noStrike" kern="1200" cap="none" spc="0" normalizeH="0" baseline="0" noProof="0" dirty="0">
+                <a:ln>
+                  <a:noFill/>
+                </a:ln>
+                <a:solidFill>
+                  <a:srgbClr val="5B9BD5">
+                    <a:lumMod val="50000"/>
+                  </a:srgbClr>
+                </a:solidFill>
+                <a:effectLst/>
+                <a:uLnTx/>
+                <a:uFillTx/>
+                <a:latin typeface="Calibri" panose="020F0502020204030204"/>
+                <a:ea typeface="+mn-ea"/>
+                <a:cs typeface="+mn-cs"/>
+              </a:rPr>
+              <a:t>Additional Information…. Calibri body -36</a:t>
+            </a:r>
+          </a:p>
+        </p:txBody>
+      </p:sp>
+      <p:cxnSp>
+        <p:nvCxnSpPr>
+          <p:cNvPr id="5" name="Straight Connector 4">
+            <a:extLst>
+              <a:ext uri="{FF2B5EF4-FFF2-40B4-BE49-F238E27FC236}">
+                <a16:creationId xmlns:a16="http://schemas.microsoft.com/office/drawing/2014/main" id="{FA811A22-5D52-ED6C-AB44-2A15107925FF}"/>
+              </a:ext>
+            </a:extLst>
+          </p:cNvPr>
+          <p:cNvCxnSpPr>
+            <a:cxnSpLocks/>
+          </p:cNvCxnSpPr>
+          <p:nvPr/>
+        </p:nvCxnSpPr>
+        <p:spPr>
+          <a:xfrm>
+            <a:off x="221274" y="1191756"/>
+            <a:ext cx="7305799" cy="0"/>
+          </a:xfrm>
+          <a:prstGeom prst="line">
+            <a:avLst/>
+          </a:prstGeom>
+          <a:ln w="28575">
+            <a:solidFill>
+              <a:schemeClr val="accent6"/>
+            </a:solidFill>
+          </a:ln>
+        </p:spPr>
+        <p:style>
+          <a:lnRef idx="1">
+            <a:schemeClr val="accent1"/>
+          </a:lnRef>
+          <a:fillRef idx="0">
+            <a:schemeClr val="accent1"/>
+          </a:fillRef>
+          <a:effectRef idx="0">
+            <a:schemeClr val="accent1"/>
+          </a:effectRef>
+          <a:fontRef idx="minor">
+            <a:schemeClr val="tx1"/>
+          </a:fontRef>
+        </p:style>
+      </p:cxnSp>
+      <p:sp>
+        <p:nvSpPr>
+          <p:cNvPr id="4" name="TextBox 3">
+            <a:extLst>
+              <a:ext uri="{FF2B5EF4-FFF2-40B4-BE49-F238E27FC236}">
+                <a16:creationId xmlns:a16="http://schemas.microsoft.com/office/drawing/2014/main" id="{4CC57E3A-555A-C6A7-DB5A-24EB7EF709EF}"/>
+              </a:ext>
+            </a:extLst>
+          </p:cNvPr>
+          <p:cNvSpPr txBox="1"/>
+          <p:nvPr/>
+        </p:nvSpPr>
+        <p:spPr>
+          <a:xfrm>
+            <a:off x="6093893" y="57036"/>
+            <a:ext cx="6098107" cy="646331"/>
+          </a:xfrm>
+          <a:prstGeom prst="rect">
+            <a:avLst/>
+          </a:prstGeom>
+          <a:noFill/>
+        </p:spPr>
+        <p:txBody>
+          <a:bodyPr wrap="square" rtlCol="0">
+            <a:spAutoFit/>
+          </a:bodyPr>
+          <a:lstStyle/>
+          <a:p>
+            <a:pPr algn="r"/>
+            <a:r>
+              <a:rPr lang="en-US" sz="1800" b="1" i="1" dirty="0">
+                <a:solidFill>
+                  <a:srgbClr val="FFFFFF"/>
+                </a:solidFill>
+              </a:rPr>
+              <a:t>Project Title -  Calibri body 18</a:t>
+            </a:r>
+          </a:p>
+          <a:p>
+            <a:pPr algn="r"/>
+            <a:endParaRPr lang="en-US" dirty="0"/>
+          </a:p>
+        </p:txBody>
+      </p:sp>
+    </p:spTree>
+    <p:extLst>
+      <p:ext uri="{BB962C8B-B14F-4D97-AF65-F5344CB8AC3E}">
+        <p14:creationId xmlns:p14="http://schemas.microsoft.com/office/powerpoint/2010/main" val="2469753096"/>
+      </p:ext>
+    </p:extLst>
+  </p:cSld>
+  <p:clrMapOvr>
+    <a:masterClrMapping/>
+  </p:clrMapOvr>
+  <mc:AlternateContent xmlns:mc="http://schemas.openxmlformats.org/markup-compatibility/2006" xmlns:p14="http://schemas.microsoft.com/office/powerpoint/2010/main">
+    <mc:Choice Requires="p14">
+      <p:transition spd="med" p14:dur="700">
+        <p:fade/>
+      </p:transition>
+    </mc:Choice>
+    <mc:Fallback xmlns="">
+      <p:transition spd="med">
+        <p:fade/>
+      </p:transition>
+    </mc:Fallback>
+  </mc:AlternateContent>
+  <p:timing>
+    <p:tnLst>
+      <p:par>
+        <p:cTn id="1" dur="indefinite" restart="never" nodeType="tmRoot">
+          <p:childTnLst>
+            <p:seq concurrent="1" nextAc="seek">
+              <p:cTn id="2" dur="indefinite" nodeType="mainSeq">
+                <p:childTnLst>
+                  <p:par>
+                    <p:cTn id="3" fill="hold">
+                      <p:stCondLst>
+                        <p:cond delay="indefinite"/>
+                      </p:stCondLst>
+                      <p:childTnLst>
+                        <p:par>
+                          <p:cTn id="4" fill="hold">
+                            <p:stCondLst>
+                              <p:cond delay="0"/>
+                            </p:stCondLst>
+                            <p:childTnLst>
+                              <p:par>
+                                <p:cTn id="5" presetID="1" presetClass="entr" presetSubtype="0" fill="hold" grpId="0" nodeType="clickEffect" nodePh="1">
+                                  <p:stCondLst>
+                                    <p:cond delay="0"/>
+                                  </p:stCondLst>
+                                  <p:endCondLst>
+                                    <p:cond evt="begin" delay="0">
+                                      <p:tn val="5"/>
+                                    </p:cond>
+                                  </p:endCondLst>
+                                  <p:childTnLst>
+                                    <p:set>
+                                      <p:cBhvr>
+                                        <p:cTn id="6" dur="1" fill="hold">
+                                          <p:stCondLst>
+                                            <p:cond delay="0"/>
+                                          </p:stCondLst>
+                                        </p:cTn>
+                                        <p:tgtEl>
+                                          <p:spTgt spid="2">
+                                            <p:txEl>
+                                              <p:pRg st="0" end="0"/>
+                                            </p:txEl>
+                                          </p:spTgt>
+                                        </p:tgtEl>
+                                        <p:attrNameLst>
+                                          <p:attrName>style.visibility</p:attrName>
+                                        </p:attrNameLst>
+                                      </p:cBhvr>
+                                      <p:to>
+                                        <p:strVal val="visible"/>
+                                      </p:to>
+                                    </p:set>
+                                  </p:childTnLst>
+                                </p:cTn>
+                              </p:par>
+                            </p:childTnLst>
+                          </p:cTn>
+                        </p:par>
+                      </p:childTnLst>
+                    </p:cTn>
+                  </p:par>
+                </p:childTnLst>
+              </p:cTn>
+              <p:prevCondLst>
+                <p:cond evt="onPrev" delay="0">
+                  <p:tgtEl>
+                    <p:sldTgt/>
+                  </p:tgtEl>
+                </p:cond>
+              </p:prevCondLst>
+              <p:nextCondLst>
+                <p:cond evt="onNext" delay="0">
+                  <p:tgtEl>
+                    <p:sldTgt/>
+                  </p:tgtEl>
+                </p:cond>
+              </p:nextCondLst>
+            </p:seq>
+          </p:childTnLst>
+        </p:cTn>
+      </p:par>
+    </p:tnLst>
+    <p:bldLst>
+      <p:bldP spid="2" grpId="0" uiExpand="1" build="p"/>
+    </p:bldLst>
+  </p:timing>
+</p:sld>
+</file>
+
+<file path=ppt/slides/slide16.xml><?xml version="1.0" encoding="utf-8"?>
 <p:sld xmlns:a="http://schemas.openxmlformats.org/drawingml/2006/main" xmlns:r="http://schemas.openxmlformats.org/officeDocument/2006/relationships" xmlns:p="http://schemas.openxmlformats.org/presentationml/2006/main">
   <p:cSld>
     <p:spTree>
@@ -6984,7 +7274,7 @@
 </p:sld>
 </file>
 
-<file path=ppt/slides/slide9.xml><?xml version="1.0" encoding="utf-8"?>
+<file path=ppt/slides/slide17.xml><?xml version="1.0" encoding="utf-8"?>
 <p:sld xmlns:a="http://schemas.openxmlformats.org/drawingml/2006/main" xmlns:r="http://schemas.openxmlformats.org/officeDocument/2006/relationships" xmlns:p="http://schemas.openxmlformats.org/presentationml/2006/main">
   <p:cSld>
     <p:spTree>
@@ -7518,6 +7808,3781 @@
       <p:bldP spid="2" grpId="0" uiExpand="1" build="p"/>
     </p:bldLst>
   </p:timing>
+</p:sld>
+</file>
+
+<file path=ppt/slides/slide2.xml><?xml version="1.0" encoding="utf-8"?>
+<p:sld xmlns:a="http://schemas.openxmlformats.org/drawingml/2006/main" xmlns:r="http://schemas.openxmlformats.org/officeDocument/2006/relationships" xmlns:p="http://schemas.openxmlformats.org/presentationml/2006/main">
+  <p:cSld>
+    <p:spTree>
+      <p:nvGrpSpPr>
+        <p:cNvPr id="1" name="">
+          <a:extLst>
+            <a:ext uri="{FF2B5EF4-FFF2-40B4-BE49-F238E27FC236}">
+              <a16:creationId xmlns:a16="http://schemas.microsoft.com/office/drawing/2014/main" id="{13318EFD-13D1-118F-A8E4-F9E2D3695A6C}"/>
+            </a:ext>
+          </a:extLst>
+        </p:cNvPr>
+        <p:cNvGrpSpPr/>
+        <p:nvPr/>
+      </p:nvGrpSpPr>
+      <p:grpSpPr>
+        <a:xfrm>
+          <a:off x="0" y="0"/>
+          <a:ext cx="0" cy="0"/>
+          <a:chOff x="0" y="0"/>
+          <a:chExt cx="0" cy="0"/>
+        </a:xfrm>
+      </p:grpSpPr>
+      <p:sp>
+        <p:nvSpPr>
+          <p:cNvPr id="2" name="Text Placeholder 1">
+            <a:extLst>
+              <a:ext uri="{FF2B5EF4-FFF2-40B4-BE49-F238E27FC236}">
+                <a16:creationId xmlns:a16="http://schemas.microsoft.com/office/drawing/2014/main" id="{67726612-73E0-5A94-F635-3A742DD5BA94}"/>
+              </a:ext>
+            </a:extLst>
+          </p:cNvPr>
+          <p:cNvSpPr>
+            <a:spLocks noGrp="1"/>
+          </p:cNvSpPr>
+          <p:nvPr>
+            <p:ph type="body" sz="quarter" idx="13"/>
+          </p:nvPr>
+        </p:nvSpPr>
+        <p:spPr>
+          <a:xfrm>
+            <a:off x="255996" y="1271219"/>
+            <a:ext cx="10624338" cy="4142989"/>
+          </a:xfrm>
+        </p:spPr>
+        <p:txBody>
+          <a:bodyPr/>
+          <a:lstStyle/>
+          <a:p>
+            <a:pPr lvl="1"/>
+            <a:endParaRPr lang="en-US" b="1" dirty="0"/>
+          </a:p>
+          <a:p>
+            <a:pPr lvl="1"/>
+            <a:r>
+              <a:rPr lang="en-US" b="1" dirty="0"/>
+              <a:t>Problem</a:t>
+            </a:r>
+            <a:r>
+              <a:rPr lang="en-US" dirty="0"/>
+              <a:t>: The global rise in diabetes cases presents a significant healthcare challenge. Early diagnosis and proactive management are crucial to prevent severe complications.</a:t>
+            </a:r>
+          </a:p>
+          <a:p>
+            <a:pPr lvl="1"/>
+            <a:r>
+              <a:rPr lang="en-US" b="1" dirty="0"/>
+              <a:t>Our Mission</a:t>
+            </a:r>
+            <a:r>
+              <a:rPr lang="en-US" dirty="0"/>
+              <a:t>: To create a comprehensive, AI-powered system that not only predicts diabetes risk but also empowers users with personalized lifestyle management tools.</a:t>
+            </a:r>
+          </a:p>
+          <a:p>
+            <a:pPr lvl="1"/>
+            <a:r>
+              <a:rPr lang="en-US" b="1" dirty="0"/>
+              <a:t>Impact</a:t>
+            </a:r>
+            <a:r>
+              <a:rPr lang="en-US" dirty="0"/>
+              <a:t>: Shifting from reactive treatment to a proactive, predictive healthcare model.</a:t>
+            </a:r>
+          </a:p>
+          <a:p>
+            <a:pPr marL="0" indent="0">
+              <a:lnSpc>
+                <a:spcPct val="150000"/>
+              </a:lnSpc>
+              <a:buNone/>
+            </a:pPr>
+            <a:endParaRPr lang="en-US" sz="2400" b="0" dirty="0">
+              <a:solidFill>
+                <a:srgbClr val="5583D1"/>
+              </a:solidFill>
+            </a:endParaRPr>
+          </a:p>
+        </p:txBody>
+      </p:sp>
+      <p:sp>
+        <p:nvSpPr>
+          <p:cNvPr id="3" name="TextBox 2">
+            <a:extLst>
+              <a:ext uri="{FF2B5EF4-FFF2-40B4-BE49-F238E27FC236}">
+                <a16:creationId xmlns:a16="http://schemas.microsoft.com/office/drawing/2014/main" id="{AB4E3812-AF2F-9DD8-6ECF-C3425146B38F}"/>
+              </a:ext>
+            </a:extLst>
+          </p:cNvPr>
+          <p:cNvSpPr txBox="1"/>
+          <p:nvPr/>
+        </p:nvSpPr>
+        <p:spPr>
+          <a:xfrm>
+            <a:off x="255996" y="502545"/>
+            <a:ext cx="10624338" cy="646331"/>
+          </a:xfrm>
+          <a:prstGeom prst="rect">
+            <a:avLst/>
+          </a:prstGeom>
+          <a:noFill/>
+        </p:spPr>
+        <p:txBody>
+          <a:bodyPr wrap="square" rtlCol="0">
+            <a:spAutoFit/>
+          </a:bodyPr>
+          <a:lstStyle/>
+          <a:p>
+            <a:pPr marL="0" marR="0" lvl="0" indent="0" algn="l" defTabSz="914400" rtl="0" eaLnBrk="1" fontAlgn="auto" latinLnBrk="0" hangingPunct="1">
+              <a:lnSpc>
+                <a:spcPct val="100000"/>
+              </a:lnSpc>
+              <a:spcBef>
+                <a:spcPts val="0"/>
+              </a:spcBef>
+              <a:spcAft>
+                <a:spcPts val="0"/>
+              </a:spcAft>
+              <a:buClrTx/>
+              <a:buSzTx/>
+              <a:buFontTx/>
+              <a:buNone/>
+              <a:tabLst/>
+              <a:defRPr/>
+            </a:pPr>
+            <a:r>
+              <a:rPr kumimoji="0" lang="en-US" sz="3600" b="1" i="0" u="none" strike="noStrike" kern="1200" cap="none" spc="0" normalizeH="0" baseline="0" noProof="0" dirty="0">
+                <a:ln>
+                  <a:noFill/>
+                </a:ln>
+                <a:solidFill>
+                  <a:srgbClr val="5B9BD5">
+                    <a:lumMod val="50000"/>
+                  </a:srgbClr>
+                </a:solidFill>
+                <a:effectLst/>
+                <a:uLnTx/>
+                <a:uFillTx/>
+                <a:latin typeface="Calibri" panose="020F0502020204030204"/>
+                <a:ea typeface="+mn-ea"/>
+                <a:cs typeface="+mn-cs"/>
+              </a:rPr>
+              <a:t>Introduction…. Calibri body -36</a:t>
+            </a:r>
+          </a:p>
+        </p:txBody>
+      </p:sp>
+      <p:cxnSp>
+        <p:nvCxnSpPr>
+          <p:cNvPr id="5" name="Straight Connector 4">
+            <a:extLst>
+              <a:ext uri="{FF2B5EF4-FFF2-40B4-BE49-F238E27FC236}">
+                <a16:creationId xmlns:a16="http://schemas.microsoft.com/office/drawing/2014/main" id="{A295426A-3395-FE92-30C7-C8A6AC62DE62}"/>
+              </a:ext>
+            </a:extLst>
+          </p:cNvPr>
+          <p:cNvCxnSpPr>
+            <a:cxnSpLocks/>
+          </p:cNvCxnSpPr>
+          <p:nvPr/>
+        </p:nvCxnSpPr>
+        <p:spPr>
+          <a:xfrm>
+            <a:off x="221274" y="1191756"/>
+            <a:ext cx="7305799" cy="0"/>
+          </a:xfrm>
+          <a:prstGeom prst="line">
+            <a:avLst/>
+          </a:prstGeom>
+          <a:ln w="28575">
+            <a:solidFill>
+              <a:schemeClr val="accent6"/>
+            </a:solidFill>
+          </a:ln>
+        </p:spPr>
+        <p:style>
+          <a:lnRef idx="1">
+            <a:schemeClr val="accent1"/>
+          </a:lnRef>
+          <a:fillRef idx="0">
+            <a:schemeClr val="accent1"/>
+          </a:fillRef>
+          <a:effectRef idx="0">
+            <a:schemeClr val="accent1"/>
+          </a:effectRef>
+          <a:fontRef idx="minor">
+            <a:schemeClr val="tx1"/>
+          </a:fontRef>
+        </p:style>
+      </p:cxnSp>
+      <p:sp>
+        <p:nvSpPr>
+          <p:cNvPr id="4" name="TextBox 3">
+            <a:extLst>
+              <a:ext uri="{FF2B5EF4-FFF2-40B4-BE49-F238E27FC236}">
+                <a16:creationId xmlns:a16="http://schemas.microsoft.com/office/drawing/2014/main" id="{2D91B1D4-191E-E882-BD37-9FBAED57B57F}"/>
+              </a:ext>
+            </a:extLst>
+          </p:cNvPr>
+          <p:cNvSpPr txBox="1"/>
+          <p:nvPr/>
+        </p:nvSpPr>
+        <p:spPr>
+          <a:xfrm>
+            <a:off x="6093893" y="57036"/>
+            <a:ext cx="6098107" cy="646331"/>
+          </a:xfrm>
+          <a:prstGeom prst="rect">
+            <a:avLst/>
+          </a:prstGeom>
+          <a:noFill/>
+        </p:spPr>
+        <p:txBody>
+          <a:bodyPr wrap="square" rtlCol="0">
+            <a:spAutoFit/>
+          </a:bodyPr>
+          <a:lstStyle/>
+          <a:p>
+            <a:pPr algn="r"/>
+            <a:r>
+              <a:rPr lang="en-US" sz="1800" b="1" i="1" dirty="0">
+                <a:solidFill>
+                  <a:srgbClr val="FFFFFF"/>
+                </a:solidFill>
+              </a:rPr>
+              <a:t>Project Title -  Calibri body 18</a:t>
+            </a:r>
+          </a:p>
+          <a:p>
+            <a:pPr algn="r"/>
+            <a:endParaRPr lang="en-US" dirty="0"/>
+          </a:p>
+        </p:txBody>
+      </p:sp>
+    </p:spTree>
+    <p:extLst>
+      <p:ext uri="{BB962C8B-B14F-4D97-AF65-F5344CB8AC3E}">
+        <p14:creationId xmlns:p14="http://schemas.microsoft.com/office/powerpoint/2010/main" val="2088180620"/>
+      </p:ext>
+    </p:extLst>
+  </p:cSld>
+  <p:clrMapOvr>
+    <a:masterClrMapping/>
+  </p:clrMapOvr>
+  <mc:AlternateContent xmlns:mc="http://schemas.openxmlformats.org/markup-compatibility/2006" xmlns:p14="http://schemas.microsoft.com/office/powerpoint/2010/main">
+    <mc:Choice Requires="p14">
+      <p:transition spd="med" p14:dur="700">
+        <p:fade/>
+      </p:transition>
+    </mc:Choice>
+    <mc:Fallback xmlns="">
+      <p:transition spd="med">
+        <p:fade/>
+      </p:transition>
+    </mc:Fallback>
+  </mc:AlternateContent>
+  <p:timing>
+    <p:tnLst>
+      <p:par>
+        <p:cTn id="1" dur="indefinite" restart="never" nodeType="tmRoot">
+          <p:childTnLst>
+            <p:seq concurrent="1" nextAc="seek">
+              <p:cTn id="2" dur="indefinite" nodeType="mainSeq">
+                <p:childTnLst>
+                  <p:par>
+                    <p:cTn id="3" fill="hold">
+                      <p:stCondLst>
+                        <p:cond delay="indefinite"/>
+                      </p:stCondLst>
+                      <p:childTnLst>
+                        <p:par>
+                          <p:cTn id="4" fill="hold">
+                            <p:stCondLst>
+                              <p:cond delay="0"/>
+                            </p:stCondLst>
+                            <p:childTnLst>
+                              <p:par>
+                                <p:cTn id="5" presetID="1" presetClass="entr" presetSubtype="0" fill="hold" grpId="0" nodeType="clickEffect">
+                                  <p:stCondLst>
+                                    <p:cond delay="0"/>
+                                  </p:stCondLst>
+                                  <p:childTnLst>
+                                    <p:set>
+                                      <p:cBhvr>
+                                        <p:cTn id="6" dur="1" fill="hold">
+                                          <p:stCondLst>
+                                            <p:cond delay="0"/>
+                                          </p:stCondLst>
+                                        </p:cTn>
+                                        <p:tgtEl>
+                                          <p:spTgt spid="2">
+                                            <p:txEl>
+                                              <p:pRg st="1" end="1"/>
+                                            </p:txEl>
+                                          </p:spTgt>
+                                        </p:tgtEl>
+                                        <p:attrNameLst>
+                                          <p:attrName>style.visibility</p:attrName>
+                                        </p:attrNameLst>
+                                      </p:cBhvr>
+                                      <p:to>
+                                        <p:strVal val="visible"/>
+                                      </p:to>
+                                    </p:set>
+                                  </p:childTnLst>
+                                </p:cTn>
+                              </p:par>
+                              <p:par>
+                                <p:cTn id="7" presetID="1" presetClass="entr" presetSubtype="0" fill="hold" grpId="0" nodeType="withEffect">
+                                  <p:stCondLst>
+                                    <p:cond delay="0"/>
+                                  </p:stCondLst>
+                                  <p:childTnLst>
+                                    <p:set>
+                                      <p:cBhvr>
+                                        <p:cTn id="8" dur="1" fill="hold">
+                                          <p:stCondLst>
+                                            <p:cond delay="0"/>
+                                          </p:stCondLst>
+                                        </p:cTn>
+                                        <p:tgtEl>
+                                          <p:spTgt spid="2">
+                                            <p:txEl>
+                                              <p:pRg st="2" end="2"/>
+                                            </p:txEl>
+                                          </p:spTgt>
+                                        </p:tgtEl>
+                                        <p:attrNameLst>
+                                          <p:attrName>style.visibility</p:attrName>
+                                        </p:attrNameLst>
+                                      </p:cBhvr>
+                                      <p:to>
+                                        <p:strVal val="visible"/>
+                                      </p:to>
+                                    </p:set>
+                                  </p:childTnLst>
+                                </p:cTn>
+                              </p:par>
+                              <p:par>
+                                <p:cTn id="9" presetID="1" presetClass="entr" presetSubtype="0" fill="hold" grpId="0" nodeType="withEffect">
+                                  <p:stCondLst>
+                                    <p:cond delay="0"/>
+                                  </p:stCondLst>
+                                  <p:childTnLst>
+                                    <p:set>
+                                      <p:cBhvr>
+                                        <p:cTn id="10" dur="1" fill="hold">
+                                          <p:stCondLst>
+                                            <p:cond delay="0"/>
+                                          </p:stCondLst>
+                                        </p:cTn>
+                                        <p:tgtEl>
+                                          <p:spTgt spid="2">
+                                            <p:txEl>
+                                              <p:pRg st="3" end="3"/>
+                                            </p:txEl>
+                                          </p:spTgt>
+                                        </p:tgtEl>
+                                        <p:attrNameLst>
+                                          <p:attrName>style.visibility</p:attrName>
+                                        </p:attrNameLst>
+                                      </p:cBhvr>
+                                      <p:to>
+                                        <p:strVal val="visible"/>
+                                      </p:to>
+                                    </p:set>
+                                  </p:childTnLst>
+                                </p:cTn>
+                              </p:par>
+                            </p:childTnLst>
+                          </p:cTn>
+                        </p:par>
+                      </p:childTnLst>
+                    </p:cTn>
+                  </p:par>
+                </p:childTnLst>
+              </p:cTn>
+              <p:prevCondLst>
+                <p:cond evt="onPrev" delay="0">
+                  <p:tgtEl>
+                    <p:sldTgt/>
+                  </p:tgtEl>
+                </p:cond>
+              </p:prevCondLst>
+              <p:nextCondLst>
+                <p:cond evt="onNext" delay="0">
+                  <p:tgtEl>
+                    <p:sldTgt/>
+                  </p:tgtEl>
+                </p:cond>
+              </p:nextCondLst>
+            </p:seq>
+          </p:childTnLst>
+        </p:cTn>
+      </p:par>
+    </p:tnLst>
+    <p:bldLst>
+      <p:bldP spid="2" grpId="0" uiExpand="1" build="p"/>
+    </p:bldLst>
+  </p:timing>
+</p:sld>
+</file>
+
+<file path=ppt/slides/slide3.xml><?xml version="1.0" encoding="utf-8"?>
+<p:sld xmlns:a="http://schemas.openxmlformats.org/drawingml/2006/main" xmlns:r="http://schemas.openxmlformats.org/officeDocument/2006/relationships" xmlns:p="http://schemas.openxmlformats.org/presentationml/2006/main">
+  <p:cSld>
+    <p:spTree>
+      <p:nvGrpSpPr>
+        <p:cNvPr id="1" name="">
+          <a:extLst>
+            <a:ext uri="{FF2B5EF4-FFF2-40B4-BE49-F238E27FC236}">
+              <a16:creationId xmlns:a16="http://schemas.microsoft.com/office/drawing/2014/main" id="{86D1235D-73A1-0B84-0745-6B97432CB074}"/>
+            </a:ext>
+          </a:extLst>
+        </p:cNvPr>
+        <p:cNvGrpSpPr/>
+        <p:nvPr/>
+      </p:nvGrpSpPr>
+      <p:grpSpPr>
+        <a:xfrm>
+          <a:off x="0" y="0"/>
+          <a:ext cx="0" cy="0"/>
+          <a:chOff x="0" y="0"/>
+          <a:chExt cx="0" cy="0"/>
+        </a:xfrm>
+      </p:grpSpPr>
+      <p:sp>
+        <p:nvSpPr>
+          <p:cNvPr id="3" name="TextBox 2">
+            <a:extLst>
+              <a:ext uri="{FF2B5EF4-FFF2-40B4-BE49-F238E27FC236}">
+                <a16:creationId xmlns:a16="http://schemas.microsoft.com/office/drawing/2014/main" id="{72FF40D3-B05A-88C3-591F-882A93FC9918}"/>
+              </a:ext>
+            </a:extLst>
+          </p:cNvPr>
+          <p:cNvSpPr txBox="1"/>
+          <p:nvPr/>
+        </p:nvSpPr>
+        <p:spPr>
+          <a:xfrm>
+            <a:off x="255996" y="502545"/>
+            <a:ext cx="10624338" cy="646331"/>
+          </a:xfrm>
+          <a:prstGeom prst="rect">
+            <a:avLst/>
+          </a:prstGeom>
+          <a:noFill/>
+        </p:spPr>
+        <p:txBody>
+          <a:bodyPr wrap="square" rtlCol="0">
+            <a:spAutoFit/>
+          </a:bodyPr>
+          <a:lstStyle/>
+          <a:p>
+            <a:pPr marL="0" marR="0" lvl="0" indent="0" algn="l" defTabSz="914400" rtl="0" eaLnBrk="1" fontAlgn="auto" latinLnBrk="0" hangingPunct="1">
+              <a:lnSpc>
+                <a:spcPct val="100000"/>
+              </a:lnSpc>
+              <a:spcBef>
+                <a:spcPts val="0"/>
+              </a:spcBef>
+              <a:spcAft>
+                <a:spcPts val="0"/>
+              </a:spcAft>
+              <a:buClrTx/>
+              <a:buSzTx/>
+              <a:buFontTx/>
+              <a:buNone/>
+              <a:tabLst/>
+              <a:defRPr/>
+            </a:pPr>
+            <a:r>
+              <a:rPr kumimoji="0" lang="en-US" sz="3600" b="1" i="0" u="none" strike="noStrike" kern="1200" cap="none" spc="0" normalizeH="0" baseline="0" noProof="0" dirty="0">
+                <a:ln>
+                  <a:noFill/>
+                </a:ln>
+                <a:solidFill>
+                  <a:srgbClr val="5B9BD5">
+                    <a:lumMod val="50000"/>
+                  </a:srgbClr>
+                </a:solidFill>
+                <a:effectLst/>
+                <a:uLnTx/>
+                <a:uFillTx/>
+                <a:latin typeface="Calibri" panose="020F0502020204030204"/>
+                <a:ea typeface="+mn-ea"/>
+                <a:cs typeface="+mn-cs"/>
+              </a:rPr>
+              <a:t>Objective…. Calibri body -36</a:t>
+            </a:r>
+          </a:p>
+        </p:txBody>
+      </p:sp>
+      <p:cxnSp>
+        <p:nvCxnSpPr>
+          <p:cNvPr id="5" name="Straight Connector 4">
+            <a:extLst>
+              <a:ext uri="{FF2B5EF4-FFF2-40B4-BE49-F238E27FC236}">
+                <a16:creationId xmlns:a16="http://schemas.microsoft.com/office/drawing/2014/main" id="{12740D4D-2363-70E1-0E6E-1BDDA8C33C87}"/>
+              </a:ext>
+            </a:extLst>
+          </p:cNvPr>
+          <p:cNvCxnSpPr>
+            <a:cxnSpLocks/>
+          </p:cNvCxnSpPr>
+          <p:nvPr/>
+        </p:nvCxnSpPr>
+        <p:spPr>
+          <a:xfrm>
+            <a:off x="221274" y="1191756"/>
+            <a:ext cx="7305799" cy="0"/>
+          </a:xfrm>
+          <a:prstGeom prst="line">
+            <a:avLst/>
+          </a:prstGeom>
+          <a:ln w="28575">
+            <a:solidFill>
+              <a:schemeClr val="accent6"/>
+            </a:solidFill>
+          </a:ln>
+        </p:spPr>
+        <p:style>
+          <a:lnRef idx="1">
+            <a:schemeClr val="accent1"/>
+          </a:lnRef>
+          <a:fillRef idx="0">
+            <a:schemeClr val="accent1"/>
+          </a:fillRef>
+          <a:effectRef idx="0">
+            <a:schemeClr val="accent1"/>
+          </a:effectRef>
+          <a:fontRef idx="minor">
+            <a:schemeClr val="tx1"/>
+          </a:fontRef>
+        </p:style>
+      </p:cxnSp>
+      <p:sp>
+        <p:nvSpPr>
+          <p:cNvPr id="4" name="TextBox 3">
+            <a:extLst>
+              <a:ext uri="{FF2B5EF4-FFF2-40B4-BE49-F238E27FC236}">
+                <a16:creationId xmlns:a16="http://schemas.microsoft.com/office/drawing/2014/main" id="{E4452DD5-D934-4955-F39B-2109AC72692F}"/>
+              </a:ext>
+            </a:extLst>
+          </p:cNvPr>
+          <p:cNvSpPr txBox="1"/>
+          <p:nvPr/>
+        </p:nvSpPr>
+        <p:spPr>
+          <a:xfrm>
+            <a:off x="6093893" y="57036"/>
+            <a:ext cx="6098107" cy="646331"/>
+          </a:xfrm>
+          <a:prstGeom prst="rect">
+            <a:avLst/>
+          </a:prstGeom>
+          <a:noFill/>
+        </p:spPr>
+        <p:txBody>
+          <a:bodyPr wrap="square" rtlCol="0">
+            <a:spAutoFit/>
+          </a:bodyPr>
+          <a:lstStyle/>
+          <a:p>
+            <a:pPr algn="r"/>
+            <a:r>
+              <a:rPr lang="en-US" sz="1800" b="1" i="1" dirty="0">
+                <a:solidFill>
+                  <a:srgbClr val="FFFFFF"/>
+                </a:solidFill>
+              </a:rPr>
+              <a:t>Project Title -  Calibri body 18</a:t>
+            </a:r>
+          </a:p>
+          <a:p>
+            <a:pPr algn="r"/>
+            <a:endParaRPr lang="en-US" dirty="0"/>
+          </a:p>
+        </p:txBody>
+      </p:sp>
+      <p:sp>
+        <p:nvSpPr>
+          <p:cNvPr id="6" name="Rectangle 1">
+            <a:extLst>
+              <a:ext uri="{FF2B5EF4-FFF2-40B4-BE49-F238E27FC236}">
+                <a16:creationId xmlns:a16="http://schemas.microsoft.com/office/drawing/2014/main" id="{4E6A0C20-81A4-F4BD-A45A-E1E469346ED1}"/>
+              </a:ext>
+            </a:extLst>
+          </p:cNvPr>
+          <p:cNvSpPr>
+            <a:spLocks noGrp="1" noChangeArrowheads="1"/>
+          </p:cNvSpPr>
+          <p:nvPr>
+            <p:ph type="body" sz="quarter" idx="13"/>
+          </p:nvPr>
+        </p:nvSpPr>
+        <p:spPr bwMode="auto">
+          <a:xfrm>
+            <a:off x="255588" y="3284243"/>
+            <a:ext cx="11729935" cy="369332"/>
+          </a:xfrm>
+          <a:prstGeom prst="rect">
+            <a:avLst/>
+          </a:prstGeom>
+          <a:noFill/>
+          <a:ln>
+            <a:noFill/>
+          </a:ln>
+          <a:effectLst/>
+          <a:extLst>
+            <a:ext uri="{909E8E84-426E-40DD-AFC4-6F175D3DCCD1}">
+              <a14:hiddenFill xmlns:a14="http://schemas.microsoft.com/office/drawing/2010/main">
+                <a:solidFill>
+                  <a:schemeClr val="accent1"/>
+                </a:solidFill>
+              </a14:hiddenFill>
+            </a:ext>
+            <a:ext uri="{91240B29-F687-4F45-9708-019B960494DF}">
+              <a14:hiddenLine xmlns:a14="http://schemas.microsoft.com/office/drawing/2010/main" w="9525">
+                <a:solidFill>
+                  <a:schemeClr val="tx1"/>
+                </a:solidFill>
+                <a:miter lim="800000"/>
+                <a:headEnd/>
+                <a:tailEnd/>
+              </a14:hiddenLine>
+            </a:ext>
+            <a:ext uri="{AF507438-7753-43E0-B8FC-AC1667EBCBE1}">
+              <a14:hiddenEffects xmlns:a14="http://schemas.microsoft.com/office/drawing/2010/main">
+                <a:effectLst>
+                  <a:outerShdw dist="35921" dir="2700000" algn="ctr" rotWithShape="0">
+                    <a:schemeClr val="bg2"/>
+                  </a:outerShdw>
+                </a:effectLst>
+              </a14:hiddenEffects>
+            </a:ext>
+          </a:extLst>
+        </p:spPr>
+        <p:txBody>
+          <a:bodyPr vert="horz" wrap="square" lIns="91440" tIns="45720" rIns="91440" bIns="45720" numCol="1" anchor="ctr" anchorCtr="0" compatLnSpc="1">
+            <a:prstTxWarp prst="textNoShape">
+              <a:avLst/>
+            </a:prstTxWarp>
+            <a:spAutoFit/>
+          </a:bodyPr>
+          <a:lstStyle/>
+          <a:p>
+            <a:pPr marL="0" marR="0" lvl="0" indent="0" algn="l" defTabSz="914400" rtl="0" eaLnBrk="0" fontAlgn="base" latinLnBrk="0" hangingPunct="0">
+              <a:lnSpc>
+                <a:spcPct val="100000"/>
+              </a:lnSpc>
+              <a:spcBef>
+                <a:spcPct val="0"/>
+              </a:spcBef>
+              <a:spcAft>
+                <a:spcPct val="0"/>
+              </a:spcAft>
+              <a:buClrTx/>
+              <a:buSzTx/>
+              <a:buFontTx/>
+              <a:buChar char="•"/>
+              <a:tabLst/>
+            </a:pPr>
+            <a:endParaRPr kumimoji="0" lang="en-US" altLang="en-US" sz="1800" b="0" i="0" u="none" strike="noStrike" cap="none" normalizeH="0" baseline="0" dirty="0">
+              <a:ln>
+                <a:noFill/>
+              </a:ln>
+              <a:solidFill>
+                <a:schemeClr val="tx1"/>
+              </a:solidFill>
+              <a:effectLst/>
+              <a:latin typeface="Arial" panose="020B0604020202020204" pitchFamily="34" charset="0"/>
+            </a:endParaRPr>
+          </a:p>
+        </p:txBody>
+      </p:sp>
+    </p:spTree>
+    <p:extLst>
+      <p:ext uri="{BB962C8B-B14F-4D97-AF65-F5344CB8AC3E}">
+        <p14:creationId xmlns:p14="http://schemas.microsoft.com/office/powerpoint/2010/main" val="1739450533"/>
+      </p:ext>
+    </p:extLst>
+  </p:cSld>
+  <p:clrMapOvr>
+    <a:masterClrMapping/>
+  </p:clrMapOvr>
+  <mc:AlternateContent xmlns:mc="http://schemas.openxmlformats.org/markup-compatibility/2006" xmlns:p14="http://schemas.microsoft.com/office/powerpoint/2010/main">
+    <mc:Choice Requires="p14">
+      <p:transition spd="med" p14:dur="700">
+        <p:fade/>
+      </p:transition>
+    </mc:Choice>
+    <mc:Fallback xmlns="">
+      <p:transition spd="med">
+        <p:fade/>
+      </p:transition>
+    </mc:Fallback>
+  </mc:AlternateContent>
+</p:sld>
+</file>
+
+<file path=ppt/slides/slide4.xml><?xml version="1.0" encoding="utf-8"?>
+<p:sld xmlns:a="http://schemas.openxmlformats.org/drawingml/2006/main" xmlns:r="http://schemas.openxmlformats.org/officeDocument/2006/relationships" xmlns:p="http://schemas.openxmlformats.org/presentationml/2006/main">
+  <p:cSld>
+    <p:spTree>
+      <p:nvGrpSpPr>
+        <p:cNvPr id="1" name="">
+          <a:extLst>
+            <a:ext uri="{FF2B5EF4-FFF2-40B4-BE49-F238E27FC236}">
+              <a16:creationId xmlns:a16="http://schemas.microsoft.com/office/drawing/2014/main" id="{89069C03-8E92-54D7-6EE2-33DC2B5C67BA}"/>
+            </a:ext>
+          </a:extLst>
+        </p:cNvPr>
+        <p:cNvGrpSpPr/>
+        <p:nvPr/>
+      </p:nvGrpSpPr>
+      <p:grpSpPr>
+        <a:xfrm>
+          <a:off x="0" y="0"/>
+          <a:ext cx="0" cy="0"/>
+          <a:chOff x="0" y="0"/>
+          <a:chExt cx="0" cy="0"/>
+        </a:xfrm>
+      </p:grpSpPr>
+      <p:sp>
+        <p:nvSpPr>
+          <p:cNvPr id="3" name="TextBox 2">
+            <a:extLst>
+              <a:ext uri="{FF2B5EF4-FFF2-40B4-BE49-F238E27FC236}">
+                <a16:creationId xmlns:a16="http://schemas.microsoft.com/office/drawing/2014/main" id="{DAB3663C-4C71-EB2A-170D-22878BAC4C68}"/>
+              </a:ext>
+            </a:extLst>
+          </p:cNvPr>
+          <p:cNvSpPr txBox="1"/>
+          <p:nvPr/>
+        </p:nvSpPr>
+        <p:spPr>
+          <a:xfrm>
+            <a:off x="255996" y="502545"/>
+            <a:ext cx="10624338" cy="646331"/>
+          </a:xfrm>
+          <a:prstGeom prst="rect">
+            <a:avLst/>
+          </a:prstGeom>
+          <a:noFill/>
+        </p:spPr>
+        <p:txBody>
+          <a:bodyPr wrap="square" rtlCol="0">
+            <a:spAutoFit/>
+          </a:bodyPr>
+          <a:lstStyle/>
+          <a:p>
+            <a:pPr marL="0" marR="0" lvl="0" indent="0" algn="l" defTabSz="914400" rtl="0" eaLnBrk="1" fontAlgn="auto" latinLnBrk="0" hangingPunct="1">
+              <a:lnSpc>
+                <a:spcPct val="100000"/>
+              </a:lnSpc>
+              <a:spcBef>
+                <a:spcPts val="0"/>
+              </a:spcBef>
+              <a:spcAft>
+                <a:spcPts val="0"/>
+              </a:spcAft>
+              <a:buClrTx/>
+              <a:buSzTx/>
+              <a:buFontTx/>
+              <a:buNone/>
+              <a:tabLst/>
+              <a:defRPr/>
+            </a:pPr>
+            <a:r>
+              <a:rPr kumimoji="0" lang="en-US" sz="3600" b="1" i="0" u="none" strike="noStrike" kern="1200" cap="none" spc="0" normalizeH="0" baseline="0" noProof="0" dirty="0">
+                <a:ln>
+                  <a:noFill/>
+                </a:ln>
+                <a:solidFill>
+                  <a:srgbClr val="5B9BD5">
+                    <a:lumMod val="50000"/>
+                  </a:srgbClr>
+                </a:solidFill>
+                <a:effectLst/>
+                <a:uLnTx/>
+                <a:uFillTx/>
+                <a:latin typeface="Calibri" panose="020F0502020204030204"/>
+                <a:ea typeface="+mn-ea"/>
+                <a:cs typeface="+mn-cs"/>
+              </a:rPr>
+              <a:t>Literature Review…. Calibri body -36</a:t>
+            </a:r>
+          </a:p>
+        </p:txBody>
+      </p:sp>
+      <p:cxnSp>
+        <p:nvCxnSpPr>
+          <p:cNvPr id="5" name="Straight Connector 4">
+            <a:extLst>
+              <a:ext uri="{FF2B5EF4-FFF2-40B4-BE49-F238E27FC236}">
+                <a16:creationId xmlns:a16="http://schemas.microsoft.com/office/drawing/2014/main" id="{B91B76A7-3EE1-470C-EBA7-8F98E8FFE105}"/>
+              </a:ext>
+            </a:extLst>
+          </p:cNvPr>
+          <p:cNvCxnSpPr>
+            <a:cxnSpLocks/>
+          </p:cNvCxnSpPr>
+          <p:nvPr/>
+        </p:nvCxnSpPr>
+        <p:spPr>
+          <a:xfrm>
+            <a:off x="221274" y="1191756"/>
+            <a:ext cx="7305799" cy="0"/>
+          </a:xfrm>
+          <a:prstGeom prst="line">
+            <a:avLst/>
+          </a:prstGeom>
+          <a:ln w="28575">
+            <a:solidFill>
+              <a:schemeClr val="accent6"/>
+            </a:solidFill>
+          </a:ln>
+        </p:spPr>
+        <p:style>
+          <a:lnRef idx="1">
+            <a:schemeClr val="accent1"/>
+          </a:lnRef>
+          <a:fillRef idx="0">
+            <a:schemeClr val="accent1"/>
+          </a:fillRef>
+          <a:effectRef idx="0">
+            <a:schemeClr val="accent1"/>
+          </a:effectRef>
+          <a:fontRef idx="minor">
+            <a:schemeClr val="tx1"/>
+          </a:fontRef>
+        </p:style>
+      </p:cxnSp>
+      <p:sp>
+        <p:nvSpPr>
+          <p:cNvPr id="4" name="TextBox 3">
+            <a:extLst>
+              <a:ext uri="{FF2B5EF4-FFF2-40B4-BE49-F238E27FC236}">
+                <a16:creationId xmlns:a16="http://schemas.microsoft.com/office/drawing/2014/main" id="{084F4041-8131-3536-FDDF-513CA3ABA637}"/>
+              </a:ext>
+            </a:extLst>
+          </p:cNvPr>
+          <p:cNvSpPr txBox="1"/>
+          <p:nvPr/>
+        </p:nvSpPr>
+        <p:spPr>
+          <a:xfrm>
+            <a:off x="6093893" y="57036"/>
+            <a:ext cx="6098107" cy="646331"/>
+          </a:xfrm>
+          <a:prstGeom prst="rect">
+            <a:avLst/>
+          </a:prstGeom>
+          <a:noFill/>
+        </p:spPr>
+        <p:txBody>
+          <a:bodyPr wrap="square" rtlCol="0">
+            <a:spAutoFit/>
+          </a:bodyPr>
+          <a:lstStyle/>
+          <a:p>
+            <a:pPr algn="r"/>
+            <a:r>
+              <a:rPr lang="en-US" sz="1800" b="1" i="1" dirty="0">
+                <a:solidFill>
+                  <a:srgbClr val="FFFFFF"/>
+                </a:solidFill>
+              </a:rPr>
+              <a:t>Project Title -  Calibri body 18</a:t>
+            </a:r>
+          </a:p>
+          <a:p>
+            <a:pPr algn="r"/>
+            <a:endParaRPr lang="en-US" dirty="0"/>
+          </a:p>
+        </p:txBody>
+      </p:sp>
+      <p:graphicFrame>
+        <p:nvGraphicFramePr>
+          <p:cNvPr id="7" name="Table 6">
+            <a:extLst>
+              <a:ext uri="{FF2B5EF4-FFF2-40B4-BE49-F238E27FC236}">
+                <a16:creationId xmlns:a16="http://schemas.microsoft.com/office/drawing/2014/main" id="{A1A60D54-3B72-6DFF-05DE-DFA91B4F0057}"/>
+              </a:ext>
+            </a:extLst>
+          </p:cNvPr>
+          <p:cNvGraphicFramePr>
+            <a:graphicFrameLocks noGrp="1"/>
+          </p:cNvGraphicFramePr>
+          <p:nvPr>
+            <p:extLst>
+              <p:ext uri="{D42A27DB-BD31-4B8C-83A1-F6EECF244321}">
+                <p14:modId xmlns:p14="http://schemas.microsoft.com/office/powerpoint/2010/main" val="445924343"/>
+              </p:ext>
+            </p:extLst>
+          </p:nvPr>
+        </p:nvGraphicFramePr>
+        <p:xfrm>
+          <a:off x="414779" y="1443792"/>
+          <a:ext cx="10465555" cy="4513882"/>
+        </p:xfrm>
+        <a:graphic>
+          <a:graphicData uri="http://schemas.openxmlformats.org/drawingml/2006/table">
+            <a:tbl>
+              <a:tblPr firstRow="1" bandRow="1">
+                <a:tableStyleId>{5940675A-B579-460E-94D1-54222C63F5DA}</a:tableStyleId>
+              </a:tblPr>
+              <a:tblGrid>
+                <a:gridCol w="2450969">
+                  <a:extLst>
+                    <a:ext uri="{9D8B030D-6E8A-4147-A177-3AD203B41FA5}">
+                      <a16:colId xmlns:a16="http://schemas.microsoft.com/office/drawing/2014/main" val="2054719582"/>
+                    </a:ext>
+                  </a:extLst>
+                </a:gridCol>
+                <a:gridCol w="4473140">
+                  <a:extLst>
+                    <a:ext uri="{9D8B030D-6E8A-4147-A177-3AD203B41FA5}">
+                      <a16:colId xmlns:a16="http://schemas.microsoft.com/office/drawing/2014/main" val="3263257136"/>
+                    </a:ext>
+                  </a:extLst>
+                </a:gridCol>
+                <a:gridCol w="3541446">
+                  <a:extLst>
+                    <a:ext uri="{9D8B030D-6E8A-4147-A177-3AD203B41FA5}">
+                      <a16:colId xmlns:a16="http://schemas.microsoft.com/office/drawing/2014/main" val="2905125192"/>
+                    </a:ext>
+                  </a:extLst>
+                </a:gridCol>
+              </a:tblGrid>
+              <a:tr h="1130602">
+                <a:tc>
+                  <a:txBody>
+                    <a:bodyPr/>
+                    <a:lstStyle/>
+                    <a:p>
+                      <a:r>
+                        <a:rPr lang="en-IN" dirty="0"/>
+                        <a:t>TITLE</a:t>
+                      </a:r>
+                    </a:p>
+                  </a:txBody>
+                  <a:tcPr/>
+                </a:tc>
+                <a:tc>
+                  <a:txBody>
+                    <a:bodyPr/>
+                    <a:lstStyle/>
+                    <a:p>
+                      <a:r>
+                        <a:rPr lang="en-IN" dirty="0"/>
+                        <a:t>Methodology</a:t>
+                      </a:r>
+                    </a:p>
+                  </a:txBody>
+                  <a:tcPr/>
+                </a:tc>
+                <a:tc>
+                  <a:txBody>
+                    <a:bodyPr/>
+                    <a:lstStyle/>
+                    <a:p>
+                      <a:r>
+                        <a:rPr lang="en-IN" dirty="0"/>
+                        <a:t>Inference</a:t>
+                      </a:r>
+                    </a:p>
+                  </a:txBody>
+                  <a:tcPr/>
+                </a:tc>
+                <a:extLst>
+                  <a:ext uri="{0D108BD9-81ED-4DB2-BD59-A6C34878D82A}">
+                    <a16:rowId xmlns:a16="http://schemas.microsoft.com/office/drawing/2014/main" val="972006589"/>
+                  </a:ext>
+                </a:extLst>
+              </a:tr>
+              <a:tr h="2742320">
+                <a:tc>
+                  <a:txBody>
+                    <a:bodyPr/>
+                    <a:lstStyle/>
+                    <a:p>
+                      <a:r>
+                        <a:rPr lang="en-US" dirty="0"/>
+                        <a:t>Web-Based Diabetes Prediction System Using Machine Learning</a:t>
+                      </a:r>
+                    </a:p>
+                    <a:p>
+                      <a:endParaRPr lang="en-US" dirty="0"/>
+                    </a:p>
+                    <a:p>
+                      <a:r>
+                        <a:rPr lang="en-US" b="1" dirty="0"/>
+                        <a:t>Year:</a:t>
+                      </a:r>
+                      <a:br>
+                        <a:rPr lang="en-US" dirty="0"/>
+                      </a:br>
+                      <a:r>
+                        <a:rPr lang="en-US" b="1" dirty="0"/>
+                        <a:t>2022</a:t>
+                      </a:r>
+                      <a:r>
+                        <a:rPr lang="en-US" dirty="0"/>
+                        <a:t> (IEEE Conference publication)</a:t>
+                      </a:r>
+                      <a:endParaRPr lang="en-IN" dirty="0"/>
+                    </a:p>
+                  </a:txBody>
+                  <a:tcPr/>
+                </a:tc>
+                <a:tc>
+                  <a:txBody>
+                    <a:bodyPr/>
+                    <a:lstStyle/>
+                    <a:p>
+                      <a:pPr marL="285750" indent="-285750">
+                        <a:buFont typeface="Arial" panose="020B0604020202020204" pitchFamily="34" charset="0"/>
+                        <a:buChar char="•"/>
+                      </a:pPr>
+                      <a:r>
+                        <a:rPr lang="en-IN" dirty="0"/>
+                        <a:t>Dataset: </a:t>
+                      </a:r>
+                      <a:r>
+                        <a:rPr lang="en-IN" b="1" dirty="0"/>
+                        <a:t>Pima Indians Diabetes Dataset</a:t>
+                      </a:r>
+                      <a:r>
+                        <a:rPr lang="en-IN" dirty="0"/>
+                        <a:t> (~768 samples, 8 features).</a:t>
+                      </a:r>
+                    </a:p>
+                    <a:p>
+                      <a:pPr marL="285750" indent="-285750">
+                        <a:buFont typeface="Arial" panose="020B0604020202020204" pitchFamily="34" charset="0"/>
+                        <a:buChar char="•"/>
+                      </a:pPr>
+                      <a:r>
+                        <a:rPr lang="en-IN" dirty="0"/>
+                        <a:t>Preprocessing: Data cleaning, removal of zero values, correlation analysis.</a:t>
+                      </a:r>
+                    </a:p>
+                    <a:p>
+                      <a:pPr marL="285750" indent="-285750">
+                        <a:buFont typeface="Arial" panose="020B0604020202020204" pitchFamily="34" charset="0"/>
+                        <a:buChar char="•"/>
+                      </a:pPr>
+                      <a:r>
+                        <a:rPr lang="en-IN" dirty="0"/>
+                        <a:t>Models used: </a:t>
+                      </a:r>
+                      <a:r>
+                        <a:rPr lang="en-IN" b="1" dirty="0"/>
+                        <a:t>SVM, Decision Tree, Random Forest, Naive Bayes</a:t>
+                      </a:r>
+                      <a:r>
+                        <a:rPr lang="en-IN" dirty="0"/>
+                        <a:t>.</a:t>
+                      </a:r>
+                    </a:p>
+                    <a:p>
+                      <a:pPr marL="285750" indent="-285750">
+                        <a:buFont typeface="Arial" panose="020B0604020202020204" pitchFamily="34" charset="0"/>
+                        <a:buChar char="•"/>
+                      </a:pPr>
+                      <a:r>
+                        <a:rPr lang="en-IN" dirty="0"/>
+                        <a:t>Data split: </a:t>
+                      </a:r>
+                      <a:r>
+                        <a:rPr lang="en-IN" b="1" dirty="0"/>
+                        <a:t>75% training, 25% testing</a:t>
+                      </a:r>
+                      <a:r>
+                        <a:rPr lang="en-IN" dirty="0"/>
+                        <a:t>.</a:t>
+                      </a:r>
+                    </a:p>
+                    <a:p>
+                      <a:pPr marL="285750" indent="-285750">
+                        <a:buFont typeface="Arial" panose="020B0604020202020204" pitchFamily="34" charset="0"/>
+                        <a:buChar char="•"/>
+                      </a:pPr>
+                      <a:r>
+                        <a:rPr lang="en-IN" dirty="0"/>
+                        <a:t>Evaluation: Confusion matrix and accuracy score.</a:t>
+                      </a:r>
+                    </a:p>
+                    <a:p>
+                      <a:pPr marL="285750" indent="-285750">
+                        <a:buFont typeface="Arial" panose="020B0604020202020204" pitchFamily="34" charset="0"/>
+                        <a:buChar char="•"/>
+                      </a:pPr>
+                      <a:r>
+                        <a:rPr lang="en-IN" dirty="0"/>
+                        <a:t>Deployment: </a:t>
+                      </a:r>
+                      <a:r>
+                        <a:rPr lang="en-IN" b="1" dirty="0"/>
+                        <a:t>Flask web app</a:t>
+                      </a:r>
+                      <a:r>
+                        <a:rPr lang="en-IN" dirty="0"/>
+                        <a:t> for user interaction</a:t>
+                      </a:r>
+                    </a:p>
+                    <a:p>
+                      <a:endParaRPr lang="en-IN" dirty="0"/>
+                    </a:p>
+                  </a:txBody>
+                  <a:tcPr/>
+                </a:tc>
+                <a:tc>
+                  <a:txBody>
+                    <a:bodyPr/>
+                    <a:lstStyle/>
+                    <a:p>
+                      <a:pPr marL="285750" indent="-285750">
+                        <a:buFont typeface="Arial" panose="020B0604020202020204" pitchFamily="34" charset="0"/>
+                        <a:buChar char="•"/>
+                      </a:pPr>
+                      <a:r>
+                        <a:rPr lang="en-US" b="1" dirty="0"/>
+                        <a:t>Random Forest</a:t>
+                      </a:r>
+                      <a:r>
+                        <a:rPr lang="en-US" dirty="0"/>
+                        <a:t> gave the best accuracy (</a:t>
+                      </a:r>
+                      <a:r>
+                        <a:rPr lang="en-US" b="1" dirty="0"/>
+                        <a:t>96.6%</a:t>
+                      </a:r>
+                      <a:r>
+                        <a:rPr lang="en-US" dirty="0"/>
+                        <a:t>) for diabetes prediction.</a:t>
+                      </a:r>
+                    </a:p>
+                    <a:p>
+                      <a:pPr marL="285750" indent="-285750">
+                        <a:buFont typeface="Arial" panose="020B0604020202020204" pitchFamily="34" charset="0"/>
+                        <a:buChar char="•"/>
+                      </a:pPr>
+                      <a:r>
+                        <a:rPr lang="en-US" dirty="0"/>
+                        <a:t>System predicts </a:t>
+                      </a:r>
+                      <a:r>
+                        <a:rPr lang="en-US" b="1" dirty="0"/>
+                        <a:t>binary outcome</a:t>
+                      </a:r>
+                      <a:r>
+                        <a:rPr lang="en-US" dirty="0"/>
+                        <a:t> (diabetic vs. non-diabetic).</a:t>
+                      </a:r>
+                    </a:p>
+                    <a:p>
+                      <a:pPr marL="285750" indent="-285750">
+                        <a:buFont typeface="Arial" panose="020B0604020202020204" pitchFamily="34" charset="0"/>
+                        <a:buChar char="•"/>
+                      </a:pPr>
+                      <a:r>
+                        <a:rPr lang="en-US" dirty="0"/>
+                        <a:t>Demonstrates feasibility of ML in diabetes prediction but limited by small dataset and lack of lifestyle factors</a:t>
+                      </a:r>
+                    </a:p>
+                    <a:p>
+                      <a:endParaRPr lang="en-IN" dirty="0"/>
+                    </a:p>
+                  </a:txBody>
+                  <a:tcPr/>
+                </a:tc>
+                <a:extLst>
+                  <a:ext uri="{0D108BD9-81ED-4DB2-BD59-A6C34878D82A}">
+                    <a16:rowId xmlns:a16="http://schemas.microsoft.com/office/drawing/2014/main" val="145990994"/>
+                  </a:ext>
+                </a:extLst>
+              </a:tr>
+            </a:tbl>
+          </a:graphicData>
+        </a:graphic>
+      </p:graphicFrame>
+    </p:spTree>
+    <p:extLst>
+      <p:ext uri="{BB962C8B-B14F-4D97-AF65-F5344CB8AC3E}">
+        <p14:creationId xmlns:p14="http://schemas.microsoft.com/office/powerpoint/2010/main" val="860765087"/>
+      </p:ext>
+    </p:extLst>
+  </p:cSld>
+  <p:clrMapOvr>
+    <a:masterClrMapping/>
+  </p:clrMapOvr>
+  <mc:AlternateContent xmlns:mc="http://schemas.openxmlformats.org/markup-compatibility/2006" xmlns:p14="http://schemas.microsoft.com/office/powerpoint/2010/main">
+    <mc:Choice Requires="p14">
+      <p:transition spd="med" p14:dur="700">
+        <p:fade/>
+      </p:transition>
+    </mc:Choice>
+    <mc:Fallback xmlns="">
+      <p:transition spd="med">
+        <p:fade/>
+      </p:transition>
+    </mc:Fallback>
+  </mc:AlternateContent>
+</p:sld>
+</file>
+
+<file path=ppt/slides/slide5.xml><?xml version="1.0" encoding="utf-8"?>
+<p:sld xmlns:a="http://schemas.openxmlformats.org/drawingml/2006/main" xmlns:r="http://schemas.openxmlformats.org/officeDocument/2006/relationships" xmlns:p="http://schemas.openxmlformats.org/presentationml/2006/main">
+  <p:cSld>
+    <p:spTree>
+      <p:nvGrpSpPr>
+        <p:cNvPr id="1" name="">
+          <a:extLst>
+            <a:ext uri="{FF2B5EF4-FFF2-40B4-BE49-F238E27FC236}">
+              <a16:creationId xmlns:a16="http://schemas.microsoft.com/office/drawing/2014/main" id="{C8432ED2-18BE-57D6-EBE0-FF7C0337F2EE}"/>
+            </a:ext>
+          </a:extLst>
+        </p:cNvPr>
+        <p:cNvGrpSpPr/>
+        <p:nvPr/>
+      </p:nvGrpSpPr>
+      <p:grpSpPr>
+        <a:xfrm>
+          <a:off x="0" y="0"/>
+          <a:ext cx="0" cy="0"/>
+          <a:chOff x="0" y="0"/>
+          <a:chExt cx="0" cy="0"/>
+        </a:xfrm>
+      </p:grpSpPr>
+      <p:sp>
+        <p:nvSpPr>
+          <p:cNvPr id="3" name="TextBox 2">
+            <a:extLst>
+              <a:ext uri="{FF2B5EF4-FFF2-40B4-BE49-F238E27FC236}">
+                <a16:creationId xmlns:a16="http://schemas.microsoft.com/office/drawing/2014/main" id="{7EE6AAF9-9CF7-52A1-3583-77A4FD0096B4}"/>
+              </a:ext>
+            </a:extLst>
+          </p:cNvPr>
+          <p:cNvSpPr txBox="1"/>
+          <p:nvPr/>
+        </p:nvSpPr>
+        <p:spPr>
+          <a:xfrm>
+            <a:off x="255996" y="502545"/>
+            <a:ext cx="10624338" cy="646331"/>
+          </a:xfrm>
+          <a:prstGeom prst="rect">
+            <a:avLst/>
+          </a:prstGeom>
+          <a:noFill/>
+        </p:spPr>
+        <p:txBody>
+          <a:bodyPr wrap="square" rtlCol="0">
+            <a:spAutoFit/>
+          </a:bodyPr>
+          <a:lstStyle/>
+          <a:p>
+            <a:pPr marL="0" marR="0" lvl="0" indent="0" algn="l" defTabSz="914400" rtl="0" eaLnBrk="1" fontAlgn="auto" latinLnBrk="0" hangingPunct="1">
+              <a:lnSpc>
+                <a:spcPct val="100000"/>
+              </a:lnSpc>
+              <a:spcBef>
+                <a:spcPts val="0"/>
+              </a:spcBef>
+              <a:spcAft>
+                <a:spcPts val="0"/>
+              </a:spcAft>
+              <a:buClrTx/>
+              <a:buSzTx/>
+              <a:buFontTx/>
+              <a:buNone/>
+              <a:tabLst/>
+              <a:defRPr/>
+            </a:pPr>
+            <a:r>
+              <a:rPr kumimoji="0" lang="en-US" sz="3600" b="1" i="0" u="none" strike="noStrike" kern="1200" cap="none" spc="0" normalizeH="0" baseline="0" noProof="0" dirty="0">
+                <a:ln>
+                  <a:noFill/>
+                </a:ln>
+                <a:solidFill>
+                  <a:srgbClr val="5B9BD5">
+                    <a:lumMod val="50000"/>
+                  </a:srgbClr>
+                </a:solidFill>
+                <a:effectLst/>
+                <a:uLnTx/>
+                <a:uFillTx/>
+                <a:latin typeface="Calibri" panose="020F0502020204030204"/>
+                <a:ea typeface="+mn-ea"/>
+                <a:cs typeface="+mn-cs"/>
+              </a:rPr>
+              <a:t>Literature Review…. Calibri body -36</a:t>
+            </a:r>
+          </a:p>
+        </p:txBody>
+      </p:sp>
+      <p:cxnSp>
+        <p:nvCxnSpPr>
+          <p:cNvPr id="5" name="Straight Connector 4">
+            <a:extLst>
+              <a:ext uri="{FF2B5EF4-FFF2-40B4-BE49-F238E27FC236}">
+                <a16:creationId xmlns:a16="http://schemas.microsoft.com/office/drawing/2014/main" id="{2B9F4B84-3646-AB5A-E6FD-B0FD65E0BD93}"/>
+              </a:ext>
+            </a:extLst>
+          </p:cNvPr>
+          <p:cNvCxnSpPr>
+            <a:cxnSpLocks/>
+          </p:cNvCxnSpPr>
+          <p:nvPr/>
+        </p:nvCxnSpPr>
+        <p:spPr>
+          <a:xfrm>
+            <a:off x="221274" y="1191756"/>
+            <a:ext cx="7305799" cy="0"/>
+          </a:xfrm>
+          <a:prstGeom prst="line">
+            <a:avLst/>
+          </a:prstGeom>
+          <a:ln w="28575">
+            <a:solidFill>
+              <a:schemeClr val="accent6"/>
+            </a:solidFill>
+          </a:ln>
+        </p:spPr>
+        <p:style>
+          <a:lnRef idx="1">
+            <a:schemeClr val="accent1"/>
+          </a:lnRef>
+          <a:fillRef idx="0">
+            <a:schemeClr val="accent1"/>
+          </a:fillRef>
+          <a:effectRef idx="0">
+            <a:schemeClr val="accent1"/>
+          </a:effectRef>
+          <a:fontRef idx="minor">
+            <a:schemeClr val="tx1"/>
+          </a:fontRef>
+        </p:style>
+      </p:cxnSp>
+      <p:sp>
+        <p:nvSpPr>
+          <p:cNvPr id="4" name="TextBox 3">
+            <a:extLst>
+              <a:ext uri="{FF2B5EF4-FFF2-40B4-BE49-F238E27FC236}">
+                <a16:creationId xmlns:a16="http://schemas.microsoft.com/office/drawing/2014/main" id="{37DD5CE0-8342-E325-896A-6AC4311EB695}"/>
+              </a:ext>
+            </a:extLst>
+          </p:cNvPr>
+          <p:cNvSpPr txBox="1"/>
+          <p:nvPr/>
+        </p:nvSpPr>
+        <p:spPr>
+          <a:xfrm>
+            <a:off x="6093893" y="57036"/>
+            <a:ext cx="6098107" cy="646331"/>
+          </a:xfrm>
+          <a:prstGeom prst="rect">
+            <a:avLst/>
+          </a:prstGeom>
+          <a:noFill/>
+        </p:spPr>
+        <p:txBody>
+          <a:bodyPr wrap="square" rtlCol="0">
+            <a:spAutoFit/>
+          </a:bodyPr>
+          <a:lstStyle/>
+          <a:p>
+            <a:pPr algn="r"/>
+            <a:r>
+              <a:rPr lang="en-US" sz="1800" b="1" i="1" dirty="0">
+                <a:solidFill>
+                  <a:srgbClr val="FFFFFF"/>
+                </a:solidFill>
+              </a:rPr>
+              <a:t>Project Title -  Calibri body 18</a:t>
+            </a:r>
+          </a:p>
+          <a:p>
+            <a:pPr algn="r"/>
+            <a:endParaRPr lang="en-US" dirty="0"/>
+          </a:p>
+        </p:txBody>
+      </p:sp>
+      <p:graphicFrame>
+        <p:nvGraphicFramePr>
+          <p:cNvPr id="7" name="Table 6">
+            <a:extLst>
+              <a:ext uri="{FF2B5EF4-FFF2-40B4-BE49-F238E27FC236}">
+                <a16:creationId xmlns:a16="http://schemas.microsoft.com/office/drawing/2014/main" id="{C2333FE5-EFDF-6FFE-50E2-45FD9D6A266B}"/>
+              </a:ext>
+            </a:extLst>
+          </p:cNvPr>
+          <p:cNvGraphicFramePr>
+            <a:graphicFrameLocks noGrp="1"/>
+          </p:cNvGraphicFramePr>
+          <p:nvPr>
+            <p:extLst>
+              <p:ext uri="{D42A27DB-BD31-4B8C-83A1-F6EECF244321}">
+                <p14:modId xmlns:p14="http://schemas.microsoft.com/office/powerpoint/2010/main" val="1156857808"/>
+              </p:ext>
+            </p:extLst>
+          </p:nvPr>
+        </p:nvGraphicFramePr>
+        <p:xfrm>
+          <a:off x="414779" y="1443792"/>
+          <a:ext cx="10465555" cy="3965242"/>
+        </p:xfrm>
+        <a:graphic>
+          <a:graphicData uri="http://schemas.openxmlformats.org/drawingml/2006/table">
+            <a:tbl>
+              <a:tblPr firstRow="1" bandRow="1">
+                <a:tableStyleId>{5940675A-B579-460E-94D1-54222C63F5DA}</a:tableStyleId>
+              </a:tblPr>
+              <a:tblGrid>
+                <a:gridCol w="2450969">
+                  <a:extLst>
+                    <a:ext uri="{9D8B030D-6E8A-4147-A177-3AD203B41FA5}">
+                      <a16:colId xmlns:a16="http://schemas.microsoft.com/office/drawing/2014/main" val="2054719582"/>
+                    </a:ext>
+                  </a:extLst>
+                </a:gridCol>
+                <a:gridCol w="4473140">
+                  <a:extLst>
+                    <a:ext uri="{9D8B030D-6E8A-4147-A177-3AD203B41FA5}">
+                      <a16:colId xmlns:a16="http://schemas.microsoft.com/office/drawing/2014/main" val="3263257136"/>
+                    </a:ext>
+                  </a:extLst>
+                </a:gridCol>
+                <a:gridCol w="3541446">
+                  <a:extLst>
+                    <a:ext uri="{9D8B030D-6E8A-4147-A177-3AD203B41FA5}">
+                      <a16:colId xmlns:a16="http://schemas.microsoft.com/office/drawing/2014/main" val="2905125192"/>
+                    </a:ext>
+                  </a:extLst>
+                </a:gridCol>
+              </a:tblGrid>
+              <a:tr h="1130602">
+                <a:tc>
+                  <a:txBody>
+                    <a:bodyPr/>
+                    <a:lstStyle/>
+                    <a:p>
+                      <a:r>
+                        <a:rPr lang="en-IN" dirty="0"/>
+                        <a:t>TITLE</a:t>
+                      </a:r>
+                    </a:p>
+                  </a:txBody>
+                  <a:tcPr/>
+                </a:tc>
+                <a:tc>
+                  <a:txBody>
+                    <a:bodyPr/>
+                    <a:lstStyle/>
+                    <a:p>
+                      <a:r>
+                        <a:rPr lang="en-IN" dirty="0"/>
+                        <a:t>Methodology</a:t>
+                      </a:r>
+                    </a:p>
+                  </a:txBody>
+                  <a:tcPr/>
+                </a:tc>
+                <a:tc>
+                  <a:txBody>
+                    <a:bodyPr/>
+                    <a:lstStyle/>
+                    <a:p>
+                      <a:r>
+                        <a:rPr lang="en-IN" dirty="0"/>
+                        <a:t>Inference</a:t>
+                      </a:r>
+                    </a:p>
+                  </a:txBody>
+                  <a:tcPr/>
+                </a:tc>
+                <a:extLst>
+                  <a:ext uri="{0D108BD9-81ED-4DB2-BD59-A6C34878D82A}">
+                    <a16:rowId xmlns:a16="http://schemas.microsoft.com/office/drawing/2014/main" val="972006589"/>
+                  </a:ext>
+                </a:extLst>
+              </a:tr>
+              <a:tr h="2742320">
+                <a:tc>
+                  <a:txBody>
+                    <a:bodyPr/>
+                    <a:lstStyle/>
+                    <a:p>
+                      <a:r>
+                        <a:rPr lang="en-US" dirty="0"/>
+                        <a:t>Web-Based Diabetes Prediction System Using Machine Learning</a:t>
+                      </a:r>
+                    </a:p>
+                    <a:p>
+                      <a:endParaRPr lang="en-US" dirty="0"/>
+                    </a:p>
+                  </a:txBody>
+                  <a:tcPr/>
+                </a:tc>
+                <a:tc>
+                  <a:txBody>
+                    <a:bodyPr/>
+                    <a:lstStyle/>
+                    <a:p>
+                      <a:endParaRPr lang="en-IN" dirty="0"/>
+                    </a:p>
+                  </a:txBody>
+                  <a:tcPr/>
+                </a:tc>
+                <a:tc>
+                  <a:txBody>
+                    <a:bodyPr/>
+                    <a:lstStyle/>
+                    <a:p>
+                      <a:pPr marL="285750" indent="-285750">
+                        <a:buFont typeface="Arial" panose="020B0604020202020204" pitchFamily="34" charset="0"/>
+                        <a:buChar char="•"/>
+                      </a:pPr>
+                      <a:r>
+                        <a:rPr lang="en-US" b="1" dirty="0"/>
+                        <a:t>Random Forest</a:t>
+                      </a:r>
+                      <a:r>
+                        <a:rPr lang="en-US" dirty="0"/>
+                        <a:t> gave the best accuracy (</a:t>
+                      </a:r>
+                      <a:r>
+                        <a:rPr lang="en-US" b="1" dirty="0"/>
+                        <a:t>96.6%</a:t>
+                      </a:r>
+                      <a:r>
+                        <a:rPr lang="en-US" dirty="0"/>
+                        <a:t>) for diabetes prediction.</a:t>
+                      </a:r>
+                    </a:p>
+                    <a:p>
+                      <a:pPr marL="285750" indent="-285750">
+                        <a:buFont typeface="Arial" panose="020B0604020202020204" pitchFamily="34" charset="0"/>
+                        <a:buChar char="•"/>
+                      </a:pPr>
+                      <a:r>
+                        <a:rPr lang="en-US" dirty="0"/>
+                        <a:t>System predicts </a:t>
+                      </a:r>
+                      <a:r>
+                        <a:rPr lang="en-US" b="1" dirty="0"/>
+                        <a:t>binary outcome</a:t>
+                      </a:r>
+                      <a:r>
+                        <a:rPr lang="en-US" dirty="0"/>
+                        <a:t> (diabetic vs. non-diabetic).</a:t>
+                      </a:r>
+                    </a:p>
+                    <a:p>
+                      <a:pPr marL="285750" indent="-285750">
+                        <a:buFont typeface="Arial" panose="020B0604020202020204" pitchFamily="34" charset="0"/>
+                        <a:buChar char="•"/>
+                      </a:pPr>
+                      <a:r>
+                        <a:rPr lang="en-US" dirty="0"/>
+                        <a:t>Demonstrates feasibility of ML in diabetes prediction but limited by small dataset and lack of lifestyle factors</a:t>
+                      </a:r>
+                    </a:p>
+                    <a:p>
+                      <a:endParaRPr lang="en-IN" dirty="0"/>
+                    </a:p>
+                  </a:txBody>
+                  <a:tcPr/>
+                </a:tc>
+                <a:extLst>
+                  <a:ext uri="{0D108BD9-81ED-4DB2-BD59-A6C34878D82A}">
+                    <a16:rowId xmlns:a16="http://schemas.microsoft.com/office/drawing/2014/main" val="145990994"/>
+                  </a:ext>
+                </a:extLst>
+              </a:tr>
+            </a:tbl>
+          </a:graphicData>
+        </a:graphic>
+      </p:graphicFrame>
+    </p:spTree>
+    <p:extLst>
+      <p:ext uri="{BB962C8B-B14F-4D97-AF65-F5344CB8AC3E}">
+        <p14:creationId xmlns:p14="http://schemas.microsoft.com/office/powerpoint/2010/main" val="13401053"/>
+      </p:ext>
+    </p:extLst>
+  </p:cSld>
+  <p:clrMapOvr>
+    <a:masterClrMapping/>
+  </p:clrMapOvr>
+  <mc:AlternateContent xmlns:mc="http://schemas.openxmlformats.org/markup-compatibility/2006" xmlns:p14="http://schemas.microsoft.com/office/powerpoint/2010/main">
+    <mc:Choice Requires="p14">
+      <p:transition spd="med" p14:dur="700">
+        <p:fade/>
+      </p:transition>
+    </mc:Choice>
+    <mc:Fallback xmlns="">
+      <p:transition spd="med">
+        <p:fade/>
+      </p:transition>
+    </mc:Fallback>
+  </mc:AlternateContent>
+</p:sld>
+</file>
+
+<file path=ppt/slides/slide6.xml><?xml version="1.0" encoding="utf-8"?>
+<p:sld xmlns:a="http://schemas.openxmlformats.org/drawingml/2006/main" xmlns:r="http://schemas.openxmlformats.org/officeDocument/2006/relationships" xmlns:p="http://schemas.openxmlformats.org/presentationml/2006/main">
+  <p:cSld>
+    <p:spTree>
+      <p:nvGrpSpPr>
+        <p:cNvPr id="1" name="">
+          <a:extLst>
+            <a:ext uri="{FF2B5EF4-FFF2-40B4-BE49-F238E27FC236}">
+              <a16:creationId xmlns:a16="http://schemas.microsoft.com/office/drawing/2014/main" id="{940A68E3-CE0D-8120-362D-4ADF66C99971}"/>
+            </a:ext>
+          </a:extLst>
+        </p:cNvPr>
+        <p:cNvGrpSpPr/>
+        <p:nvPr/>
+      </p:nvGrpSpPr>
+      <p:grpSpPr>
+        <a:xfrm>
+          <a:off x="0" y="0"/>
+          <a:ext cx="0" cy="0"/>
+          <a:chOff x="0" y="0"/>
+          <a:chExt cx="0" cy="0"/>
+        </a:xfrm>
+      </p:grpSpPr>
+      <p:sp>
+        <p:nvSpPr>
+          <p:cNvPr id="3" name="TextBox 2">
+            <a:extLst>
+              <a:ext uri="{FF2B5EF4-FFF2-40B4-BE49-F238E27FC236}">
+                <a16:creationId xmlns:a16="http://schemas.microsoft.com/office/drawing/2014/main" id="{7D47597A-32F6-865D-B028-A5CC694C9934}"/>
+              </a:ext>
+            </a:extLst>
+          </p:cNvPr>
+          <p:cNvSpPr txBox="1"/>
+          <p:nvPr/>
+        </p:nvSpPr>
+        <p:spPr>
+          <a:xfrm>
+            <a:off x="255996" y="502545"/>
+            <a:ext cx="10624338" cy="646331"/>
+          </a:xfrm>
+          <a:prstGeom prst="rect">
+            <a:avLst/>
+          </a:prstGeom>
+          <a:noFill/>
+        </p:spPr>
+        <p:txBody>
+          <a:bodyPr wrap="square" rtlCol="0">
+            <a:spAutoFit/>
+          </a:bodyPr>
+          <a:lstStyle/>
+          <a:p>
+            <a:pPr marL="0" marR="0" lvl="0" indent="0" algn="l" defTabSz="914400" rtl="0" eaLnBrk="1" fontAlgn="auto" latinLnBrk="0" hangingPunct="1">
+              <a:lnSpc>
+                <a:spcPct val="100000"/>
+              </a:lnSpc>
+              <a:spcBef>
+                <a:spcPts val="0"/>
+              </a:spcBef>
+              <a:spcAft>
+                <a:spcPts val="0"/>
+              </a:spcAft>
+              <a:buClrTx/>
+              <a:buSzTx/>
+              <a:buFontTx/>
+              <a:buNone/>
+              <a:tabLst/>
+              <a:defRPr/>
+            </a:pPr>
+            <a:r>
+              <a:rPr kumimoji="0" lang="en-US" sz="3600" b="1" i="0" u="none" strike="noStrike" kern="1200" cap="none" spc="0" normalizeH="0" baseline="0" noProof="0" dirty="0">
+                <a:ln>
+                  <a:noFill/>
+                </a:ln>
+                <a:solidFill>
+                  <a:srgbClr val="5B9BD5">
+                    <a:lumMod val="50000"/>
+                  </a:srgbClr>
+                </a:solidFill>
+                <a:effectLst/>
+                <a:uLnTx/>
+                <a:uFillTx/>
+                <a:latin typeface="Calibri" panose="020F0502020204030204"/>
+                <a:ea typeface="+mn-ea"/>
+                <a:cs typeface="+mn-cs"/>
+              </a:rPr>
+              <a:t>Literature Review…. Calibri body -36</a:t>
+            </a:r>
+          </a:p>
+        </p:txBody>
+      </p:sp>
+      <p:cxnSp>
+        <p:nvCxnSpPr>
+          <p:cNvPr id="5" name="Straight Connector 4">
+            <a:extLst>
+              <a:ext uri="{FF2B5EF4-FFF2-40B4-BE49-F238E27FC236}">
+                <a16:creationId xmlns:a16="http://schemas.microsoft.com/office/drawing/2014/main" id="{7CE77ABE-8BA9-F9BD-14F8-BADBDE8D27DE}"/>
+              </a:ext>
+            </a:extLst>
+          </p:cNvPr>
+          <p:cNvCxnSpPr>
+            <a:cxnSpLocks/>
+          </p:cNvCxnSpPr>
+          <p:nvPr/>
+        </p:nvCxnSpPr>
+        <p:spPr>
+          <a:xfrm>
+            <a:off x="221274" y="1191756"/>
+            <a:ext cx="7305799" cy="0"/>
+          </a:xfrm>
+          <a:prstGeom prst="line">
+            <a:avLst/>
+          </a:prstGeom>
+          <a:ln w="28575">
+            <a:solidFill>
+              <a:schemeClr val="accent6"/>
+            </a:solidFill>
+          </a:ln>
+        </p:spPr>
+        <p:style>
+          <a:lnRef idx="1">
+            <a:schemeClr val="accent1"/>
+          </a:lnRef>
+          <a:fillRef idx="0">
+            <a:schemeClr val="accent1"/>
+          </a:fillRef>
+          <a:effectRef idx="0">
+            <a:schemeClr val="accent1"/>
+          </a:effectRef>
+          <a:fontRef idx="minor">
+            <a:schemeClr val="tx1"/>
+          </a:fontRef>
+        </p:style>
+      </p:cxnSp>
+      <p:sp>
+        <p:nvSpPr>
+          <p:cNvPr id="4" name="TextBox 3">
+            <a:extLst>
+              <a:ext uri="{FF2B5EF4-FFF2-40B4-BE49-F238E27FC236}">
+                <a16:creationId xmlns:a16="http://schemas.microsoft.com/office/drawing/2014/main" id="{11B5A264-2C0D-3619-39AC-5352DBF07F0B}"/>
+              </a:ext>
+            </a:extLst>
+          </p:cNvPr>
+          <p:cNvSpPr txBox="1"/>
+          <p:nvPr/>
+        </p:nvSpPr>
+        <p:spPr>
+          <a:xfrm>
+            <a:off x="6093893" y="57036"/>
+            <a:ext cx="6098107" cy="646331"/>
+          </a:xfrm>
+          <a:prstGeom prst="rect">
+            <a:avLst/>
+          </a:prstGeom>
+          <a:noFill/>
+        </p:spPr>
+        <p:txBody>
+          <a:bodyPr wrap="square" rtlCol="0">
+            <a:spAutoFit/>
+          </a:bodyPr>
+          <a:lstStyle/>
+          <a:p>
+            <a:pPr algn="r"/>
+            <a:r>
+              <a:rPr lang="en-US" sz="1800" b="1" i="1" dirty="0">
+                <a:solidFill>
+                  <a:srgbClr val="FFFFFF"/>
+                </a:solidFill>
+              </a:rPr>
+              <a:t>Project Title -  Calibri body 18</a:t>
+            </a:r>
+          </a:p>
+          <a:p>
+            <a:pPr algn="r"/>
+            <a:endParaRPr lang="en-US" dirty="0"/>
+          </a:p>
+        </p:txBody>
+      </p:sp>
+      <p:graphicFrame>
+        <p:nvGraphicFramePr>
+          <p:cNvPr id="7" name="Table 6">
+            <a:extLst>
+              <a:ext uri="{FF2B5EF4-FFF2-40B4-BE49-F238E27FC236}">
+                <a16:creationId xmlns:a16="http://schemas.microsoft.com/office/drawing/2014/main" id="{2F8DF0A2-CF12-277E-9BC8-1AA02D99A9F4}"/>
+              </a:ext>
+            </a:extLst>
+          </p:cNvPr>
+          <p:cNvGraphicFramePr>
+            <a:graphicFrameLocks noGrp="1"/>
+          </p:cNvGraphicFramePr>
+          <p:nvPr>
+            <p:extLst>
+              <p:ext uri="{D42A27DB-BD31-4B8C-83A1-F6EECF244321}">
+                <p14:modId xmlns:p14="http://schemas.microsoft.com/office/powerpoint/2010/main" val="3859801596"/>
+              </p:ext>
+            </p:extLst>
+          </p:nvPr>
+        </p:nvGraphicFramePr>
+        <p:xfrm>
+          <a:off x="405352" y="1443791"/>
+          <a:ext cx="11481847" cy="4218425"/>
+        </p:xfrm>
+        <a:graphic>
+          <a:graphicData uri="http://schemas.openxmlformats.org/drawingml/2006/table">
+            <a:tbl>
+              <a:tblPr firstRow="1" bandRow="1">
+                <a:tableStyleId>{5940675A-B579-460E-94D1-54222C63F5DA}</a:tableStyleId>
+              </a:tblPr>
+              <a:tblGrid>
+                <a:gridCol w="2696890">
+                  <a:extLst>
+                    <a:ext uri="{9D8B030D-6E8A-4147-A177-3AD203B41FA5}">
+                      <a16:colId xmlns:a16="http://schemas.microsoft.com/office/drawing/2014/main" val="2054719582"/>
+                    </a:ext>
+                  </a:extLst>
+                </a:gridCol>
+                <a:gridCol w="4122835">
+                  <a:extLst>
+                    <a:ext uri="{9D8B030D-6E8A-4147-A177-3AD203B41FA5}">
+                      <a16:colId xmlns:a16="http://schemas.microsoft.com/office/drawing/2014/main" val="3263257136"/>
+                    </a:ext>
+                  </a:extLst>
+                </a:gridCol>
+                <a:gridCol w="4662122">
+                  <a:extLst>
+                    <a:ext uri="{9D8B030D-6E8A-4147-A177-3AD203B41FA5}">
+                      <a16:colId xmlns:a16="http://schemas.microsoft.com/office/drawing/2014/main" val="2905125192"/>
+                    </a:ext>
+                  </a:extLst>
+                </a:gridCol>
+              </a:tblGrid>
+              <a:tr h="771508">
+                <a:tc>
+                  <a:txBody>
+                    <a:bodyPr/>
+                    <a:lstStyle/>
+                    <a:p>
+                      <a:r>
+                        <a:rPr lang="en-IN" dirty="0"/>
+                        <a:t>TITLE</a:t>
+                      </a:r>
+                    </a:p>
+                  </a:txBody>
+                  <a:tcPr/>
+                </a:tc>
+                <a:tc>
+                  <a:txBody>
+                    <a:bodyPr/>
+                    <a:lstStyle/>
+                    <a:p>
+                      <a:r>
+                        <a:rPr lang="en-IN" dirty="0"/>
+                        <a:t>Methodology</a:t>
+                      </a:r>
+                    </a:p>
+                  </a:txBody>
+                  <a:tcPr/>
+                </a:tc>
+                <a:tc>
+                  <a:txBody>
+                    <a:bodyPr/>
+                    <a:lstStyle/>
+                    <a:p>
+                      <a:r>
+                        <a:rPr lang="en-IN" dirty="0"/>
+                        <a:t>Inference</a:t>
+                      </a:r>
+                    </a:p>
+                  </a:txBody>
+                  <a:tcPr/>
+                </a:tc>
+                <a:extLst>
+                  <a:ext uri="{0D108BD9-81ED-4DB2-BD59-A6C34878D82A}">
+                    <a16:rowId xmlns:a16="http://schemas.microsoft.com/office/drawing/2014/main" val="972006589"/>
+                  </a:ext>
+                </a:extLst>
+              </a:tr>
+              <a:tr h="3446917">
+                <a:tc>
+                  <a:txBody>
+                    <a:bodyPr/>
+                    <a:lstStyle/>
+                    <a:p>
+                      <a:r>
+                        <a:rPr lang="en-US" dirty="0"/>
+                        <a:t>An Ensemble Learning and Machine Learning Approach for Predicting Diabetic Disease</a:t>
+                      </a:r>
+                    </a:p>
+                    <a:p>
+                      <a:endParaRPr lang="en-US" dirty="0"/>
+                    </a:p>
+                    <a:p>
+                      <a:r>
+                        <a:rPr lang="en-US" b="1" dirty="0"/>
+                        <a:t>Year</a:t>
+                      </a:r>
+                      <a:r>
+                        <a:rPr lang="en-US" dirty="0"/>
+                        <a:t>:2025</a:t>
+                      </a:r>
+                      <a:endParaRPr lang="en-IN" dirty="0"/>
+                    </a:p>
+                  </a:txBody>
+                  <a:tcPr/>
+                </a:tc>
+                <a:tc>
+                  <a:txBody>
+                    <a:bodyPr/>
+                    <a:lstStyle/>
+                    <a:p>
+                      <a:pPr marL="285750" indent="-285750">
+                        <a:buFont typeface="Arial" panose="020B0604020202020204" pitchFamily="34" charset="0"/>
+                        <a:buChar char="•"/>
+                      </a:pPr>
+                      <a:r>
+                        <a:rPr lang="en-IN" dirty="0"/>
+                        <a:t>Dataset: BRFSS Diabetes Health Indicators (253,680 records, 11 attributes).</a:t>
+                      </a:r>
+                    </a:p>
+                    <a:p>
+                      <a:pPr marL="285750" indent="-285750">
+                        <a:buFont typeface="Arial" panose="020B0604020202020204" pitchFamily="34" charset="0"/>
+                        <a:buChar char="•"/>
+                      </a:pPr>
+                      <a:r>
+                        <a:rPr lang="en-IN" dirty="0"/>
+                        <a:t>Preprocessing: Missing value imputation, outlier removal, encoding, normalization.</a:t>
+                      </a:r>
+                    </a:p>
+                    <a:p>
+                      <a:pPr marL="285750" indent="-285750">
+                        <a:buFont typeface="Arial" panose="020B0604020202020204" pitchFamily="34" charset="0"/>
+                        <a:buChar char="•"/>
+                      </a:pPr>
+                      <a:r>
+                        <a:rPr lang="en-IN" dirty="0"/>
+                        <a:t>Models: Logistic Regression, Random Forest, Adaptive Boosting, </a:t>
+                      </a:r>
+                      <a:r>
+                        <a:rPr lang="en-IN" dirty="0" err="1"/>
+                        <a:t>XGBoost</a:t>
+                      </a:r>
+                      <a:r>
+                        <a:rPr lang="en-IN" dirty="0"/>
+                        <a:t> (hyperparameter-tuned).</a:t>
+                      </a:r>
+                    </a:p>
+                    <a:p>
+                      <a:pPr marL="285750" indent="-285750">
+                        <a:buFont typeface="Arial" panose="020B0604020202020204" pitchFamily="34" charset="0"/>
+                        <a:buChar char="•"/>
+                      </a:pPr>
+                      <a:r>
+                        <a:rPr lang="en-IN" dirty="0"/>
+                        <a:t>Ensemble learning with AdaBoost + </a:t>
+                      </a:r>
+                      <a:r>
+                        <a:rPr lang="en-IN" dirty="0" err="1"/>
+                        <a:t>XGBoost</a:t>
+                      </a:r>
+                      <a:r>
+                        <a:rPr lang="en-IN" dirty="0"/>
+                        <a:t> as best perform</a:t>
+                      </a:r>
+                    </a:p>
+                    <a:p>
+                      <a:endParaRPr lang="en-IN" dirty="0"/>
+                    </a:p>
+                  </a:txBody>
+                  <a:tcPr/>
+                </a:tc>
+                <a:tc>
+                  <a:txBody>
+                    <a:bodyPr/>
+                    <a:lstStyle/>
+                    <a:p>
+                      <a:pPr marL="285750" indent="-285750">
+                        <a:buFont typeface="Arial" panose="020B0604020202020204" pitchFamily="34" charset="0"/>
+                        <a:buChar char="•"/>
+                      </a:pPr>
+                      <a:r>
+                        <a:rPr lang="en-US" dirty="0" err="1"/>
+                        <a:t>XGBoost</a:t>
+                      </a:r>
+                      <a:r>
+                        <a:rPr lang="en-US" dirty="0"/>
+                        <a:t> achieved </a:t>
+                      </a:r>
+                      <a:r>
+                        <a:rPr lang="en-US" b="1" dirty="0"/>
+                        <a:t>87% accuracy</a:t>
+                      </a:r>
+                      <a:r>
+                        <a:rPr lang="en-US" dirty="0"/>
+                        <a:t>, </a:t>
+                      </a:r>
+                      <a:r>
+                        <a:rPr lang="en-US" b="1" dirty="0"/>
+                        <a:t>F1-score = 0.95</a:t>
+                      </a:r>
+                      <a:r>
+                        <a:rPr lang="en-US" dirty="0"/>
+                        <a:t>.</a:t>
+                      </a:r>
+                    </a:p>
+                    <a:p>
+                      <a:pPr marL="285750" indent="-285750">
+                        <a:buFont typeface="Arial" panose="020B0604020202020204" pitchFamily="34" charset="0"/>
+                        <a:buChar char="•"/>
+                      </a:pPr>
+                      <a:r>
+                        <a:rPr lang="en-US" dirty="0"/>
+                        <a:t>Robust for large, imbalanced datasets.</a:t>
+                      </a:r>
+                    </a:p>
+                    <a:p>
+                      <a:pPr marL="285750" indent="-285750">
+                        <a:buFont typeface="Arial" panose="020B0604020202020204" pitchFamily="34" charset="0"/>
+                        <a:buChar char="•"/>
+                      </a:pPr>
+                      <a:r>
+                        <a:rPr lang="en-US" dirty="0"/>
+                        <a:t>Focused on </a:t>
+                      </a:r>
+                      <a:r>
+                        <a:rPr lang="en-US" b="1" dirty="0"/>
+                        <a:t>algorithmic improvement</a:t>
+                      </a:r>
+                      <a:r>
+                        <a:rPr lang="en-US" dirty="0"/>
+                        <a:t>, not deployment or recommendations.</a:t>
+                      </a:r>
+                    </a:p>
+                    <a:p>
+                      <a:pPr marL="0" indent="0">
+                        <a:buFont typeface="Arial" panose="020B0604020202020204" pitchFamily="34" charset="0"/>
+                        <a:buNone/>
+                      </a:pPr>
+                      <a:endParaRPr lang="en-IN" b="1" dirty="0"/>
+                    </a:p>
+                    <a:p>
+                      <a:pPr marL="0" indent="0">
+                        <a:buFont typeface="Arial" panose="020B0604020202020204" pitchFamily="34" charset="0"/>
+                        <a:buNone/>
+                      </a:pPr>
+                      <a:r>
+                        <a:rPr lang="en-IN" b="1" dirty="0"/>
+                        <a:t>Strengths vs. Limitations</a:t>
+                      </a:r>
+                    </a:p>
+                    <a:p>
+                      <a:pPr marL="0" indent="0">
+                        <a:buFont typeface="Arial" panose="020B0604020202020204" pitchFamily="34" charset="0"/>
+                        <a:buNone/>
+                      </a:pPr>
+                      <a:r>
+                        <a:rPr lang="en-IN" dirty="0"/>
+                        <a:t> Strengths : Personalized recommendations, NLP for nutrition, high accuracy, real-world deployment pipeline. </a:t>
+                      </a:r>
+                    </a:p>
+                    <a:p>
+                      <a:pPr marL="0" indent="0">
+                        <a:buFont typeface="Arial" panose="020B0604020202020204" pitchFamily="34" charset="0"/>
+                        <a:buNone/>
+                      </a:pPr>
+                      <a:r>
+                        <a:rPr lang="en-IN" dirty="0"/>
+                        <a:t>Limitations :Small dataset may inflate accuracy, limited generalizability.</a:t>
+                      </a:r>
+                      <a:endParaRPr lang="en-IN" b="1" dirty="0"/>
+                    </a:p>
+                  </a:txBody>
+                  <a:tcPr/>
+                </a:tc>
+                <a:extLst>
+                  <a:ext uri="{0D108BD9-81ED-4DB2-BD59-A6C34878D82A}">
+                    <a16:rowId xmlns:a16="http://schemas.microsoft.com/office/drawing/2014/main" val="145990994"/>
+                  </a:ext>
+                </a:extLst>
+              </a:tr>
+            </a:tbl>
+          </a:graphicData>
+        </a:graphic>
+      </p:graphicFrame>
+    </p:spTree>
+    <p:extLst>
+      <p:ext uri="{BB962C8B-B14F-4D97-AF65-F5344CB8AC3E}">
+        <p14:creationId xmlns:p14="http://schemas.microsoft.com/office/powerpoint/2010/main" val="363970910"/>
+      </p:ext>
+    </p:extLst>
+  </p:cSld>
+  <p:clrMapOvr>
+    <a:masterClrMapping/>
+  </p:clrMapOvr>
+  <mc:AlternateContent xmlns:mc="http://schemas.openxmlformats.org/markup-compatibility/2006" xmlns:p14="http://schemas.microsoft.com/office/powerpoint/2010/main">
+    <mc:Choice Requires="p14">
+      <p:transition spd="med" p14:dur="700">
+        <p:fade/>
+      </p:transition>
+    </mc:Choice>
+    <mc:Fallback xmlns="">
+      <p:transition spd="med">
+        <p:fade/>
+      </p:transition>
+    </mc:Fallback>
+  </mc:AlternateContent>
+</p:sld>
+</file>
+
+<file path=ppt/slides/slide7.xml><?xml version="1.0" encoding="utf-8"?>
+<p:sld xmlns:a="http://schemas.openxmlformats.org/drawingml/2006/main" xmlns:r="http://schemas.openxmlformats.org/officeDocument/2006/relationships" xmlns:p="http://schemas.openxmlformats.org/presentationml/2006/main">
+  <p:cSld>
+    <p:spTree>
+      <p:nvGrpSpPr>
+        <p:cNvPr id="1" name="">
+          <a:extLst>
+            <a:ext uri="{FF2B5EF4-FFF2-40B4-BE49-F238E27FC236}">
+              <a16:creationId xmlns:a16="http://schemas.microsoft.com/office/drawing/2014/main" id="{35A5E795-C0B1-97B9-3117-B124F66DFB93}"/>
+            </a:ext>
+          </a:extLst>
+        </p:cNvPr>
+        <p:cNvGrpSpPr/>
+        <p:nvPr/>
+      </p:nvGrpSpPr>
+      <p:grpSpPr>
+        <a:xfrm>
+          <a:off x="0" y="0"/>
+          <a:ext cx="0" cy="0"/>
+          <a:chOff x="0" y="0"/>
+          <a:chExt cx="0" cy="0"/>
+        </a:xfrm>
+      </p:grpSpPr>
+      <p:sp>
+        <p:nvSpPr>
+          <p:cNvPr id="3" name="TextBox 2">
+            <a:extLst>
+              <a:ext uri="{FF2B5EF4-FFF2-40B4-BE49-F238E27FC236}">
+                <a16:creationId xmlns:a16="http://schemas.microsoft.com/office/drawing/2014/main" id="{1F63375B-EBB8-3518-28A8-7DBE657138BD}"/>
+              </a:ext>
+            </a:extLst>
+          </p:cNvPr>
+          <p:cNvSpPr txBox="1"/>
+          <p:nvPr/>
+        </p:nvSpPr>
+        <p:spPr>
+          <a:xfrm>
+            <a:off x="255996" y="502545"/>
+            <a:ext cx="10624338" cy="646331"/>
+          </a:xfrm>
+          <a:prstGeom prst="rect">
+            <a:avLst/>
+          </a:prstGeom>
+          <a:noFill/>
+        </p:spPr>
+        <p:txBody>
+          <a:bodyPr wrap="square" rtlCol="0">
+            <a:spAutoFit/>
+          </a:bodyPr>
+          <a:lstStyle/>
+          <a:p>
+            <a:pPr marL="0" marR="0" lvl="0" indent="0" algn="l" defTabSz="914400" rtl="0" eaLnBrk="1" fontAlgn="auto" latinLnBrk="0" hangingPunct="1">
+              <a:lnSpc>
+                <a:spcPct val="100000"/>
+              </a:lnSpc>
+              <a:spcBef>
+                <a:spcPts val="0"/>
+              </a:spcBef>
+              <a:spcAft>
+                <a:spcPts val="0"/>
+              </a:spcAft>
+              <a:buClrTx/>
+              <a:buSzTx/>
+              <a:buFontTx/>
+              <a:buNone/>
+              <a:tabLst/>
+              <a:defRPr/>
+            </a:pPr>
+            <a:r>
+              <a:rPr kumimoji="0" lang="en-US" sz="3600" b="1" i="0" u="none" strike="noStrike" kern="1200" cap="none" spc="0" normalizeH="0" baseline="0" noProof="0" dirty="0">
+                <a:ln>
+                  <a:noFill/>
+                </a:ln>
+                <a:solidFill>
+                  <a:srgbClr val="5B9BD5">
+                    <a:lumMod val="50000"/>
+                  </a:srgbClr>
+                </a:solidFill>
+                <a:effectLst/>
+                <a:uLnTx/>
+                <a:uFillTx/>
+                <a:latin typeface="Calibri" panose="020F0502020204030204"/>
+                <a:ea typeface="+mn-ea"/>
+                <a:cs typeface="+mn-cs"/>
+              </a:rPr>
+              <a:t>Literature Review…. Calibri body -36</a:t>
+            </a:r>
+          </a:p>
+        </p:txBody>
+      </p:sp>
+      <p:cxnSp>
+        <p:nvCxnSpPr>
+          <p:cNvPr id="5" name="Straight Connector 4">
+            <a:extLst>
+              <a:ext uri="{FF2B5EF4-FFF2-40B4-BE49-F238E27FC236}">
+                <a16:creationId xmlns:a16="http://schemas.microsoft.com/office/drawing/2014/main" id="{38FD285B-F1CC-0DD3-33B0-DEE7A4F90E4D}"/>
+              </a:ext>
+            </a:extLst>
+          </p:cNvPr>
+          <p:cNvCxnSpPr>
+            <a:cxnSpLocks/>
+          </p:cNvCxnSpPr>
+          <p:nvPr/>
+        </p:nvCxnSpPr>
+        <p:spPr>
+          <a:xfrm>
+            <a:off x="221274" y="1191756"/>
+            <a:ext cx="7305799" cy="0"/>
+          </a:xfrm>
+          <a:prstGeom prst="line">
+            <a:avLst/>
+          </a:prstGeom>
+          <a:ln w="28575">
+            <a:solidFill>
+              <a:schemeClr val="accent6"/>
+            </a:solidFill>
+          </a:ln>
+        </p:spPr>
+        <p:style>
+          <a:lnRef idx="1">
+            <a:schemeClr val="accent1"/>
+          </a:lnRef>
+          <a:fillRef idx="0">
+            <a:schemeClr val="accent1"/>
+          </a:fillRef>
+          <a:effectRef idx="0">
+            <a:schemeClr val="accent1"/>
+          </a:effectRef>
+          <a:fontRef idx="minor">
+            <a:schemeClr val="tx1"/>
+          </a:fontRef>
+        </p:style>
+      </p:cxnSp>
+      <p:sp>
+        <p:nvSpPr>
+          <p:cNvPr id="4" name="TextBox 3">
+            <a:extLst>
+              <a:ext uri="{FF2B5EF4-FFF2-40B4-BE49-F238E27FC236}">
+                <a16:creationId xmlns:a16="http://schemas.microsoft.com/office/drawing/2014/main" id="{FB044AE3-9407-5A52-ED1E-F1D7B8A32B12}"/>
+              </a:ext>
+            </a:extLst>
+          </p:cNvPr>
+          <p:cNvSpPr txBox="1"/>
+          <p:nvPr/>
+        </p:nvSpPr>
+        <p:spPr>
+          <a:xfrm>
+            <a:off x="6093893" y="57036"/>
+            <a:ext cx="6098107" cy="646331"/>
+          </a:xfrm>
+          <a:prstGeom prst="rect">
+            <a:avLst/>
+          </a:prstGeom>
+          <a:noFill/>
+        </p:spPr>
+        <p:txBody>
+          <a:bodyPr wrap="square" rtlCol="0">
+            <a:spAutoFit/>
+          </a:bodyPr>
+          <a:lstStyle/>
+          <a:p>
+            <a:pPr algn="r"/>
+            <a:r>
+              <a:rPr lang="en-US" sz="1800" b="1" i="1" dirty="0">
+                <a:solidFill>
+                  <a:srgbClr val="FFFFFF"/>
+                </a:solidFill>
+              </a:rPr>
+              <a:t>Project Title -  Calibri body 18</a:t>
+            </a:r>
+          </a:p>
+          <a:p>
+            <a:pPr algn="r"/>
+            <a:endParaRPr lang="en-US" dirty="0"/>
+          </a:p>
+        </p:txBody>
+      </p:sp>
+      <p:graphicFrame>
+        <p:nvGraphicFramePr>
+          <p:cNvPr id="7" name="Table 6">
+            <a:extLst>
+              <a:ext uri="{FF2B5EF4-FFF2-40B4-BE49-F238E27FC236}">
+                <a16:creationId xmlns:a16="http://schemas.microsoft.com/office/drawing/2014/main" id="{D1A29D94-FE33-3533-358E-0ECA73E2FB9F}"/>
+              </a:ext>
+            </a:extLst>
+          </p:cNvPr>
+          <p:cNvGraphicFramePr>
+            <a:graphicFrameLocks noGrp="1"/>
+          </p:cNvGraphicFramePr>
+          <p:nvPr>
+            <p:extLst>
+              <p:ext uri="{D42A27DB-BD31-4B8C-83A1-F6EECF244321}">
+                <p14:modId xmlns:p14="http://schemas.microsoft.com/office/powerpoint/2010/main" val="1452775253"/>
+              </p:ext>
+            </p:extLst>
+          </p:nvPr>
+        </p:nvGraphicFramePr>
+        <p:xfrm>
+          <a:off x="405352" y="1443791"/>
+          <a:ext cx="11481847" cy="4977748"/>
+        </p:xfrm>
+        <a:graphic>
+          <a:graphicData uri="http://schemas.openxmlformats.org/drawingml/2006/table">
+            <a:tbl>
+              <a:tblPr firstRow="1" bandRow="1">
+                <a:tableStyleId>{5940675A-B579-460E-94D1-54222C63F5DA}</a:tableStyleId>
+              </a:tblPr>
+              <a:tblGrid>
+                <a:gridCol w="2696890">
+                  <a:extLst>
+                    <a:ext uri="{9D8B030D-6E8A-4147-A177-3AD203B41FA5}">
+                      <a16:colId xmlns:a16="http://schemas.microsoft.com/office/drawing/2014/main" val="2054719582"/>
+                    </a:ext>
+                  </a:extLst>
+                </a:gridCol>
+                <a:gridCol w="4122835">
+                  <a:extLst>
+                    <a:ext uri="{9D8B030D-6E8A-4147-A177-3AD203B41FA5}">
+                      <a16:colId xmlns:a16="http://schemas.microsoft.com/office/drawing/2014/main" val="3263257136"/>
+                    </a:ext>
+                  </a:extLst>
+                </a:gridCol>
+                <a:gridCol w="4662122">
+                  <a:extLst>
+                    <a:ext uri="{9D8B030D-6E8A-4147-A177-3AD203B41FA5}">
+                      <a16:colId xmlns:a16="http://schemas.microsoft.com/office/drawing/2014/main" val="2905125192"/>
+                    </a:ext>
+                  </a:extLst>
+                </a:gridCol>
+              </a:tblGrid>
+              <a:tr h="771508">
+                <a:tc>
+                  <a:txBody>
+                    <a:bodyPr/>
+                    <a:lstStyle/>
+                    <a:p>
+                      <a:r>
+                        <a:rPr lang="en-IN" dirty="0"/>
+                        <a:t>TITLE</a:t>
+                      </a:r>
+                    </a:p>
+                  </a:txBody>
+                  <a:tcPr/>
+                </a:tc>
+                <a:tc>
+                  <a:txBody>
+                    <a:bodyPr/>
+                    <a:lstStyle/>
+                    <a:p>
+                      <a:r>
+                        <a:rPr lang="en-IN" dirty="0"/>
+                        <a:t>Methodology</a:t>
+                      </a:r>
+                    </a:p>
+                  </a:txBody>
+                  <a:tcPr/>
+                </a:tc>
+                <a:tc>
+                  <a:txBody>
+                    <a:bodyPr/>
+                    <a:lstStyle/>
+                    <a:p>
+                      <a:r>
+                        <a:rPr lang="en-IN" dirty="0"/>
+                        <a:t>Inference</a:t>
+                      </a:r>
+                    </a:p>
+                  </a:txBody>
+                  <a:tcPr/>
+                </a:tc>
+                <a:extLst>
+                  <a:ext uri="{0D108BD9-81ED-4DB2-BD59-A6C34878D82A}">
+                    <a16:rowId xmlns:a16="http://schemas.microsoft.com/office/drawing/2014/main" val="972006589"/>
+                  </a:ext>
+                </a:extLst>
+              </a:tr>
+              <a:tr h="3446917">
+                <a:tc>
+                  <a:txBody>
+                    <a:bodyPr/>
+                    <a:lstStyle/>
+                    <a:p>
+                      <a:r>
+                        <a:rPr lang="en-US" sz="1800" b="1" i="0" kern="1200" dirty="0">
+                          <a:solidFill>
+                            <a:schemeClr val="tx1"/>
+                          </a:solidFill>
+                          <a:effectLst/>
+                          <a:latin typeface="+mn-lt"/>
+                          <a:ea typeface="+mn-ea"/>
+                          <a:cs typeface="+mn-cs"/>
+                        </a:rPr>
+                        <a:t>An Ensemble Learning and Machine Learning Approach for Predicting Diabetic Disease</a:t>
+                      </a:r>
+                      <a:br>
+                        <a:rPr lang="en-US" dirty="0"/>
+                      </a:br>
+                      <a:r>
+                        <a:rPr lang="en-US" sz="1800" b="1" i="0" kern="1200" dirty="0">
+                          <a:solidFill>
+                            <a:schemeClr val="tx1"/>
+                          </a:solidFill>
+                          <a:effectLst/>
+                          <a:latin typeface="+mn-lt"/>
+                          <a:ea typeface="+mn-ea"/>
+                          <a:cs typeface="+mn-cs"/>
+                        </a:rPr>
+                        <a:t>Published in:</a:t>
+                      </a:r>
+                      <a:r>
+                        <a:rPr lang="en-US" sz="1800" b="0" i="0" kern="1200" dirty="0">
+                          <a:solidFill>
+                            <a:schemeClr val="tx1"/>
+                          </a:solidFill>
+                          <a:effectLst/>
+                          <a:latin typeface="+mn-lt"/>
+                          <a:ea typeface="+mn-ea"/>
+                          <a:cs typeface="+mn-cs"/>
+                        </a:rPr>
+                        <a:t> 2024</a:t>
+                      </a:r>
+                      <a:br>
+                        <a:rPr lang="en-US" dirty="0"/>
+                      </a:br>
+                      <a:r>
+                        <a:rPr lang="en-US" sz="1800" b="1" i="0" kern="1200" dirty="0">
+                          <a:solidFill>
+                            <a:schemeClr val="tx1"/>
+                          </a:solidFill>
+                          <a:effectLst/>
+                          <a:latin typeface="+mn-lt"/>
+                          <a:ea typeface="+mn-ea"/>
+                          <a:cs typeface="+mn-cs"/>
+                        </a:rPr>
+                        <a:t>By:</a:t>
+                      </a:r>
+                      <a:r>
+                        <a:rPr lang="en-US" sz="1800" b="0" i="0" kern="1200" dirty="0">
+                          <a:solidFill>
+                            <a:schemeClr val="tx1"/>
+                          </a:solidFill>
+                          <a:effectLst/>
+                          <a:latin typeface="+mn-lt"/>
+                          <a:ea typeface="+mn-ea"/>
+                          <a:cs typeface="+mn-cs"/>
+                        </a:rPr>
+                        <a:t> Chidambaram M, Narayanan M, Sankar C, Santhosh J</a:t>
+                      </a:r>
+                      <a:endParaRPr lang="en-IN" dirty="0"/>
+                    </a:p>
+                  </a:txBody>
+                  <a:tcPr/>
+                </a:tc>
+                <a:tc>
+                  <a:txBody>
+                    <a:bodyPr/>
+                    <a:lstStyle/>
+                    <a:p>
+                      <a:r>
+                        <a:rPr lang="en-IN" sz="1800" b="1" i="0" kern="1200" dirty="0">
+                          <a:solidFill>
+                            <a:schemeClr val="tx1"/>
+                          </a:solidFill>
+                          <a:effectLst/>
+                          <a:latin typeface="+mn-lt"/>
+                          <a:ea typeface="+mn-ea"/>
+                          <a:cs typeface="+mn-cs"/>
+                        </a:rPr>
+                        <a:t>Algorithms:</a:t>
+                      </a:r>
+                      <a:r>
+                        <a:rPr lang="en-IN" sz="1800" b="0" i="0" kern="1200" dirty="0">
+                          <a:solidFill>
+                            <a:schemeClr val="tx1"/>
+                          </a:solidFill>
+                          <a:effectLst/>
+                          <a:latin typeface="+mn-lt"/>
+                          <a:ea typeface="+mn-ea"/>
+                          <a:cs typeface="+mn-cs"/>
+                        </a:rPr>
+                        <a:t> Employs Logistic Regression (LR), Random Forest (RF), Adaptive Boosting (AB), and </a:t>
+                      </a:r>
+                      <a:r>
+                        <a:rPr lang="en-IN" sz="1800" b="0" i="0" kern="1200" dirty="0" err="1">
+                          <a:solidFill>
+                            <a:schemeClr val="tx1"/>
+                          </a:solidFill>
+                          <a:effectLst/>
+                          <a:latin typeface="+mn-lt"/>
+                          <a:ea typeface="+mn-ea"/>
+                          <a:cs typeface="+mn-cs"/>
+                        </a:rPr>
+                        <a:t>XGBoost</a:t>
+                      </a:r>
+                      <a:r>
+                        <a:rPr lang="en-IN" sz="1800" b="0" i="0" kern="1200" dirty="0">
+                          <a:solidFill>
+                            <a:schemeClr val="tx1"/>
+                          </a:solidFill>
+                          <a:effectLst/>
+                          <a:latin typeface="+mn-lt"/>
+                          <a:ea typeface="+mn-ea"/>
+                          <a:cs typeface="+mn-cs"/>
+                        </a:rPr>
+                        <a:t> on the BRFSS Diabetes Health Indicators dataset (253,680 records).</a:t>
+                      </a:r>
+                      <a:br>
+                        <a:rPr lang="en-IN" dirty="0"/>
+                      </a:br>
+                      <a:r>
+                        <a:rPr lang="en-IN" sz="1800" b="1" i="0" kern="1200" dirty="0">
+                          <a:solidFill>
+                            <a:schemeClr val="tx1"/>
+                          </a:solidFill>
+                          <a:effectLst/>
+                          <a:latin typeface="+mn-lt"/>
+                          <a:ea typeface="+mn-ea"/>
+                          <a:cs typeface="+mn-cs"/>
+                        </a:rPr>
+                        <a:t>Preprocessing:</a:t>
+                      </a:r>
+                      <a:r>
+                        <a:rPr lang="en-IN" sz="1800" b="0" i="0" kern="1200" dirty="0">
+                          <a:solidFill>
+                            <a:schemeClr val="tx1"/>
+                          </a:solidFill>
+                          <a:effectLst/>
+                          <a:latin typeface="+mn-lt"/>
+                          <a:ea typeface="+mn-ea"/>
+                          <a:cs typeface="+mn-cs"/>
+                        </a:rPr>
+                        <a:t> Handles missing values, removes outliers, and applies feature encoding and normalization.</a:t>
+                      </a:r>
+                      <a:br>
+                        <a:rPr lang="en-IN" dirty="0"/>
+                      </a:br>
+                      <a:r>
+                        <a:rPr lang="en-IN" sz="1800" b="1" i="0" kern="1200" dirty="0">
+                          <a:solidFill>
+                            <a:schemeClr val="tx1"/>
+                          </a:solidFill>
+                          <a:effectLst/>
+                          <a:latin typeface="+mn-lt"/>
+                          <a:ea typeface="+mn-ea"/>
+                          <a:cs typeface="+mn-cs"/>
+                        </a:rPr>
+                        <a:t>Ensemble Learning:</a:t>
+                      </a:r>
+                      <a:r>
+                        <a:rPr lang="en-IN" sz="1800" b="0" i="0" kern="1200" dirty="0">
+                          <a:solidFill>
+                            <a:schemeClr val="tx1"/>
+                          </a:solidFill>
+                          <a:effectLst/>
+                          <a:latin typeface="+mn-lt"/>
+                          <a:ea typeface="+mn-ea"/>
+                          <a:cs typeface="+mn-cs"/>
+                        </a:rPr>
+                        <a:t> Uses Adaptive Boosting to combine models and hyperparameter tuning with </a:t>
+                      </a:r>
+                      <a:r>
+                        <a:rPr lang="en-IN" sz="1800" b="0" i="0" kern="1200" dirty="0" err="1">
+                          <a:solidFill>
+                            <a:schemeClr val="tx1"/>
+                          </a:solidFill>
+                          <a:effectLst/>
+                          <a:latin typeface="+mn-lt"/>
+                          <a:ea typeface="+mn-ea"/>
+                          <a:cs typeface="+mn-cs"/>
+                        </a:rPr>
+                        <a:t>GridSearchCV</a:t>
+                      </a:r>
+                      <a:r>
+                        <a:rPr lang="en-IN" sz="1800" b="0" i="0" kern="1200" dirty="0">
+                          <a:solidFill>
+                            <a:schemeClr val="tx1"/>
+                          </a:solidFill>
+                          <a:effectLst/>
+                          <a:latin typeface="+mn-lt"/>
+                          <a:ea typeface="+mn-ea"/>
+                          <a:cs typeface="+mn-cs"/>
+                        </a:rPr>
+                        <a:t> for </a:t>
+                      </a:r>
+                      <a:r>
+                        <a:rPr lang="en-IN" sz="1800" b="0" i="0" kern="1200" dirty="0" err="1">
+                          <a:solidFill>
+                            <a:schemeClr val="tx1"/>
+                          </a:solidFill>
+                          <a:effectLst/>
+                          <a:latin typeface="+mn-lt"/>
+                          <a:ea typeface="+mn-ea"/>
+                          <a:cs typeface="+mn-cs"/>
+                        </a:rPr>
+                        <a:t>XGBoost</a:t>
+                      </a:r>
+                      <a:r>
+                        <a:rPr lang="en-IN" sz="1800" b="0" i="0" kern="1200" dirty="0">
+                          <a:solidFill>
+                            <a:schemeClr val="tx1"/>
+                          </a:solidFill>
+                          <a:effectLst/>
+                          <a:latin typeface="+mn-lt"/>
+                          <a:ea typeface="+mn-ea"/>
+                          <a:cs typeface="+mn-cs"/>
+                        </a:rPr>
+                        <a:t> </a:t>
+                      </a:r>
+                      <a:r>
+                        <a:rPr lang="en-IN" sz="1800" b="0" i="0" kern="1200" dirty="0" err="1">
+                          <a:solidFill>
+                            <a:schemeClr val="tx1"/>
+                          </a:solidFill>
+                          <a:effectLst/>
+                          <a:latin typeface="+mn-lt"/>
+                          <a:ea typeface="+mn-ea"/>
+                          <a:cs typeface="+mn-cs"/>
+                        </a:rPr>
+                        <a:t>optimizatio</a:t>
+                      </a:r>
+                      <a:endParaRPr lang="en-IN" dirty="0"/>
+                    </a:p>
+                  </a:txBody>
+                  <a:tcPr/>
+                </a:tc>
+                <a:tc>
+                  <a:txBody>
+                    <a:bodyPr/>
+                    <a:lstStyle/>
+                    <a:p>
+                      <a:pPr marL="0" indent="0">
+                        <a:buFont typeface="Arial" panose="020B0604020202020204" pitchFamily="34" charset="0"/>
+                        <a:buNone/>
+                      </a:pPr>
+                      <a:r>
+                        <a:rPr lang="en-US" sz="1800" b="0" i="0" kern="1200" dirty="0" err="1">
+                          <a:solidFill>
+                            <a:schemeClr val="tx1"/>
+                          </a:solidFill>
+                          <a:effectLst/>
+                          <a:latin typeface="+mn-lt"/>
+                          <a:ea typeface="+mn-ea"/>
+                          <a:cs typeface="+mn-cs"/>
+                        </a:rPr>
+                        <a:t>XGBoost</a:t>
+                      </a:r>
+                      <a:r>
+                        <a:rPr lang="en-US" sz="1800" b="0" i="0" kern="1200" dirty="0">
+                          <a:solidFill>
+                            <a:schemeClr val="tx1"/>
+                          </a:solidFill>
+                          <a:effectLst/>
+                          <a:latin typeface="+mn-lt"/>
+                          <a:ea typeface="+mn-ea"/>
+                          <a:cs typeface="+mn-cs"/>
+                        </a:rPr>
+                        <a:t> achieved the highest performance with </a:t>
+                      </a:r>
+                      <a:r>
+                        <a:rPr lang="en-US" sz="1800" b="1" i="0" kern="1200" dirty="0">
+                          <a:solidFill>
+                            <a:schemeClr val="tx1"/>
+                          </a:solidFill>
+                          <a:effectLst/>
+                          <a:latin typeface="+mn-lt"/>
+                          <a:ea typeface="+mn-ea"/>
+                          <a:cs typeface="+mn-cs"/>
+                        </a:rPr>
+                        <a:t>87% accuracy</a:t>
+                      </a:r>
+                      <a:r>
+                        <a:rPr lang="en-US" sz="1800" b="0" i="0" kern="1200" dirty="0">
+                          <a:solidFill>
+                            <a:schemeClr val="tx1"/>
+                          </a:solidFill>
+                          <a:effectLst/>
+                          <a:latin typeface="+mn-lt"/>
+                          <a:ea typeface="+mn-ea"/>
+                          <a:cs typeface="+mn-cs"/>
+                        </a:rPr>
+                        <a:t> and an </a:t>
+                      </a:r>
+                      <a:r>
+                        <a:rPr lang="en-US" sz="1800" b="1" i="0" kern="1200" dirty="0">
+                          <a:solidFill>
+                            <a:schemeClr val="tx1"/>
+                          </a:solidFill>
+                          <a:effectLst/>
+                          <a:latin typeface="+mn-lt"/>
+                          <a:ea typeface="+mn-ea"/>
+                          <a:cs typeface="+mn-cs"/>
+                        </a:rPr>
+                        <a:t>F1-score of 0.95</a:t>
+                      </a:r>
+                      <a:r>
+                        <a:rPr lang="en-US" sz="1800" b="0" i="0" kern="1200" dirty="0">
+                          <a:solidFill>
+                            <a:schemeClr val="tx1"/>
+                          </a:solidFill>
+                          <a:effectLst/>
+                          <a:latin typeface="+mn-lt"/>
+                          <a:ea typeface="+mn-ea"/>
+                          <a:cs typeface="+mn-cs"/>
+                        </a:rPr>
+                        <a:t>, outperforming other models (AB: 85.5%, RF: 79.3%). The study demonstrates that advanced ensemble methods like </a:t>
+                      </a:r>
+                      <a:r>
+                        <a:rPr lang="en-US" sz="1800" b="0" i="0" kern="1200" dirty="0" err="1">
+                          <a:solidFill>
+                            <a:schemeClr val="tx1"/>
+                          </a:solidFill>
+                          <a:effectLst/>
+                          <a:latin typeface="+mn-lt"/>
+                          <a:ea typeface="+mn-ea"/>
+                          <a:cs typeface="+mn-cs"/>
+                        </a:rPr>
+                        <a:t>XGBoost</a:t>
+                      </a:r>
+                      <a:r>
+                        <a:rPr lang="en-US" sz="1800" b="0" i="0" kern="1200" dirty="0">
+                          <a:solidFill>
+                            <a:schemeClr val="tx1"/>
+                          </a:solidFill>
+                          <a:effectLst/>
+                          <a:latin typeface="+mn-lt"/>
+                          <a:ea typeface="+mn-ea"/>
+                          <a:cs typeface="+mn-cs"/>
+                        </a:rPr>
+                        <a:t> are highly effective for diabetes prediction on large, imbalanced datasets.</a:t>
+                      </a:r>
+                      <a:br>
+                        <a:rPr lang="en-US" dirty="0"/>
+                      </a:br>
+                      <a:r>
+                        <a:rPr lang="en-US" sz="1800" b="1" i="0" kern="1200" dirty="0">
+                          <a:solidFill>
+                            <a:schemeClr val="tx1"/>
+                          </a:solidFill>
+                          <a:effectLst/>
+                          <a:latin typeface="+mn-lt"/>
+                          <a:ea typeface="+mn-ea"/>
+                          <a:cs typeface="+mn-cs"/>
+                        </a:rPr>
+                        <a:t>Strengths:</a:t>
+                      </a:r>
+                      <a:r>
+                        <a:rPr lang="en-US" sz="1800" b="0" i="0" kern="1200" dirty="0">
+                          <a:solidFill>
+                            <a:schemeClr val="tx1"/>
+                          </a:solidFill>
+                          <a:effectLst/>
+                          <a:latin typeface="+mn-lt"/>
+                          <a:ea typeface="+mn-ea"/>
+                          <a:cs typeface="+mn-cs"/>
+                        </a:rPr>
+                        <a:t> High predictive accuracy, robust handling of a large dataset.</a:t>
+                      </a:r>
+                      <a:br>
+                        <a:rPr lang="en-US" dirty="0"/>
+                      </a:br>
+                      <a:r>
+                        <a:rPr lang="en-US" sz="1800" b="1" i="0" kern="1200" dirty="0">
+                          <a:solidFill>
+                            <a:schemeClr val="tx1"/>
+                          </a:solidFill>
+                          <a:effectLst/>
+                          <a:latin typeface="+mn-lt"/>
+                          <a:ea typeface="+mn-ea"/>
+                          <a:cs typeface="+mn-cs"/>
+                        </a:rPr>
+                        <a:t>Limitations:</a:t>
+                      </a:r>
+                      <a:r>
+                        <a:rPr lang="en-US" sz="1800" b="0" i="0" kern="1200" dirty="0">
+                          <a:solidFill>
+                            <a:schemeClr val="tx1"/>
+                          </a:solidFill>
+                          <a:effectLst/>
+                          <a:latin typeface="+mn-lt"/>
+                          <a:ea typeface="+mn-ea"/>
+                          <a:cs typeface="+mn-cs"/>
+                        </a:rPr>
+                        <a:t> Focused purely on prediction accuracy; lacks a deployed application or user-facing recommendations.</a:t>
+                      </a:r>
+                      <a:br>
+                        <a:rPr lang="en-US" dirty="0"/>
+                      </a:br>
+                      <a:r>
+                        <a:rPr lang="en-US" sz="1800" b="1" i="0" kern="1200" dirty="0">
+                          <a:solidFill>
+                            <a:schemeClr val="tx1"/>
+                          </a:solidFill>
+                          <a:effectLst/>
+                          <a:latin typeface="+mn-lt"/>
+                          <a:ea typeface="+mn-ea"/>
+                          <a:cs typeface="+mn-cs"/>
+                        </a:rPr>
+                        <a:t>Future work</a:t>
+                      </a:r>
+                      <a:r>
+                        <a:rPr lang="en-US" sz="1800" b="0" i="0" kern="1200" dirty="0">
+                          <a:solidFill>
+                            <a:schemeClr val="tx1"/>
+                          </a:solidFill>
+                          <a:effectLst/>
+                          <a:latin typeface="+mn-lt"/>
+                          <a:ea typeface="+mn-ea"/>
+                          <a:cs typeface="+mn-cs"/>
+                        </a:rPr>
+                        <a:t> will explore incorporating broader health features and other cutting-edge algorithms.</a:t>
+                      </a:r>
+                      <a:endParaRPr lang="en-IN" b="1" dirty="0"/>
+                    </a:p>
+                  </a:txBody>
+                  <a:tcPr/>
+                </a:tc>
+                <a:extLst>
+                  <a:ext uri="{0D108BD9-81ED-4DB2-BD59-A6C34878D82A}">
+                    <a16:rowId xmlns:a16="http://schemas.microsoft.com/office/drawing/2014/main" val="145990994"/>
+                  </a:ext>
+                </a:extLst>
+              </a:tr>
+            </a:tbl>
+          </a:graphicData>
+        </a:graphic>
+      </p:graphicFrame>
+    </p:spTree>
+    <p:extLst>
+      <p:ext uri="{BB962C8B-B14F-4D97-AF65-F5344CB8AC3E}">
+        <p14:creationId xmlns:p14="http://schemas.microsoft.com/office/powerpoint/2010/main" val="2994937558"/>
+      </p:ext>
+    </p:extLst>
+  </p:cSld>
+  <p:clrMapOvr>
+    <a:masterClrMapping/>
+  </p:clrMapOvr>
+  <mc:AlternateContent xmlns:mc="http://schemas.openxmlformats.org/markup-compatibility/2006" xmlns:p14="http://schemas.microsoft.com/office/powerpoint/2010/main">
+    <mc:Choice Requires="p14">
+      <p:transition spd="med" p14:dur="700">
+        <p:fade/>
+      </p:transition>
+    </mc:Choice>
+    <mc:Fallback xmlns="">
+      <p:transition spd="med">
+        <p:fade/>
+      </p:transition>
+    </mc:Fallback>
+  </mc:AlternateContent>
+</p:sld>
+</file>
+
+<file path=ppt/slides/slide8.xml><?xml version="1.0" encoding="utf-8"?>
+<p:sld xmlns:a="http://schemas.openxmlformats.org/drawingml/2006/main" xmlns:r="http://schemas.openxmlformats.org/officeDocument/2006/relationships" xmlns:p="http://schemas.openxmlformats.org/presentationml/2006/main">
+  <p:cSld>
+    <p:spTree>
+      <p:nvGrpSpPr>
+        <p:cNvPr id="1" name="">
+          <a:extLst>
+            <a:ext uri="{FF2B5EF4-FFF2-40B4-BE49-F238E27FC236}">
+              <a16:creationId xmlns:a16="http://schemas.microsoft.com/office/drawing/2014/main" id="{D34ED705-127E-2177-F295-FD33C9E2681B}"/>
+            </a:ext>
+          </a:extLst>
+        </p:cNvPr>
+        <p:cNvGrpSpPr/>
+        <p:nvPr/>
+      </p:nvGrpSpPr>
+      <p:grpSpPr>
+        <a:xfrm>
+          <a:off x="0" y="0"/>
+          <a:ext cx="0" cy="0"/>
+          <a:chOff x="0" y="0"/>
+          <a:chExt cx="0" cy="0"/>
+        </a:xfrm>
+      </p:grpSpPr>
+      <p:sp>
+        <p:nvSpPr>
+          <p:cNvPr id="3" name="TextBox 2">
+            <a:extLst>
+              <a:ext uri="{FF2B5EF4-FFF2-40B4-BE49-F238E27FC236}">
+                <a16:creationId xmlns:a16="http://schemas.microsoft.com/office/drawing/2014/main" id="{EAC8888D-654F-8AE2-5A82-B428990E7EBB}"/>
+              </a:ext>
+            </a:extLst>
+          </p:cNvPr>
+          <p:cNvSpPr txBox="1"/>
+          <p:nvPr/>
+        </p:nvSpPr>
+        <p:spPr>
+          <a:xfrm>
+            <a:off x="255996" y="502545"/>
+            <a:ext cx="10624338" cy="646331"/>
+          </a:xfrm>
+          <a:prstGeom prst="rect">
+            <a:avLst/>
+          </a:prstGeom>
+          <a:noFill/>
+        </p:spPr>
+        <p:txBody>
+          <a:bodyPr wrap="square" rtlCol="0">
+            <a:spAutoFit/>
+          </a:bodyPr>
+          <a:lstStyle/>
+          <a:p>
+            <a:pPr marL="0" marR="0" lvl="0" indent="0" algn="l" defTabSz="914400" rtl="0" eaLnBrk="1" fontAlgn="auto" latinLnBrk="0" hangingPunct="1">
+              <a:lnSpc>
+                <a:spcPct val="100000"/>
+              </a:lnSpc>
+              <a:spcBef>
+                <a:spcPts val="0"/>
+              </a:spcBef>
+              <a:spcAft>
+                <a:spcPts val="0"/>
+              </a:spcAft>
+              <a:buClrTx/>
+              <a:buSzTx/>
+              <a:buFontTx/>
+              <a:buNone/>
+              <a:tabLst/>
+              <a:defRPr/>
+            </a:pPr>
+            <a:r>
+              <a:rPr kumimoji="0" lang="en-US" sz="3600" b="1" i="0" u="none" strike="noStrike" kern="1200" cap="none" spc="0" normalizeH="0" baseline="0" noProof="0" dirty="0">
+                <a:ln>
+                  <a:noFill/>
+                </a:ln>
+                <a:solidFill>
+                  <a:srgbClr val="5B9BD5">
+                    <a:lumMod val="50000"/>
+                  </a:srgbClr>
+                </a:solidFill>
+                <a:effectLst/>
+                <a:uLnTx/>
+                <a:uFillTx/>
+                <a:latin typeface="Calibri" panose="020F0502020204030204"/>
+                <a:ea typeface="+mn-ea"/>
+                <a:cs typeface="+mn-cs"/>
+              </a:rPr>
+              <a:t>Literature Review…. Calibri body -36</a:t>
+            </a:r>
+          </a:p>
+        </p:txBody>
+      </p:sp>
+      <p:cxnSp>
+        <p:nvCxnSpPr>
+          <p:cNvPr id="5" name="Straight Connector 4">
+            <a:extLst>
+              <a:ext uri="{FF2B5EF4-FFF2-40B4-BE49-F238E27FC236}">
+                <a16:creationId xmlns:a16="http://schemas.microsoft.com/office/drawing/2014/main" id="{E0A1A504-0FA8-CDF3-D884-FBBC372B18E3}"/>
+              </a:ext>
+            </a:extLst>
+          </p:cNvPr>
+          <p:cNvCxnSpPr>
+            <a:cxnSpLocks/>
+          </p:cNvCxnSpPr>
+          <p:nvPr/>
+        </p:nvCxnSpPr>
+        <p:spPr>
+          <a:xfrm>
+            <a:off x="221274" y="1191756"/>
+            <a:ext cx="7305799" cy="0"/>
+          </a:xfrm>
+          <a:prstGeom prst="line">
+            <a:avLst/>
+          </a:prstGeom>
+          <a:ln w="28575">
+            <a:solidFill>
+              <a:schemeClr val="accent6"/>
+            </a:solidFill>
+          </a:ln>
+        </p:spPr>
+        <p:style>
+          <a:lnRef idx="1">
+            <a:schemeClr val="accent1"/>
+          </a:lnRef>
+          <a:fillRef idx="0">
+            <a:schemeClr val="accent1"/>
+          </a:fillRef>
+          <a:effectRef idx="0">
+            <a:schemeClr val="accent1"/>
+          </a:effectRef>
+          <a:fontRef idx="minor">
+            <a:schemeClr val="tx1"/>
+          </a:fontRef>
+        </p:style>
+      </p:cxnSp>
+      <p:sp>
+        <p:nvSpPr>
+          <p:cNvPr id="4" name="TextBox 3">
+            <a:extLst>
+              <a:ext uri="{FF2B5EF4-FFF2-40B4-BE49-F238E27FC236}">
+                <a16:creationId xmlns:a16="http://schemas.microsoft.com/office/drawing/2014/main" id="{4E72D5CB-BAB3-78EC-B2E6-7A0E68E46BD0}"/>
+              </a:ext>
+            </a:extLst>
+          </p:cNvPr>
+          <p:cNvSpPr txBox="1"/>
+          <p:nvPr/>
+        </p:nvSpPr>
+        <p:spPr>
+          <a:xfrm>
+            <a:off x="6093893" y="57036"/>
+            <a:ext cx="6098107" cy="646331"/>
+          </a:xfrm>
+          <a:prstGeom prst="rect">
+            <a:avLst/>
+          </a:prstGeom>
+          <a:noFill/>
+        </p:spPr>
+        <p:txBody>
+          <a:bodyPr wrap="square" rtlCol="0">
+            <a:spAutoFit/>
+          </a:bodyPr>
+          <a:lstStyle/>
+          <a:p>
+            <a:pPr algn="r"/>
+            <a:r>
+              <a:rPr lang="en-US" sz="1800" b="1" i="1" dirty="0">
+                <a:solidFill>
+                  <a:srgbClr val="FFFFFF"/>
+                </a:solidFill>
+              </a:rPr>
+              <a:t>Project Title -  Calibri body 18</a:t>
+            </a:r>
+          </a:p>
+          <a:p>
+            <a:pPr algn="r"/>
+            <a:endParaRPr lang="en-US" dirty="0"/>
+          </a:p>
+        </p:txBody>
+      </p:sp>
+      <p:graphicFrame>
+        <p:nvGraphicFramePr>
+          <p:cNvPr id="7" name="Table 6">
+            <a:extLst>
+              <a:ext uri="{FF2B5EF4-FFF2-40B4-BE49-F238E27FC236}">
+                <a16:creationId xmlns:a16="http://schemas.microsoft.com/office/drawing/2014/main" id="{E1168DC4-A31A-890D-05A4-B7AC8013E0A8}"/>
+              </a:ext>
+            </a:extLst>
+          </p:cNvPr>
+          <p:cNvGraphicFramePr>
+            <a:graphicFrameLocks noGrp="1"/>
+          </p:cNvGraphicFramePr>
+          <p:nvPr>
+            <p:extLst>
+              <p:ext uri="{D42A27DB-BD31-4B8C-83A1-F6EECF244321}">
+                <p14:modId xmlns:p14="http://schemas.microsoft.com/office/powerpoint/2010/main" val="459871691"/>
+              </p:ext>
+            </p:extLst>
+          </p:nvPr>
+        </p:nvGraphicFramePr>
+        <p:xfrm>
+          <a:off x="405353" y="1443792"/>
+          <a:ext cx="11001081" cy="4155730"/>
+        </p:xfrm>
+        <a:graphic>
+          <a:graphicData uri="http://schemas.openxmlformats.org/drawingml/2006/table">
+            <a:tbl>
+              <a:tblPr firstRow="1" bandRow="1">
+                <a:tableStyleId>{5940675A-B579-460E-94D1-54222C63F5DA}</a:tableStyleId>
+              </a:tblPr>
+              <a:tblGrid>
+                <a:gridCol w="2583967">
+                  <a:extLst>
+                    <a:ext uri="{9D8B030D-6E8A-4147-A177-3AD203B41FA5}">
+                      <a16:colId xmlns:a16="http://schemas.microsoft.com/office/drawing/2014/main" val="2054719582"/>
+                    </a:ext>
+                  </a:extLst>
+                </a:gridCol>
+                <a:gridCol w="4697801">
+                  <a:extLst>
+                    <a:ext uri="{9D8B030D-6E8A-4147-A177-3AD203B41FA5}">
+                      <a16:colId xmlns:a16="http://schemas.microsoft.com/office/drawing/2014/main" val="3263257136"/>
+                    </a:ext>
+                  </a:extLst>
+                </a:gridCol>
+                <a:gridCol w="3719313">
+                  <a:extLst>
+                    <a:ext uri="{9D8B030D-6E8A-4147-A177-3AD203B41FA5}">
+                      <a16:colId xmlns:a16="http://schemas.microsoft.com/office/drawing/2014/main" val="2905125192"/>
+                    </a:ext>
+                  </a:extLst>
+                </a:gridCol>
+              </a:tblGrid>
+              <a:tr h="547243">
+                <a:tc>
+                  <a:txBody>
+                    <a:bodyPr/>
+                    <a:lstStyle/>
+                    <a:p>
+                      <a:r>
+                        <a:rPr lang="en-IN" dirty="0"/>
+                        <a:t>TITLE</a:t>
+                      </a:r>
+                    </a:p>
+                  </a:txBody>
+                  <a:tcPr/>
+                </a:tc>
+                <a:tc>
+                  <a:txBody>
+                    <a:bodyPr/>
+                    <a:lstStyle/>
+                    <a:p>
+                      <a:r>
+                        <a:rPr lang="en-IN" dirty="0"/>
+                        <a:t>Methodology</a:t>
+                      </a:r>
+                    </a:p>
+                  </a:txBody>
+                  <a:tcPr/>
+                </a:tc>
+                <a:tc>
+                  <a:txBody>
+                    <a:bodyPr/>
+                    <a:lstStyle/>
+                    <a:p>
+                      <a:r>
+                        <a:rPr lang="en-IN" dirty="0"/>
+                        <a:t>Inference</a:t>
+                      </a:r>
+                    </a:p>
+                  </a:txBody>
+                  <a:tcPr/>
+                </a:tc>
+                <a:extLst>
+                  <a:ext uri="{0D108BD9-81ED-4DB2-BD59-A6C34878D82A}">
+                    <a16:rowId xmlns:a16="http://schemas.microsoft.com/office/drawing/2014/main" val="972006589"/>
+                  </a:ext>
+                </a:extLst>
+              </a:tr>
+              <a:tr h="3608487">
+                <a:tc>
+                  <a:txBody>
+                    <a:bodyPr/>
+                    <a:lstStyle/>
+                    <a:p>
+                      <a:r>
+                        <a:rPr lang="en-US" dirty="0"/>
+                        <a:t>Diabetes Prediction and Classification Using Machine Learning and Deep Learning: A Chatbot-Based Approach</a:t>
+                      </a:r>
+                    </a:p>
+                    <a:p>
+                      <a:r>
+                        <a:rPr lang="en-US" dirty="0"/>
+                        <a:t>Year:2025</a:t>
+                      </a:r>
+                      <a:endParaRPr lang="en-IN" dirty="0"/>
+                    </a:p>
+                  </a:txBody>
+                  <a:tcPr/>
+                </a:tc>
+                <a:tc>
+                  <a:txBody>
+                    <a:bodyPr/>
+                    <a:lstStyle/>
+                    <a:p>
+                      <a:r>
+                        <a:rPr lang="en-IN" dirty="0"/>
+                        <a:t>Dataset: Public diabetes dataset with 8 clinical features (glucose, BMI, insulin, BP, age, pregnancies, skin thickness, pedigree function)</a:t>
+                      </a:r>
+                      <a:br>
+                        <a:rPr lang="en-IN" dirty="0"/>
+                      </a:br>
+                      <a:r>
+                        <a:rPr lang="en-IN" dirty="0"/>
+                        <a:t>- Preprocessing: Feature scaling, normalization, missing value handling, outlier detection, correlation analysis</a:t>
+                      </a:r>
+                      <a:br>
+                        <a:rPr lang="en-IN" dirty="0"/>
+                      </a:br>
+                      <a:r>
+                        <a:rPr lang="en-IN" dirty="0"/>
+                        <a:t>- Models: Random Forest, </a:t>
+                      </a:r>
+                      <a:r>
+                        <a:rPr lang="en-IN" dirty="0" err="1"/>
+                        <a:t>XGBoost</a:t>
+                      </a:r>
+                      <a:r>
+                        <a:rPr lang="en-IN" dirty="0"/>
+                        <a:t>, LSTM (deep learning)</a:t>
+                      </a:r>
+                      <a:br>
+                        <a:rPr lang="en-IN" dirty="0"/>
+                      </a:br>
+                      <a:r>
+                        <a:rPr lang="en-IN" dirty="0"/>
+                        <a:t>- Integration: </a:t>
+                      </a:r>
+                      <a:r>
+                        <a:rPr lang="en-IN" dirty="0" err="1"/>
+                        <a:t>Tkinter</a:t>
+                      </a:r>
+                      <a:r>
+                        <a:rPr lang="en-IN" dirty="0"/>
+                        <a:t>-based chatbot GUI with SQLite database for patient history</a:t>
+                      </a:r>
+                    </a:p>
+                  </a:txBody>
+                  <a:tcPr/>
+                </a:tc>
+                <a:tc>
+                  <a:txBody>
+                    <a:bodyPr/>
+                    <a:lstStyle/>
+                    <a:p>
+                      <a:pPr marL="0" indent="0">
+                        <a:buFont typeface="Arial" panose="020B0604020202020204" pitchFamily="34" charset="0"/>
+                        <a:buNone/>
+                      </a:pPr>
+                      <a:r>
+                        <a:rPr lang="en-US" dirty="0"/>
+                        <a:t>The paper’s system achieved </a:t>
+                      </a:r>
+                      <a:r>
+                        <a:rPr lang="en-US" b="1" dirty="0"/>
+                        <a:t>99% training accuracy</a:t>
+                      </a:r>
+                      <a:r>
+                        <a:rPr lang="en-US" dirty="0"/>
+                        <a:t> and </a:t>
+                      </a:r>
+                      <a:r>
+                        <a:rPr lang="en-US" b="1" dirty="0"/>
+                        <a:t>97% testing accuracy</a:t>
+                      </a:r>
+                      <a:r>
+                        <a:rPr lang="en-US" dirty="0"/>
+                        <a:t> with LSTM (outperforming RF at 94% and </a:t>
+                      </a:r>
+                      <a:r>
+                        <a:rPr lang="en-US" dirty="0" err="1"/>
+                        <a:t>XGBoost</a:t>
+                      </a:r>
+                      <a:r>
+                        <a:rPr lang="en-US" dirty="0"/>
+                        <a:t> at 96%). It classifies into </a:t>
+                      </a:r>
+                      <a:r>
+                        <a:rPr lang="en-US" b="1" dirty="0"/>
+                        <a:t>Type 1, Type 2, or Non-Diabetic</a:t>
+                      </a:r>
+                      <a:r>
+                        <a:rPr lang="en-US" dirty="0"/>
+                        <a:t>, provides </a:t>
+                      </a:r>
+                      <a:r>
+                        <a:rPr lang="en-US" b="1" dirty="0"/>
+                        <a:t>chatbot-based lifestyle/medication recommendations</a:t>
+                      </a:r>
+                      <a:r>
+                        <a:rPr lang="en-US" dirty="0"/>
+                        <a:t>, and tracks patient history. However, it is </a:t>
+                      </a:r>
+                      <a:r>
+                        <a:rPr lang="en-US" b="1" dirty="0"/>
+                        <a:t>limited to desktop use (</a:t>
+                      </a:r>
+                      <a:r>
+                        <a:rPr lang="en-US" b="1" dirty="0" err="1"/>
+                        <a:t>Tkinter</a:t>
+                      </a:r>
+                      <a:r>
+                        <a:rPr lang="en-US" b="1" dirty="0"/>
+                        <a:t> + SQLite) and not cloud-deployable</a:t>
+                      </a:r>
+                      <a:r>
+                        <a:rPr lang="en-US" dirty="0"/>
+                        <a:t>, reducing scalability compared to our project</a:t>
+                      </a:r>
+                      <a:endParaRPr lang="en-IN" dirty="0"/>
+                    </a:p>
+                  </a:txBody>
+                  <a:tcPr/>
+                </a:tc>
+                <a:extLst>
+                  <a:ext uri="{0D108BD9-81ED-4DB2-BD59-A6C34878D82A}">
+                    <a16:rowId xmlns:a16="http://schemas.microsoft.com/office/drawing/2014/main" val="145990994"/>
+                  </a:ext>
+                </a:extLst>
+              </a:tr>
+            </a:tbl>
+          </a:graphicData>
+        </a:graphic>
+      </p:graphicFrame>
+    </p:spTree>
+    <p:extLst>
+      <p:ext uri="{BB962C8B-B14F-4D97-AF65-F5344CB8AC3E}">
+        <p14:creationId xmlns:p14="http://schemas.microsoft.com/office/powerpoint/2010/main" val="1732450676"/>
+      </p:ext>
+    </p:extLst>
+  </p:cSld>
+  <p:clrMapOvr>
+    <a:masterClrMapping/>
+  </p:clrMapOvr>
+  <mc:AlternateContent xmlns:mc="http://schemas.openxmlformats.org/markup-compatibility/2006" xmlns:p14="http://schemas.microsoft.com/office/powerpoint/2010/main">
+    <mc:Choice Requires="p14">
+      <p:transition spd="med" p14:dur="700">
+        <p:fade/>
+      </p:transition>
+    </mc:Choice>
+    <mc:Fallback xmlns="">
+      <p:transition spd="med">
+        <p:fade/>
+      </p:transition>
+    </mc:Fallback>
+  </mc:AlternateContent>
+</p:sld>
+</file>
+
+<file path=ppt/slides/slide9.xml><?xml version="1.0" encoding="utf-8"?>
+<p:sld xmlns:a="http://schemas.openxmlformats.org/drawingml/2006/main" xmlns:r="http://schemas.openxmlformats.org/officeDocument/2006/relationships" xmlns:p="http://schemas.openxmlformats.org/presentationml/2006/main">
+  <p:cSld>
+    <p:spTree>
+      <p:nvGrpSpPr>
+        <p:cNvPr id="1" name="">
+          <a:extLst>
+            <a:ext uri="{FF2B5EF4-FFF2-40B4-BE49-F238E27FC236}">
+              <a16:creationId xmlns:a16="http://schemas.microsoft.com/office/drawing/2014/main" id="{72B8B7C3-BB9E-1A5A-006A-4AAA0DE84F59}"/>
+            </a:ext>
+          </a:extLst>
+        </p:cNvPr>
+        <p:cNvGrpSpPr/>
+        <p:nvPr/>
+      </p:nvGrpSpPr>
+      <p:grpSpPr>
+        <a:xfrm>
+          <a:off x="0" y="0"/>
+          <a:ext cx="0" cy="0"/>
+          <a:chOff x="0" y="0"/>
+          <a:chExt cx="0" cy="0"/>
+        </a:xfrm>
+      </p:grpSpPr>
+      <p:sp>
+        <p:nvSpPr>
+          <p:cNvPr id="3" name="TextBox 2">
+            <a:extLst>
+              <a:ext uri="{FF2B5EF4-FFF2-40B4-BE49-F238E27FC236}">
+                <a16:creationId xmlns:a16="http://schemas.microsoft.com/office/drawing/2014/main" id="{4B6EA69C-E476-DF70-F17D-771A4EEA4C4F}"/>
+              </a:ext>
+            </a:extLst>
+          </p:cNvPr>
+          <p:cNvSpPr txBox="1"/>
+          <p:nvPr/>
+        </p:nvSpPr>
+        <p:spPr>
+          <a:xfrm>
+            <a:off x="255996" y="502545"/>
+            <a:ext cx="10624338" cy="646331"/>
+          </a:xfrm>
+          <a:prstGeom prst="rect">
+            <a:avLst/>
+          </a:prstGeom>
+          <a:noFill/>
+        </p:spPr>
+        <p:txBody>
+          <a:bodyPr wrap="square" rtlCol="0">
+            <a:spAutoFit/>
+          </a:bodyPr>
+          <a:lstStyle/>
+          <a:p>
+            <a:pPr marL="0" marR="0" lvl="0" indent="0" algn="l" defTabSz="914400" rtl="0" eaLnBrk="1" fontAlgn="auto" latinLnBrk="0" hangingPunct="1">
+              <a:lnSpc>
+                <a:spcPct val="100000"/>
+              </a:lnSpc>
+              <a:spcBef>
+                <a:spcPts val="0"/>
+              </a:spcBef>
+              <a:spcAft>
+                <a:spcPts val="0"/>
+              </a:spcAft>
+              <a:buClrTx/>
+              <a:buSzTx/>
+              <a:buFontTx/>
+              <a:buNone/>
+              <a:tabLst/>
+              <a:defRPr/>
+            </a:pPr>
+            <a:r>
+              <a:rPr kumimoji="0" lang="en-US" sz="3600" b="1" i="0" u="none" strike="noStrike" kern="1200" cap="none" spc="0" normalizeH="0" baseline="0" noProof="0" dirty="0">
+                <a:ln>
+                  <a:noFill/>
+                </a:ln>
+                <a:solidFill>
+                  <a:srgbClr val="5B9BD5">
+                    <a:lumMod val="50000"/>
+                  </a:srgbClr>
+                </a:solidFill>
+                <a:effectLst/>
+                <a:uLnTx/>
+                <a:uFillTx/>
+                <a:latin typeface="Calibri" panose="020F0502020204030204"/>
+                <a:ea typeface="+mn-ea"/>
+                <a:cs typeface="+mn-cs"/>
+              </a:rPr>
+              <a:t>Literature Review…. Calibri body -36</a:t>
+            </a:r>
+          </a:p>
+        </p:txBody>
+      </p:sp>
+      <p:cxnSp>
+        <p:nvCxnSpPr>
+          <p:cNvPr id="5" name="Straight Connector 4">
+            <a:extLst>
+              <a:ext uri="{FF2B5EF4-FFF2-40B4-BE49-F238E27FC236}">
+                <a16:creationId xmlns:a16="http://schemas.microsoft.com/office/drawing/2014/main" id="{6482FA27-CC19-E53F-CEF8-45D3A7286F2F}"/>
+              </a:ext>
+            </a:extLst>
+          </p:cNvPr>
+          <p:cNvCxnSpPr>
+            <a:cxnSpLocks/>
+          </p:cNvCxnSpPr>
+          <p:nvPr/>
+        </p:nvCxnSpPr>
+        <p:spPr>
+          <a:xfrm>
+            <a:off x="221274" y="1191756"/>
+            <a:ext cx="7305799" cy="0"/>
+          </a:xfrm>
+          <a:prstGeom prst="line">
+            <a:avLst/>
+          </a:prstGeom>
+          <a:ln w="28575">
+            <a:solidFill>
+              <a:schemeClr val="accent6"/>
+            </a:solidFill>
+          </a:ln>
+        </p:spPr>
+        <p:style>
+          <a:lnRef idx="1">
+            <a:schemeClr val="accent1"/>
+          </a:lnRef>
+          <a:fillRef idx="0">
+            <a:schemeClr val="accent1"/>
+          </a:fillRef>
+          <a:effectRef idx="0">
+            <a:schemeClr val="accent1"/>
+          </a:effectRef>
+          <a:fontRef idx="minor">
+            <a:schemeClr val="tx1"/>
+          </a:fontRef>
+        </p:style>
+      </p:cxnSp>
+      <p:sp>
+        <p:nvSpPr>
+          <p:cNvPr id="4" name="TextBox 3">
+            <a:extLst>
+              <a:ext uri="{FF2B5EF4-FFF2-40B4-BE49-F238E27FC236}">
+                <a16:creationId xmlns:a16="http://schemas.microsoft.com/office/drawing/2014/main" id="{2F76E1E8-A44B-E40A-20AF-379ECA553B85}"/>
+              </a:ext>
+            </a:extLst>
+          </p:cNvPr>
+          <p:cNvSpPr txBox="1"/>
+          <p:nvPr/>
+        </p:nvSpPr>
+        <p:spPr>
+          <a:xfrm>
+            <a:off x="6093893" y="57036"/>
+            <a:ext cx="6098107" cy="646331"/>
+          </a:xfrm>
+          <a:prstGeom prst="rect">
+            <a:avLst/>
+          </a:prstGeom>
+          <a:noFill/>
+        </p:spPr>
+        <p:txBody>
+          <a:bodyPr wrap="square" rtlCol="0">
+            <a:spAutoFit/>
+          </a:bodyPr>
+          <a:lstStyle/>
+          <a:p>
+            <a:pPr algn="r"/>
+            <a:r>
+              <a:rPr lang="en-US" sz="1800" b="1" i="1" dirty="0">
+                <a:solidFill>
+                  <a:srgbClr val="FFFFFF"/>
+                </a:solidFill>
+              </a:rPr>
+              <a:t>Project Title -  Calibri body 18</a:t>
+            </a:r>
+          </a:p>
+          <a:p>
+            <a:pPr algn="r"/>
+            <a:endParaRPr lang="en-US" dirty="0"/>
+          </a:p>
+        </p:txBody>
+      </p:sp>
+      <p:graphicFrame>
+        <p:nvGraphicFramePr>
+          <p:cNvPr id="7" name="Table 6">
+            <a:extLst>
+              <a:ext uri="{FF2B5EF4-FFF2-40B4-BE49-F238E27FC236}">
+                <a16:creationId xmlns:a16="http://schemas.microsoft.com/office/drawing/2014/main" id="{E58E5491-7098-193B-FF7F-F687579B398B}"/>
+              </a:ext>
+            </a:extLst>
+          </p:cNvPr>
+          <p:cNvGraphicFramePr>
+            <a:graphicFrameLocks noGrp="1"/>
+          </p:cNvGraphicFramePr>
+          <p:nvPr>
+            <p:extLst>
+              <p:ext uri="{D42A27DB-BD31-4B8C-83A1-F6EECF244321}">
+                <p14:modId xmlns:p14="http://schemas.microsoft.com/office/powerpoint/2010/main" val="2141699831"/>
+              </p:ext>
+            </p:extLst>
+          </p:nvPr>
+        </p:nvGraphicFramePr>
+        <p:xfrm>
+          <a:off x="405353" y="1443792"/>
+          <a:ext cx="11001081" cy="4155730"/>
+        </p:xfrm>
+        <a:graphic>
+          <a:graphicData uri="http://schemas.openxmlformats.org/drawingml/2006/table">
+            <a:tbl>
+              <a:tblPr firstRow="1" bandRow="1">
+                <a:tableStyleId>{5940675A-B579-460E-94D1-54222C63F5DA}</a:tableStyleId>
+              </a:tblPr>
+              <a:tblGrid>
+                <a:gridCol w="2583967">
+                  <a:extLst>
+                    <a:ext uri="{9D8B030D-6E8A-4147-A177-3AD203B41FA5}">
+                      <a16:colId xmlns:a16="http://schemas.microsoft.com/office/drawing/2014/main" val="2054719582"/>
+                    </a:ext>
+                  </a:extLst>
+                </a:gridCol>
+                <a:gridCol w="4697801">
+                  <a:extLst>
+                    <a:ext uri="{9D8B030D-6E8A-4147-A177-3AD203B41FA5}">
+                      <a16:colId xmlns:a16="http://schemas.microsoft.com/office/drawing/2014/main" val="3263257136"/>
+                    </a:ext>
+                  </a:extLst>
+                </a:gridCol>
+                <a:gridCol w="3719313">
+                  <a:extLst>
+                    <a:ext uri="{9D8B030D-6E8A-4147-A177-3AD203B41FA5}">
+                      <a16:colId xmlns:a16="http://schemas.microsoft.com/office/drawing/2014/main" val="2905125192"/>
+                    </a:ext>
+                  </a:extLst>
+                </a:gridCol>
+              </a:tblGrid>
+              <a:tr h="547243">
+                <a:tc>
+                  <a:txBody>
+                    <a:bodyPr/>
+                    <a:lstStyle/>
+                    <a:p>
+                      <a:r>
+                        <a:rPr lang="en-IN" dirty="0"/>
+                        <a:t>TITLE</a:t>
+                      </a:r>
+                    </a:p>
+                  </a:txBody>
+                  <a:tcPr/>
+                </a:tc>
+                <a:tc>
+                  <a:txBody>
+                    <a:bodyPr/>
+                    <a:lstStyle/>
+                    <a:p>
+                      <a:r>
+                        <a:rPr lang="en-IN" dirty="0"/>
+                        <a:t>Methodology</a:t>
+                      </a:r>
+                    </a:p>
+                  </a:txBody>
+                  <a:tcPr/>
+                </a:tc>
+                <a:tc>
+                  <a:txBody>
+                    <a:bodyPr/>
+                    <a:lstStyle/>
+                    <a:p>
+                      <a:r>
+                        <a:rPr lang="en-IN" dirty="0"/>
+                        <a:t>Inference</a:t>
+                      </a:r>
+                    </a:p>
+                  </a:txBody>
+                  <a:tcPr/>
+                </a:tc>
+                <a:extLst>
+                  <a:ext uri="{0D108BD9-81ED-4DB2-BD59-A6C34878D82A}">
+                    <a16:rowId xmlns:a16="http://schemas.microsoft.com/office/drawing/2014/main" val="972006589"/>
+                  </a:ext>
+                </a:extLst>
+              </a:tr>
+              <a:tr h="3608487">
+                <a:tc>
+                  <a:txBody>
+                    <a:bodyPr/>
+                    <a:lstStyle/>
+                    <a:p>
+                      <a:r>
+                        <a:rPr lang="en-US" i="1" dirty="0"/>
+                        <a:t>Diabetes Predicting mHealth Application Using Machine Learning</a:t>
+                      </a:r>
+                    </a:p>
+                    <a:p>
+                      <a:endParaRPr lang="en-US" i="1" dirty="0"/>
+                    </a:p>
+                    <a:p>
+                      <a:r>
+                        <a:rPr lang="en-US" i="1" dirty="0"/>
+                        <a:t>Year:</a:t>
+                      </a:r>
+                    </a:p>
+                    <a:p>
+                      <a:r>
+                        <a:rPr lang="en-US" dirty="0"/>
+                        <a:t> (2017 IEEE WIECON-ECE)</a:t>
+                      </a:r>
+                      <a:endParaRPr lang="en-IN" dirty="0"/>
+                    </a:p>
+                  </a:txBody>
+                  <a:tcPr/>
+                </a:tc>
+                <a:tc>
+                  <a:txBody>
+                    <a:bodyPr/>
+                    <a:lstStyle/>
+                    <a:p>
+                      <a:r>
+                        <a:rPr lang="en-IN" b="1" dirty="0"/>
+                        <a:t>Dataset</a:t>
+                      </a:r>
+                      <a:r>
+                        <a:rPr lang="en-IN" dirty="0"/>
+                        <a:t>: Survey data (191 participants, Bangladesh), features: age, BMI, gender, family diabetic history</a:t>
+                      </a:r>
+                      <a:br>
+                        <a:rPr lang="en-IN" dirty="0"/>
+                      </a:br>
+                      <a:r>
+                        <a:rPr lang="en-IN" b="1" dirty="0"/>
+                        <a:t>Preprocessing</a:t>
+                      </a:r>
+                      <a:r>
+                        <a:rPr lang="en-IN" dirty="0"/>
+                        <a:t>: Survey analysis, Pearson correlation, Chi-square test</a:t>
+                      </a:r>
+                      <a:br>
+                        <a:rPr lang="en-IN" dirty="0"/>
+                      </a:br>
+                      <a:r>
+                        <a:rPr lang="en-IN" b="1" dirty="0"/>
+                        <a:t>Model</a:t>
+                      </a:r>
+                      <a:r>
+                        <a:rPr lang="en-IN" dirty="0"/>
+                        <a:t>: Naive Bayes classifier</a:t>
+                      </a:r>
+                      <a:br>
+                        <a:rPr lang="en-IN" dirty="0"/>
+                      </a:br>
+                      <a:r>
+                        <a:rPr lang="en-IN" b="1" dirty="0"/>
+                        <a:t>Deployment</a:t>
+                      </a:r>
+                      <a:r>
+                        <a:rPr lang="en-IN" dirty="0"/>
+                        <a:t>: Android mHealth app (“Diabetes Predictor”), developed in Java &amp; Android Studio</a:t>
+                      </a:r>
+                    </a:p>
+                  </a:txBody>
+                  <a:tcPr/>
+                </a:tc>
+                <a:tc>
+                  <a:txBody>
+                    <a:bodyPr/>
+                    <a:lstStyle/>
+                    <a:p>
+                      <a:pPr marL="0" indent="0">
+                        <a:buFont typeface="Arial" panose="020B0604020202020204" pitchFamily="34" charset="0"/>
+                        <a:buNone/>
+                      </a:pPr>
+                      <a:r>
+                        <a:rPr lang="en-US" dirty="0"/>
+                        <a:t>he mHealth app classified users into </a:t>
+                      </a:r>
+                      <a:r>
+                        <a:rPr lang="en-US" b="1" dirty="0"/>
+                        <a:t>Diabetic, Prediabetic, or Nondiabetic</a:t>
+                      </a:r>
+                      <a:r>
+                        <a:rPr lang="en-US" dirty="0"/>
+                        <a:t> categories. Accuracy reached only </a:t>
+                      </a:r>
+                      <a:r>
+                        <a:rPr lang="en-US" b="1" dirty="0"/>
+                        <a:t>64%</a:t>
+                      </a:r>
+                      <a:r>
+                        <a:rPr lang="en-US" dirty="0"/>
+                        <a:t> due to small dataset and limited features. Useful for </a:t>
+                      </a:r>
+                      <a:r>
+                        <a:rPr lang="en-US" b="1" dirty="0"/>
+                        <a:t>basic self-assessment and awareness</a:t>
+                      </a:r>
+                      <a:r>
+                        <a:rPr lang="en-US" dirty="0"/>
+                        <a:t>, but lacks medical depth, personalization, and large-scale validation.</a:t>
+                      </a:r>
+                      <a:endParaRPr lang="en-IN" dirty="0"/>
+                    </a:p>
+                  </a:txBody>
+                  <a:tcPr/>
+                </a:tc>
+                <a:extLst>
+                  <a:ext uri="{0D108BD9-81ED-4DB2-BD59-A6C34878D82A}">
+                    <a16:rowId xmlns:a16="http://schemas.microsoft.com/office/drawing/2014/main" val="145990994"/>
+                  </a:ext>
+                </a:extLst>
+              </a:tr>
+            </a:tbl>
+          </a:graphicData>
+        </a:graphic>
+      </p:graphicFrame>
+    </p:spTree>
+    <p:extLst>
+      <p:ext uri="{BB962C8B-B14F-4D97-AF65-F5344CB8AC3E}">
+        <p14:creationId xmlns:p14="http://schemas.microsoft.com/office/powerpoint/2010/main" val="4058218361"/>
+      </p:ext>
+    </p:extLst>
+  </p:cSld>
+  <p:clrMapOvr>
+    <a:masterClrMapping/>
+  </p:clrMapOvr>
+  <mc:AlternateContent xmlns:mc="http://schemas.openxmlformats.org/markup-compatibility/2006" xmlns:p14="http://schemas.microsoft.com/office/powerpoint/2010/main">
+    <mc:Choice Requires="p14">
+      <p:transition spd="med" p14:dur="700">
+        <p:fade/>
+      </p:transition>
+    </mc:Choice>
+    <mc:Fallback xmlns="">
+      <p:transition spd="med">
+        <p:fade/>
+      </p:transition>
+    </mc:Fallback>
+  </mc:AlternateContent>
 </p:sld>
 </file>
 

--- a/MTech_Project_PPTltim.pptx
+++ b/MTech_Project_PPTltim.pptx
@@ -13,15 +13,16 @@
     <p:sldId id="2147470498" r:id="rId7"/>
     <p:sldId id="2147470504" r:id="rId8"/>
     <p:sldId id="2147470499" r:id="rId9"/>
-    <p:sldId id="2147470500" r:id="rId10"/>
-    <p:sldId id="2147470502" r:id="rId11"/>
-    <p:sldId id="2147470496" r:id="rId12"/>
-    <p:sldId id="2147470505" r:id="rId13"/>
-    <p:sldId id="2147470506" r:id="rId14"/>
-    <p:sldId id="2147470497" r:id="rId15"/>
-    <p:sldId id="2147470508" r:id="rId16"/>
-    <p:sldId id="2147470491" r:id="rId17"/>
-    <p:sldId id="2147470487" r:id="rId18"/>
+    <p:sldId id="2147470509" r:id="rId10"/>
+    <p:sldId id="2147470500" r:id="rId11"/>
+    <p:sldId id="2147470502" r:id="rId12"/>
+    <p:sldId id="2147470496" r:id="rId13"/>
+    <p:sldId id="2147470505" r:id="rId14"/>
+    <p:sldId id="2147470506" r:id="rId15"/>
+    <p:sldId id="2147470497" r:id="rId16"/>
+    <p:sldId id="2147470508" r:id="rId17"/>
+    <p:sldId id="2147470491" r:id="rId18"/>
+    <p:sldId id="2147470487" r:id="rId19"/>
   </p:sldIdLst>
   <p:sldSz cx="12192000" cy="6858000"/>
   <p:notesSz cx="6858000" cy="9144000"/>
@@ -4091,6 +4092,439 @@
         <p:cNvPr id="1" name="">
           <a:extLst>
             <a:ext uri="{FF2B5EF4-FFF2-40B4-BE49-F238E27FC236}">
+              <a16:creationId xmlns:a16="http://schemas.microsoft.com/office/drawing/2014/main" id="{72B8B7C3-BB9E-1A5A-006A-4AAA0DE84F59}"/>
+            </a:ext>
+          </a:extLst>
+        </p:cNvPr>
+        <p:cNvGrpSpPr/>
+        <p:nvPr/>
+      </p:nvGrpSpPr>
+      <p:grpSpPr>
+        <a:xfrm>
+          <a:off x="0" y="0"/>
+          <a:ext cx="0" cy="0"/>
+          <a:chOff x="0" y="0"/>
+          <a:chExt cx="0" cy="0"/>
+        </a:xfrm>
+      </p:grpSpPr>
+      <p:sp>
+        <p:nvSpPr>
+          <p:cNvPr id="3" name="TextBox 2">
+            <a:extLst>
+              <a:ext uri="{FF2B5EF4-FFF2-40B4-BE49-F238E27FC236}">
+                <a16:creationId xmlns:a16="http://schemas.microsoft.com/office/drawing/2014/main" id="{4B6EA69C-E476-DF70-F17D-771A4EEA4C4F}"/>
+              </a:ext>
+            </a:extLst>
+          </p:cNvPr>
+          <p:cNvSpPr txBox="1"/>
+          <p:nvPr/>
+        </p:nvSpPr>
+        <p:spPr>
+          <a:xfrm>
+            <a:off x="255996" y="502545"/>
+            <a:ext cx="10624338" cy="646331"/>
+          </a:xfrm>
+          <a:prstGeom prst="rect">
+            <a:avLst/>
+          </a:prstGeom>
+          <a:noFill/>
+        </p:spPr>
+        <p:txBody>
+          <a:bodyPr wrap="square" rtlCol="0">
+            <a:spAutoFit/>
+          </a:bodyPr>
+          <a:lstStyle/>
+          <a:p>
+            <a:pPr marL="0" marR="0" lvl="0" indent="0" algn="l" defTabSz="914400" rtl="0" eaLnBrk="1" fontAlgn="auto" latinLnBrk="0" hangingPunct="1">
+              <a:lnSpc>
+                <a:spcPct val="100000"/>
+              </a:lnSpc>
+              <a:spcBef>
+                <a:spcPts val="0"/>
+              </a:spcBef>
+              <a:spcAft>
+                <a:spcPts val="0"/>
+              </a:spcAft>
+              <a:buClrTx/>
+              <a:buSzTx/>
+              <a:buFontTx/>
+              <a:buNone/>
+              <a:tabLst/>
+              <a:defRPr/>
+            </a:pPr>
+            <a:r>
+              <a:rPr kumimoji="0" lang="en-US" sz="3600" b="1" i="0" u="none" strike="noStrike" kern="1200" cap="none" spc="0" normalizeH="0" baseline="0" noProof="0" dirty="0">
+                <a:ln>
+                  <a:noFill/>
+                </a:ln>
+                <a:solidFill>
+                  <a:srgbClr val="5B9BD5">
+                    <a:lumMod val="50000"/>
+                  </a:srgbClr>
+                </a:solidFill>
+                <a:effectLst/>
+                <a:uLnTx/>
+                <a:uFillTx/>
+                <a:latin typeface="Calibri" panose="020F0502020204030204"/>
+                <a:ea typeface="+mn-ea"/>
+                <a:cs typeface="+mn-cs"/>
+              </a:rPr>
+              <a:t>Literature Review…. Calibri body -36</a:t>
+            </a:r>
+          </a:p>
+        </p:txBody>
+      </p:sp>
+      <p:cxnSp>
+        <p:nvCxnSpPr>
+          <p:cNvPr id="5" name="Straight Connector 4">
+            <a:extLst>
+              <a:ext uri="{FF2B5EF4-FFF2-40B4-BE49-F238E27FC236}">
+                <a16:creationId xmlns:a16="http://schemas.microsoft.com/office/drawing/2014/main" id="{6482FA27-CC19-E53F-CEF8-45D3A7286F2F}"/>
+              </a:ext>
+            </a:extLst>
+          </p:cNvPr>
+          <p:cNvCxnSpPr>
+            <a:cxnSpLocks/>
+          </p:cNvCxnSpPr>
+          <p:nvPr/>
+        </p:nvCxnSpPr>
+        <p:spPr>
+          <a:xfrm>
+            <a:off x="221274" y="1191756"/>
+            <a:ext cx="7305799" cy="0"/>
+          </a:xfrm>
+          <a:prstGeom prst="line">
+            <a:avLst/>
+          </a:prstGeom>
+          <a:ln w="28575">
+            <a:solidFill>
+              <a:schemeClr val="accent6"/>
+            </a:solidFill>
+          </a:ln>
+        </p:spPr>
+        <p:style>
+          <a:lnRef idx="1">
+            <a:schemeClr val="accent1"/>
+          </a:lnRef>
+          <a:fillRef idx="0">
+            <a:schemeClr val="accent1"/>
+          </a:fillRef>
+          <a:effectRef idx="0">
+            <a:schemeClr val="accent1"/>
+          </a:effectRef>
+          <a:fontRef idx="minor">
+            <a:schemeClr val="tx1"/>
+          </a:fontRef>
+        </p:style>
+      </p:cxnSp>
+      <p:sp>
+        <p:nvSpPr>
+          <p:cNvPr id="4" name="TextBox 3">
+            <a:extLst>
+              <a:ext uri="{FF2B5EF4-FFF2-40B4-BE49-F238E27FC236}">
+                <a16:creationId xmlns:a16="http://schemas.microsoft.com/office/drawing/2014/main" id="{2F76E1E8-A44B-E40A-20AF-379ECA553B85}"/>
+              </a:ext>
+            </a:extLst>
+          </p:cNvPr>
+          <p:cNvSpPr txBox="1"/>
+          <p:nvPr/>
+        </p:nvSpPr>
+        <p:spPr>
+          <a:xfrm>
+            <a:off x="6093893" y="57036"/>
+            <a:ext cx="6098107" cy="646331"/>
+          </a:xfrm>
+          <a:prstGeom prst="rect">
+            <a:avLst/>
+          </a:prstGeom>
+          <a:noFill/>
+        </p:spPr>
+        <p:txBody>
+          <a:bodyPr wrap="square" rtlCol="0">
+            <a:spAutoFit/>
+          </a:bodyPr>
+          <a:lstStyle/>
+          <a:p>
+            <a:pPr algn="r"/>
+            <a:r>
+              <a:rPr lang="en-US" sz="1800" b="1" i="1" dirty="0">
+                <a:solidFill>
+                  <a:srgbClr val="FFFFFF"/>
+                </a:solidFill>
+              </a:rPr>
+              <a:t>Project Title -  Calibri body 18</a:t>
+            </a:r>
+          </a:p>
+          <a:p>
+            <a:pPr algn="r"/>
+            <a:endParaRPr lang="en-US" dirty="0"/>
+          </a:p>
+        </p:txBody>
+      </p:sp>
+      <p:graphicFrame>
+        <p:nvGraphicFramePr>
+          <p:cNvPr id="7" name="Table 6">
+            <a:extLst>
+              <a:ext uri="{FF2B5EF4-FFF2-40B4-BE49-F238E27FC236}">
+                <a16:creationId xmlns:a16="http://schemas.microsoft.com/office/drawing/2014/main" id="{E58E5491-7098-193B-FF7F-F687579B398B}"/>
+              </a:ext>
+            </a:extLst>
+          </p:cNvPr>
+          <p:cNvGraphicFramePr>
+            <a:graphicFrameLocks noGrp="1"/>
+          </p:cNvGraphicFramePr>
+          <p:nvPr>
+            <p:extLst>
+              <p:ext uri="{D42A27DB-BD31-4B8C-83A1-F6EECF244321}">
+                <p14:modId xmlns:p14="http://schemas.microsoft.com/office/powerpoint/2010/main" val="2141699831"/>
+              </p:ext>
+            </p:extLst>
+          </p:nvPr>
+        </p:nvGraphicFramePr>
+        <p:xfrm>
+          <a:off x="405353" y="1443792"/>
+          <a:ext cx="11001081" cy="4155730"/>
+        </p:xfrm>
+        <a:graphic>
+          <a:graphicData uri="http://schemas.openxmlformats.org/drawingml/2006/table">
+            <a:tbl>
+              <a:tblPr firstRow="1" bandRow="1">
+                <a:tableStyleId>{5940675A-B579-460E-94D1-54222C63F5DA}</a:tableStyleId>
+              </a:tblPr>
+              <a:tblGrid>
+                <a:gridCol w="2583967">
+                  <a:extLst>
+                    <a:ext uri="{9D8B030D-6E8A-4147-A177-3AD203B41FA5}">
+                      <a16:colId xmlns:a16="http://schemas.microsoft.com/office/drawing/2014/main" val="2054719582"/>
+                    </a:ext>
+                  </a:extLst>
+                </a:gridCol>
+                <a:gridCol w="4697801">
+                  <a:extLst>
+                    <a:ext uri="{9D8B030D-6E8A-4147-A177-3AD203B41FA5}">
+                      <a16:colId xmlns:a16="http://schemas.microsoft.com/office/drawing/2014/main" val="3263257136"/>
+                    </a:ext>
+                  </a:extLst>
+                </a:gridCol>
+                <a:gridCol w="3719313">
+                  <a:extLst>
+                    <a:ext uri="{9D8B030D-6E8A-4147-A177-3AD203B41FA5}">
+                      <a16:colId xmlns:a16="http://schemas.microsoft.com/office/drawing/2014/main" val="2905125192"/>
+                    </a:ext>
+                  </a:extLst>
+                </a:gridCol>
+              </a:tblGrid>
+              <a:tr h="547243">
+                <a:tc>
+                  <a:txBody>
+                    <a:bodyPr/>
+                    <a:lstStyle/>
+                    <a:p>
+                      <a:r>
+                        <a:rPr lang="en-IN" dirty="0"/>
+                        <a:t>TITLE</a:t>
+                      </a:r>
+                    </a:p>
+                  </a:txBody>
+                  <a:tcPr/>
+                </a:tc>
+                <a:tc>
+                  <a:txBody>
+                    <a:bodyPr/>
+                    <a:lstStyle/>
+                    <a:p>
+                      <a:r>
+                        <a:rPr lang="en-IN" dirty="0"/>
+                        <a:t>Methodology</a:t>
+                      </a:r>
+                    </a:p>
+                  </a:txBody>
+                  <a:tcPr/>
+                </a:tc>
+                <a:tc>
+                  <a:txBody>
+                    <a:bodyPr/>
+                    <a:lstStyle/>
+                    <a:p>
+                      <a:r>
+                        <a:rPr lang="en-IN" dirty="0"/>
+                        <a:t>Inference</a:t>
+                      </a:r>
+                    </a:p>
+                  </a:txBody>
+                  <a:tcPr/>
+                </a:tc>
+                <a:extLst>
+                  <a:ext uri="{0D108BD9-81ED-4DB2-BD59-A6C34878D82A}">
+                    <a16:rowId xmlns:a16="http://schemas.microsoft.com/office/drawing/2014/main" val="972006589"/>
+                  </a:ext>
+                </a:extLst>
+              </a:tr>
+              <a:tr h="3608487">
+                <a:tc>
+                  <a:txBody>
+                    <a:bodyPr/>
+                    <a:lstStyle/>
+                    <a:p>
+                      <a:r>
+                        <a:rPr lang="en-US" i="1" dirty="0"/>
+                        <a:t>Diabetes Predicting mHealth Application Using Machine Learning</a:t>
+                      </a:r>
+                    </a:p>
+                    <a:p>
+                      <a:endParaRPr lang="en-US" i="1" dirty="0"/>
+                    </a:p>
+                    <a:p>
+                      <a:r>
+                        <a:rPr lang="en-US" i="1" dirty="0"/>
+                        <a:t>Year:</a:t>
+                      </a:r>
+                    </a:p>
+                    <a:p>
+                      <a:r>
+                        <a:rPr lang="en-US" dirty="0"/>
+                        <a:t> (2017 IEEE WIECON-ECE)</a:t>
+                      </a:r>
+                      <a:endParaRPr lang="en-IN" dirty="0"/>
+                    </a:p>
+                  </a:txBody>
+                  <a:tcPr/>
+                </a:tc>
+                <a:tc>
+                  <a:txBody>
+                    <a:bodyPr/>
+                    <a:lstStyle/>
+                    <a:p>
+                      <a:r>
+                        <a:rPr lang="en-IN" b="1" dirty="0"/>
+                        <a:t>Dataset</a:t>
+                      </a:r>
+                      <a:r>
+                        <a:rPr lang="en-IN" dirty="0"/>
+                        <a:t>: Survey data (191 participants, Bangladesh), features: age, BMI, gender, family diabetic history</a:t>
+                      </a:r>
+                      <a:br>
+                        <a:rPr lang="en-IN" dirty="0"/>
+                      </a:br>
+                      <a:r>
+                        <a:rPr lang="en-IN" b="1" dirty="0"/>
+                        <a:t>Preprocessing</a:t>
+                      </a:r>
+                      <a:r>
+                        <a:rPr lang="en-IN" dirty="0"/>
+                        <a:t>: Survey analysis, Pearson correlation, Chi-square test</a:t>
+                      </a:r>
+                      <a:br>
+                        <a:rPr lang="en-IN" dirty="0"/>
+                      </a:br>
+                      <a:r>
+                        <a:rPr lang="en-IN" b="1" dirty="0"/>
+                        <a:t>Model</a:t>
+                      </a:r>
+                      <a:r>
+                        <a:rPr lang="en-IN" dirty="0"/>
+                        <a:t>: Naive Bayes classifier</a:t>
+                      </a:r>
+                      <a:br>
+                        <a:rPr lang="en-IN" dirty="0"/>
+                      </a:br>
+                      <a:r>
+                        <a:rPr lang="en-IN" b="1" dirty="0"/>
+                        <a:t>Deployment</a:t>
+                      </a:r>
+                      <a:r>
+                        <a:rPr lang="en-IN" dirty="0"/>
+                        <a:t>: Android mHealth app (“Diabetes Predictor”), developed in Java &amp; Android Studio</a:t>
+                      </a:r>
+                    </a:p>
+                  </a:txBody>
+                  <a:tcPr/>
+                </a:tc>
+                <a:tc>
+                  <a:txBody>
+                    <a:bodyPr/>
+                    <a:lstStyle/>
+                    <a:p>
+                      <a:pPr marL="0" indent="0">
+                        <a:buFont typeface="Arial" panose="020B0604020202020204" pitchFamily="34" charset="0"/>
+                        <a:buNone/>
+                      </a:pPr>
+                      <a:r>
+                        <a:rPr lang="en-US" dirty="0"/>
+                        <a:t>he mHealth app classified users into </a:t>
+                      </a:r>
+                      <a:r>
+                        <a:rPr lang="en-US" b="1" dirty="0"/>
+                        <a:t>Diabetic, Prediabetic, or Nondiabetic</a:t>
+                      </a:r>
+                      <a:r>
+                        <a:rPr lang="en-US" dirty="0"/>
+                        <a:t> categories. Accuracy reached only </a:t>
+                      </a:r>
+                      <a:r>
+                        <a:rPr lang="en-US" b="1" dirty="0"/>
+                        <a:t>64%</a:t>
+                      </a:r>
+                      <a:r>
+                        <a:rPr lang="en-US" dirty="0"/>
+                        <a:t> due to small dataset and limited features. Useful for </a:t>
+                      </a:r>
+                      <a:r>
+                        <a:rPr lang="en-US" b="1" dirty="0"/>
+                        <a:t>basic self-assessment and awareness</a:t>
+                      </a:r>
+                      <a:r>
+                        <a:rPr lang="en-US" dirty="0"/>
+                        <a:t>, but lacks medical depth, personalization, and large-scale validation.</a:t>
+                      </a:r>
+                      <a:endParaRPr lang="en-IN" dirty="0"/>
+                    </a:p>
+                  </a:txBody>
+                  <a:tcPr/>
+                </a:tc>
+                <a:extLst>
+                  <a:ext uri="{0D108BD9-81ED-4DB2-BD59-A6C34878D82A}">
+                    <a16:rowId xmlns:a16="http://schemas.microsoft.com/office/drawing/2014/main" val="145990994"/>
+                  </a:ext>
+                </a:extLst>
+              </a:tr>
+            </a:tbl>
+          </a:graphicData>
+        </a:graphic>
+      </p:graphicFrame>
+    </p:spTree>
+    <p:extLst>
+      <p:ext uri="{BB962C8B-B14F-4D97-AF65-F5344CB8AC3E}">
+        <p14:creationId xmlns:p14="http://schemas.microsoft.com/office/powerpoint/2010/main" val="4058218361"/>
+      </p:ext>
+    </p:extLst>
+  </p:cSld>
+  <p:clrMapOvr>
+    <a:masterClrMapping/>
+  </p:clrMapOvr>
+  <mc:AlternateContent xmlns:mc="http://schemas.openxmlformats.org/markup-compatibility/2006" xmlns:p14="http://schemas.microsoft.com/office/powerpoint/2010/main">
+    <mc:Choice Requires="p14">
+      <p:transition spd="med" p14:dur="700">
+        <p:fade/>
+      </p:transition>
+    </mc:Choice>
+    <mc:Fallback xmlns="">
+      <p:transition spd="med">
+        <p:fade/>
+      </p:transition>
+    </mc:Fallback>
+  </mc:AlternateContent>
+</p:sld>
+</file>
+
+<file path=ppt/slides/slide11.xml><?xml version="1.0" encoding="utf-8"?>
+<p:sld xmlns:a="http://schemas.openxmlformats.org/drawingml/2006/main" xmlns:r="http://schemas.openxmlformats.org/officeDocument/2006/relationships" xmlns:p="http://schemas.openxmlformats.org/presentationml/2006/main">
+  <p:cSld>
+    <p:spTree>
+      <p:nvGrpSpPr>
+        <p:cNvPr id="1" name="">
+          <a:extLst>
+            <a:ext uri="{FF2B5EF4-FFF2-40B4-BE49-F238E27FC236}">
               <a16:creationId xmlns:a16="http://schemas.microsoft.com/office/drawing/2014/main" id="{4248E5DE-E5BF-CD2C-0317-1E716C71A0A8}"/>
             </a:ext>
           </a:extLst>
@@ -4798,7 +5232,7 @@
 </p:sld>
 </file>
 
-<file path=ppt/slides/slide11.xml><?xml version="1.0" encoding="utf-8"?>
+<file path=ppt/slides/slide12.xml><?xml version="1.0" encoding="utf-8"?>
 <p:sld xmlns:a="http://schemas.openxmlformats.org/drawingml/2006/main" xmlns:r="http://schemas.openxmlformats.org/officeDocument/2006/relationships" xmlns:p="http://schemas.openxmlformats.org/presentationml/2006/main">
   <p:cSld>
     <p:spTree>
@@ -5150,7 +5584,7 @@
 </p:sld>
 </file>
 
-<file path=ppt/slides/slide12.xml><?xml version="1.0" encoding="utf-8"?>
+<file path=ppt/slides/slide13.xml><?xml version="1.0" encoding="utf-8"?>
 <p:sld xmlns:a="http://schemas.openxmlformats.org/drawingml/2006/main" xmlns:r="http://schemas.openxmlformats.org/officeDocument/2006/relationships" xmlns:p="http://schemas.openxmlformats.org/presentationml/2006/main">
   <p:cSld>
     <p:spTree>
@@ -5230,7 +5664,7 @@
 </p:sld>
 </file>
 
-<file path=ppt/slides/slide13.xml><?xml version="1.0" encoding="utf-8"?>
+<file path=ppt/slides/slide14.xml><?xml version="1.0" encoding="utf-8"?>
 <p:sld xmlns:a="http://schemas.openxmlformats.org/drawingml/2006/main" xmlns:r="http://schemas.openxmlformats.org/officeDocument/2006/relationships" xmlns:p="http://schemas.openxmlformats.org/presentationml/2006/main">
   <p:cSld>
     <p:spTree>
@@ -5895,7 +6329,7 @@
 </p:sld>
 </file>
 
-<file path=ppt/slides/slide14.xml><?xml version="1.0" encoding="utf-8"?>
+<file path=ppt/slides/slide15.xml><?xml version="1.0" encoding="utf-8"?>
 <p:sld xmlns:a="http://schemas.openxmlformats.org/drawingml/2006/main" xmlns:r="http://schemas.openxmlformats.org/officeDocument/2006/relationships" xmlns:p="http://schemas.openxmlformats.org/presentationml/2006/main">
   <p:cSld>
     <p:spTree>
@@ -6588,7 +7022,7 @@
 </p:sld>
 </file>
 
-<file path=ppt/slides/slide15.xml><?xml version="1.0" encoding="utf-8"?>
+<file path=ppt/slides/slide16.xml><?xml version="1.0" encoding="utf-8"?>
 <p:sld xmlns:a="http://schemas.openxmlformats.org/drawingml/2006/main" xmlns:r="http://schemas.openxmlformats.org/officeDocument/2006/relationships" xmlns:p="http://schemas.openxmlformats.org/presentationml/2006/main">
   <p:cSld>
     <p:spTree>
@@ -6917,7 +7351,7 @@
 </p:sld>
 </file>
 
-<file path=ppt/slides/slide16.xml><?xml version="1.0" encoding="utf-8"?>
+<file path=ppt/slides/slide17.xml><?xml version="1.0" encoding="utf-8"?>
 <p:sld xmlns:a="http://schemas.openxmlformats.org/drawingml/2006/main" xmlns:r="http://schemas.openxmlformats.org/officeDocument/2006/relationships" xmlns:p="http://schemas.openxmlformats.org/presentationml/2006/main">
   <p:cSld>
     <p:spTree>
@@ -7274,7 +7708,7 @@
 </p:sld>
 </file>
 
-<file path=ppt/slides/slide17.xml><?xml version="1.0" encoding="utf-8"?>
+<file path=ppt/slides/slide18.xml><?xml version="1.0" encoding="utf-8"?>
 <p:sld xmlns:a="http://schemas.openxmlformats.org/drawingml/2006/main" xmlns:r="http://schemas.openxmlformats.org/officeDocument/2006/relationships" xmlns:p="http://schemas.openxmlformats.org/presentationml/2006/main">
   <p:cSld>
     <p:spTree>
@@ -8507,6 +8941,36 @@
           </a:p>
         </p:txBody>
       </p:sp>
+      <p:pic>
+        <p:nvPicPr>
+          <p:cNvPr id="7" name="Picture 6">
+            <a:extLst>
+              <a:ext uri="{FF2B5EF4-FFF2-40B4-BE49-F238E27FC236}">
+                <a16:creationId xmlns:a16="http://schemas.microsoft.com/office/drawing/2014/main" id="{A86C4850-19D1-5448-DE11-DFBFCC0B2042}"/>
+              </a:ext>
+            </a:extLst>
+          </p:cNvPr>
+          <p:cNvPicPr>
+            <a:picLocks noChangeAspect="1"/>
+          </p:cNvPicPr>
+          <p:nvPr/>
+        </p:nvPicPr>
+        <p:blipFill>
+          <a:blip r:embed="rId2"/>
+          <a:stretch>
+            <a:fillRect/>
+          </a:stretch>
+        </p:blipFill>
+        <p:spPr>
+          <a:xfrm>
+            <a:off x="423071" y="532996"/>
+            <a:ext cx="11345858" cy="5792008"/>
+          </a:xfrm>
+          <a:prstGeom prst="rect">
+            <a:avLst/>
+          </a:prstGeom>
+        </p:spPr>
+      </p:pic>
     </p:spTree>
     <p:extLst>
       <p:ext uri="{BB962C8B-B14F-4D97-AF65-F5344CB8AC3E}">
@@ -8724,14 +9188,14 @@
           <p:nvPr>
             <p:extLst>
               <p:ext uri="{D42A27DB-BD31-4B8C-83A1-F6EECF244321}">
-                <p14:modId xmlns:p14="http://schemas.microsoft.com/office/powerpoint/2010/main" val="445924343"/>
+                <p14:modId xmlns:p14="http://schemas.microsoft.com/office/powerpoint/2010/main" val="1598517759"/>
               </p:ext>
             </p:extLst>
           </p:nvPr>
         </p:nvGraphicFramePr>
         <p:xfrm>
           <a:off x="414779" y="1443792"/>
-          <a:ext cx="10465555" cy="4513882"/>
+          <a:ext cx="11312165" cy="4483402"/>
         </p:xfrm>
         <a:graphic>
           <a:graphicData uri="http://schemas.openxmlformats.org/drawingml/2006/table">
@@ -8740,21 +9204,21 @@
                 <a:tableStyleId>{5940675A-B579-460E-94D1-54222C63F5DA}</a:tableStyleId>
               </a:tblPr>
               <a:tblGrid>
-                <a:gridCol w="2450969">
+                <a:gridCol w="2649240">
                   <a:extLst>
                     <a:ext uri="{9D8B030D-6E8A-4147-A177-3AD203B41FA5}">
                       <a16:colId xmlns:a16="http://schemas.microsoft.com/office/drawing/2014/main" val="2054719582"/>
                     </a:ext>
                   </a:extLst>
                 </a:gridCol>
-                <a:gridCol w="4473140">
+                <a:gridCol w="4834994">
                   <a:extLst>
                     <a:ext uri="{9D8B030D-6E8A-4147-A177-3AD203B41FA5}">
                       <a16:colId xmlns:a16="http://schemas.microsoft.com/office/drawing/2014/main" val="3263257136"/>
                     </a:ext>
                   </a:extLst>
                 </a:gridCol>
-                <a:gridCol w="3541446">
+                <a:gridCol w="3827931">
                   <a:extLst>
                     <a:ext uri="{9D8B030D-6E8A-4147-A177-3AD203B41FA5}">
                       <a16:colId xmlns:a16="http://schemas.microsoft.com/office/drawing/2014/main" val="2905125192"/>
@@ -8853,15 +9317,15 @@
                         <a:buChar char="•"/>
                       </a:pPr>
                       <a:r>
-                        <a:rPr lang="en-IN" dirty="0"/>
+                        <a:rPr lang="en-IN" sz="1400" dirty="0"/>
                         <a:t>Dataset: </a:t>
                       </a:r>
                       <a:r>
-                        <a:rPr lang="en-IN" b="1" dirty="0"/>
+                        <a:rPr lang="en-IN" sz="1400" b="1" dirty="0"/>
                         <a:t>Pima Indians Diabetes Dataset</a:t>
                       </a:r>
                       <a:r>
-                        <a:rPr lang="en-IN" dirty="0"/>
+                        <a:rPr lang="en-IN" sz="1400" dirty="0"/>
                         <a:t> (~768 samples, 8 features).</a:t>
                       </a:r>
                     </a:p>
@@ -8871,7 +9335,7 @@
                         <a:buChar char="•"/>
                       </a:pPr>
                       <a:r>
-                        <a:rPr lang="en-IN" dirty="0"/>
+                        <a:rPr lang="en-IN" sz="1400" dirty="0"/>
                         <a:t>Preprocessing: Data cleaning, removal of zero values, correlation analysis.</a:t>
                       </a:r>
                     </a:p>
@@ -8881,15 +9345,15 @@
                         <a:buChar char="•"/>
                       </a:pPr>
                       <a:r>
-                        <a:rPr lang="en-IN" dirty="0"/>
+                        <a:rPr lang="en-IN" sz="1400" dirty="0"/>
                         <a:t>Models used: </a:t>
                       </a:r>
                       <a:r>
-                        <a:rPr lang="en-IN" b="1" dirty="0"/>
+                        <a:rPr lang="en-IN" sz="1400" b="1" dirty="0"/>
                         <a:t>SVM, Decision Tree, Random Forest, Naive Bayes</a:t>
                       </a:r>
                       <a:r>
-                        <a:rPr lang="en-IN" dirty="0"/>
+                        <a:rPr lang="en-IN" sz="1400" dirty="0"/>
                         <a:t>.</a:t>
                       </a:r>
                     </a:p>
@@ -8899,15 +9363,15 @@
                         <a:buChar char="•"/>
                       </a:pPr>
                       <a:r>
-                        <a:rPr lang="en-IN" dirty="0"/>
+                        <a:rPr lang="en-IN" sz="1400" dirty="0"/>
                         <a:t>Data split: </a:t>
                       </a:r>
                       <a:r>
-                        <a:rPr lang="en-IN" b="1" dirty="0"/>
+                        <a:rPr lang="en-IN" sz="1400" b="1" dirty="0"/>
                         <a:t>75% training, 25% testing</a:t>
                       </a:r>
                       <a:r>
-                        <a:rPr lang="en-IN" dirty="0"/>
+                        <a:rPr lang="en-IN" sz="1400" dirty="0"/>
                         <a:t>.</a:t>
                       </a:r>
                     </a:p>
@@ -8917,7 +9381,7 @@
                         <a:buChar char="•"/>
                       </a:pPr>
                       <a:r>
-                        <a:rPr lang="en-IN" dirty="0"/>
+                        <a:rPr lang="en-IN" sz="1400" dirty="0"/>
                         <a:t>Evaluation: Confusion matrix and accuracy score.</a:t>
                       </a:r>
                     </a:p>
@@ -8927,17 +9391,112 @@
                         <a:buChar char="•"/>
                       </a:pPr>
                       <a:r>
-                        <a:rPr lang="en-IN" dirty="0"/>
+                        <a:rPr lang="en-IN" sz="1400" dirty="0"/>
                         <a:t>Deployment: </a:t>
                       </a:r>
                       <a:r>
-                        <a:rPr lang="en-IN" b="1" dirty="0"/>
+                        <a:rPr lang="en-IN" sz="1400" b="1" dirty="0"/>
                         <a:t>Flask web app</a:t>
                       </a:r>
                       <a:r>
-                        <a:rPr lang="en-IN" dirty="0"/>
+                        <a:rPr lang="en-IN" sz="1400" dirty="0"/>
                         <a:t> for user interaction</a:t>
                       </a:r>
+                    </a:p>
+                    <a:p>
+                      <a:pPr marL="285750" indent="-285750">
+                        <a:buFont typeface="Arial" panose="020B0604020202020204" pitchFamily="34" charset="0"/>
+                        <a:buChar char="•"/>
+                      </a:pPr>
+                      <a:r>
+                        <a:rPr lang="en-IN" sz="1400" dirty="0"/>
+                        <a:t>------</a:t>
+                      </a:r>
+                    </a:p>
+                    <a:p>
+                      <a:pPr marL="285750" indent="-285750">
+                        <a:buFont typeface="Arial" panose="020B0604020202020204" pitchFamily="34" charset="0"/>
+                        <a:buChar char="•"/>
+                      </a:pPr>
+                      <a:r>
+                        <a:rPr lang="en-IN" sz="1400" b="1" i="0" kern="1200" dirty="0">
+                          <a:solidFill>
+                            <a:schemeClr val="tx1"/>
+                          </a:solidFill>
+                          <a:effectLst/>
+                          <a:latin typeface="+mn-lt"/>
+                          <a:ea typeface="+mn-ea"/>
+                          <a:cs typeface="+mn-cs"/>
+                        </a:rPr>
+                        <a:t> ML Models:</a:t>
+                      </a:r>
+                      <a:r>
+                        <a:rPr lang="en-IN" sz="1400" b="0" i="0" kern="1200" dirty="0">
+                          <a:solidFill>
+                            <a:schemeClr val="tx1"/>
+                          </a:solidFill>
+                          <a:effectLst/>
+                          <a:latin typeface="+mn-lt"/>
+                          <a:ea typeface="+mn-ea"/>
+                          <a:cs typeface="+mn-cs"/>
+                        </a:rPr>
+                        <a:t> Random Forest, SVM, Naive Bayes, Decision Tree on the Pima dataset.</a:t>
+                      </a:r>
+                      <a:br>
+                        <a:rPr lang="en-IN" sz="1400" dirty="0"/>
+                      </a:br>
+                      <a:r>
+                        <a:rPr lang="en-IN" sz="1400" b="1" i="0" kern="1200" dirty="0">
+                          <a:solidFill>
+                            <a:schemeClr val="tx1"/>
+                          </a:solidFill>
+                          <a:effectLst/>
+                          <a:latin typeface="+mn-lt"/>
+                          <a:ea typeface="+mn-ea"/>
+                          <a:cs typeface="+mn-cs"/>
+                        </a:rPr>
+                        <a:t>- Web Framework:</a:t>
+                      </a:r>
+                      <a:r>
+                        <a:rPr lang="en-IN" sz="1400" b="0" i="0" kern="1200" dirty="0">
+                          <a:solidFill>
+                            <a:schemeClr val="tx1"/>
+                          </a:solidFill>
+                          <a:effectLst/>
+                          <a:latin typeface="+mn-lt"/>
+                          <a:ea typeface="+mn-ea"/>
+                          <a:cs typeface="+mn-cs"/>
+                        </a:rPr>
+                        <a:t> Flask for a simple web application.</a:t>
+                      </a:r>
+                      <a:br>
+                        <a:rPr lang="en-IN" sz="1400" dirty="0"/>
+                      </a:br>
+                      <a:r>
+                        <a:rPr lang="en-IN" sz="1400" b="1" i="0" kern="1200" dirty="0">
+                          <a:solidFill>
+                            <a:schemeClr val="tx1"/>
+                          </a:solidFill>
+                          <a:effectLst/>
+                          <a:latin typeface="+mn-lt"/>
+                          <a:ea typeface="+mn-ea"/>
+                          <a:cs typeface="+mn-cs"/>
+                        </a:rPr>
+                        <a:t>- Focus:</a:t>
+                      </a:r>
+                      <a:r>
+                        <a:rPr lang="en-IN" sz="1400" b="0" i="0" kern="1200" dirty="0">
+                          <a:solidFill>
+                            <a:schemeClr val="tx1"/>
+                          </a:solidFill>
+                          <a:effectLst/>
+                          <a:latin typeface="+mn-lt"/>
+                          <a:ea typeface="+mn-ea"/>
+                          <a:cs typeface="+mn-cs"/>
+                        </a:rPr>
+                        <a:t> Pure classification (Diabetic/Non-Diabetic).</a:t>
+                      </a:r>
+                      <a:endParaRPr lang="en-IN" sz="1400" dirty="0"/>
                     </a:p>
                     <a:p>
                       <a:endParaRPr lang="en-IN" dirty="0"/>
@@ -8955,19 +9514,19 @@
                         <a:buChar char="•"/>
                       </a:pPr>
                       <a:r>
-                        <a:rPr lang="en-US" b="1" dirty="0"/>
+                        <a:rPr lang="en-US" sz="1400" b="1" dirty="0"/>
                         <a:t>Random Forest</a:t>
                       </a:r>
                       <a:r>
-                        <a:rPr lang="en-US" dirty="0"/>
+                        <a:rPr lang="en-US" sz="1400" dirty="0"/>
                         <a:t> gave the best accuracy (</a:t>
                       </a:r>
                       <a:r>
-                        <a:rPr lang="en-US" b="1" dirty="0"/>
+                        <a:rPr lang="en-US" sz="1400" b="1" dirty="0"/>
                         <a:t>96.6%</a:t>
                       </a:r>
                       <a:r>
-                        <a:rPr lang="en-US" dirty="0"/>
+                        <a:rPr lang="en-US" sz="1400" dirty="0"/>
                         <a:t>) for diabetes prediction.</a:t>
                       </a:r>
                     </a:p>
@@ -8977,15 +9536,15 @@
                         <a:buChar char="•"/>
                       </a:pPr>
                       <a:r>
-                        <a:rPr lang="en-US" dirty="0"/>
+                        <a:rPr lang="en-US" sz="1400" dirty="0"/>
                         <a:t>System predicts </a:t>
                       </a:r>
                       <a:r>
-                        <a:rPr lang="en-US" b="1" dirty="0"/>
+                        <a:rPr lang="en-US" sz="1400" b="1" dirty="0"/>
                         <a:t>binary outcome</a:t>
                       </a:r>
                       <a:r>
-                        <a:rPr lang="en-US" dirty="0"/>
+                        <a:rPr lang="en-US" sz="1400" dirty="0"/>
                         <a:t> (diabetic vs. non-diabetic).</a:t>
                       </a:r>
                     </a:p>
@@ -8995,12 +9554,112 @@
                         <a:buChar char="•"/>
                       </a:pPr>
                       <a:r>
-                        <a:rPr lang="en-US" dirty="0"/>
+                        <a:rPr lang="en-US" sz="1400" dirty="0"/>
                         <a:t>Demonstrates feasibility of ML in diabetes prediction but limited by small dataset and lack of lifestyle factors</a:t>
                       </a:r>
                     </a:p>
                     <a:p>
-                      <a:endParaRPr lang="en-IN" dirty="0"/>
+                      <a:pPr marL="285750" indent="-285750">
+                        <a:buFont typeface="Arial" panose="020B0604020202020204" pitchFamily="34" charset="0"/>
+                        <a:buChar char="•"/>
+                      </a:pPr>
+                      <a:r>
+                        <a:rPr lang="en-US" sz="1400" dirty="0"/>
+                        <a:t>---</a:t>
+                      </a:r>
+                    </a:p>
+                    <a:p>
+                      <a:r>
+                        <a:rPr lang="en-US" sz="1400" b="0" i="0" kern="1200" dirty="0">
+                          <a:solidFill>
+                            <a:schemeClr val="tx1"/>
+                          </a:solidFill>
+                          <a:effectLst/>
+                          <a:latin typeface="+mn-lt"/>
+                          <a:ea typeface="+mn-ea"/>
+                          <a:cs typeface="+mn-cs"/>
+                        </a:rPr>
+                        <a:t>Achieves high prediction accuracy (</a:t>
+                      </a:r>
+                      <a:r>
+                        <a:rPr lang="en-US" sz="1400" b="1" i="0" kern="1200" dirty="0">
+                          <a:solidFill>
+                            <a:schemeClr val="tx1"/>
+                          </a:solidFill>
+                          <a:effectLst/>
+                          <a:latin typeface="+mn-lt"/>
+                          <a:ea typeface="+mn-ea"/>
+                          <a:cs typeface="+mn-cs"/>
+                        </a:rPr>
+                        <a:t>Random Forest: 96.6%</a:t>
+                      </a:r>
+                      <a:r>
+                        <a:rPr lang="en-US" sz="1400" b="0" i="0" kern="1200" dirty="0">
+                          <a:solidFill>
+                            <a:schemeClr val="tx1"/>
+                          </a:solidFill>
+                          <a:effectLst/>
+                          <a:latin typeface="+mn-lt"/>
+                          <a:ea typeface="+mn-ea"/>
+                          <a:cs typeface="+mn-cs"/>
+                        </a:rPr>
+                        <a:t>). Proves the effectiveness of ML for medical diagnosis.</a:t>
+                      </a:r>
+                      <a:br>
+                        <a:rPr lang="en-US" sz="1400" dirty="0"/>
+                      </a:br>
+                      <a:r>
+                        <a:rPr lang="en-US" sz="1400" b="1" i="0" kern="1200" dirty="0">
+                          <a:solidFill>
+                            <a:schemeClr val="tx1"/>
+                          </a:solidFill>
+                          <a:effectLst/>
+                          <a:latin typeface="+mn-lt"/>
+                          <a:ea typeface="+mn-ea"/>
+                          <a:cs typeface="+mn-cs"/>
+                        </a:rPr>
+                        <a:t>Strengths:</a:t>
+                      </a:r>
+                      <a:r>
+                        <a:rPr lang="en-US" sz="1400" b="0" i="0" kern="1200" dirty="0">
+                          <a:solidFill>
+                            <a:schemeClr val="tx1"/>
+                          </a:solidFill>
+                          <a:effectLst/>
+                          <a:latin typeface="+mn-lt"/>
+                          <a:ea typeface="+mn-ea"/>
+                          <a:cs typeface="+mn-cs"/>
+                        </a:rPr>
+                        <a:t> Simplicity, strong benchmark results.</a:t>
+                      </a:r>
+                      <a:br>
+                        <a:rPr lang="en-US" sz="1400" dirty="0"/>
+                      </a:br>
+                      <a:r>
+                        <a:rPr lang="en-US" sz="1400" b="1" i="0" kern="1200" dirty="0">
+                          <a:solidFill>
+                            <a:schemeClr val="tx1"/>
+                          </a:solidFill>
+                          <a:effectLst/>
+                          <a:latin typeface="+mn-lt"/>
+                          <a:ea typeface="+mn-ea"/>
+                          <a:cs typeface="+mn-cs"/>
+                        </a:rPr>
+                        <a:t>Limitations:</a:t>
+                      </a:r>
+                      <a:r>
+                        <a:rPr lang="en-US" sz="1400" b="0" i="0" kern="1200" dirty="0">
+                          <a:solidFill>
+                            <a:schemeClr val="tx1"/>
+                          </a:solidFill>
+                          <a:effectLst/>
+                          <a:latin typeface="+mn-lt"/>
+                          <a:ea typeface="+mn-ea"/>
+                          <a:cs typeface="+mn-cs"/>
+                        </a:rPr>
+                        <a:t> Limited dataset, no real-time data, basic frontend, no personalized feedback.</a:t>
+                      </a:r>
+                      <a:endParaRPr lang="en-IN" sz="1400" dirty="0"/>
                     </a:p>
                   </a:txBody>
                   <a:tcPr/>
@@ -11161,7 +11820,7 @@
         <p:cNvPr id="1" name="">
           <a:extLst>
             <a:ext uri="{FF2B5EF4-FFF2-40B4-BE49-F238E27FC236}">
-              <a16:creationId xmlns:a16="http://schemas.microsoft.com/office/drawing/2014/main" id="{72B8B7C3-BB9E-1A5A-006A-4AAA0DE84F59}"/>
+              <a16:creationId xmlns:a16="http://schemas.microsoft.com/office/drawing/2014/main" id="{ABA48BCD-F019-86BE-E53E-BD9AB9B9C8A9}"/>
             </a:ext>
           </a:extLst>
         </p:cNvPr>
@@ -11181,7 +11840,7 @@
           <p:cNvPr id="3" name="TextBox 2">
             <a:extLst>
               <a:ext uri="{FF2B5EF4-FFF2-40B4-BE49-F238E27FC236}">
-                <a16:creationId xmlns:a16="http://schemas.microsoft.com/office/drawing/2014/main" id="{4B6EA69C-E476-DF70-F17D-771A4EEA4C4F}"/>
+                <a16:creationId xmlns:a16="http://schemas.microsoft.com/office/drawing/2014/main" id="{25D3D016-5139-9FA2-76B4-64C0D58024E8}"/>
               </a:ext>
             </a:extLst>
           </p:cNvPr>
@@ -11248,7 +11907,7 @@
           <p:cNvPr id="5" name="Straight Connector 4">
             <a:extLst>
               <a:ext uri="{FF2B5EF4-FFF2-40B4-BE49-F238E27FC236}">
-                <a16:creationId xmlns:a16="http://schemas.microsoft.com/office/drawing/2014/main" id="{6482FA27-CC19-E53F-CEF8-45D3A7286F2F}"/>
+                <a16:creationId xmlns:a16="http://schemas.microsoft.com/office/drawing/2014/main" id="{BFDF6A1E-7067-5E1D-F9B0-BC1C9C5B8A59}"/>
               </a:ext>
             </a:extLst>
           </p:cNvPr>
@@ -11291,7 +11950,7 @@
           <p:cNvPr id="4" name="TextBox 3">
             <a:extLst>
               <a:ext uri="{FF2B5EF4-FFF2-40B4-BE49-F238E27FC236}">
-                <a16:creationId xmlns:a16="http://schemas.microsoft.com/office/drawing/2014/main" id="{2F76E1E8-A44B-E40A-20AF-379ECA553B85}"/>
+                <a16:creationId xmlns:a16="http://schemas.microsoft.com/office/drawing/2014/main" id="{D40EFE70-51B8-2A94-E024-97735B5CD49B}"/>
               </a:ext>
             </a:extLst>
           </p:cNvPr>
@@ -11335,7 +11994,7 @@
           <p:cNvPr id="7" name="Table 6">
             <a:extLst>
               <a:ext uri="{FF2B5EF4-FFF2-40B4-BE49-F238E27FC236}">
-                <a16:creationId xmlns:a16="http://schemas.microsoft.com/office/drawing/2014/main" id="{E58E5491-7098-193B-FF7F-F687579B398B}"/>
+                <a16:creationId xmlns:a16="http://schemas.microsoft.com/office/drawing/2014/main" id="{C31CB538-8FED-43BA-820F-6A975BBC5B30}"/>
               </a:ext>
             </a:extLst>
           </p:cNvPr>
@@ -11345,7 +12004,7 @@
           <p:nvPr>
             <p:extLst>
               <p:ext uri="{D42A27DB-BD31-4B8C-83A1-F6EECF244321}">
-                <p14:modId xmlns:p14="http://schemas.microsoft.com/office/powerpoint/2010/main" val="2141699831"/>
+                <p14:modId xmlns:p14="http://schemas.microsoft.com/office/powerpoint/2010/main" val="2162702849"/>
               </p:ext>
             </p:extLst>
           </p:nvPr>
@@ -11436,23 +12095,14 @@
                     <a:lstStyle/>
                     <a:p>
                       <a:r>
-                        <a:rPr lang="en-US" i="1" dirty="0"/>
-                        <a:t>Diabetes Predicting mHealth Application Using Machine Learning</a:t>
+                        <a:rPr lang="en-US" dirty="0"/>
+                        <a:t>Diabetes Prediction and Classification Using Machine Learning and Deep Learning: A Chatbot-Based Approach</a:t>
                       </a:r>
                     </a:p>
                     <a:p>
-                      <a:endParaRPr lang="en-US" i="1" dirty="0"/>
-                    </a:p>
-                    <a:p>
-                      <a:r>
-                        <a:rPr lang="en-US" i="1" dirty="0"/>
-                        <a:t>Year:</a:t>
-                      </a:r>
-                    </a:p>
-                    <a:p>
                       <a:r>
                         <a:rPr lang="en-US" dirty="0"/>
-                        <a:t> (2017 IEEE WIECON-ECE)</a:t>
+                        <a:t>Year:2025</a:t>
                       </a:r>
                       <a:endParaRPr lang="en-IN" dirty="0"/>
                     </a:p>
@@ -11464,47 +12114,7 @@
                     <a:bodyPr/>
                     <a:lstStyle/>
                     <a:p>
-                      <a:r>
-                        <a:rPr lang="en-IN" b="1" dirty="0"/>
-                        <a:t>Dataset</a:t>
-                      </a:r>
-                      <a:r>
-                        <a:rPr lang="en-IN" dirty="0"/>
-                        <a:t>: Survey data (191 participants, Bangladesh), features: age, BMI, gender, family diabetic history</a:t>
-                      </a:r>
-                      <a:br>
-                        <a:rPr lang="en-IN" dirty="0"/>
-                      </a:br>
-                      <a:r>
-                        <a:rPr lang="en-IN" b="1" dirty="0"/>
-                        <a:t>Preprocessing</a:t>
-                      </a:r>
-                      <a:r>
-                        <a:rPr lang="en-IN" dirty="0"/>
-                        <a:t>: Survey analysis, Pearson correlation, Chi-square test</a:t>
-                      </a:r>
-                      <a:br>
-                        <a:rPr lang="en-IN" dirty="0"/>
-                      </a:br>
-                      <a:r>
-                        <a:rPr lang="en-IN" b="1" dirty="0"/>
-                        <a:t>Model</a:t>
-                      </a:r>
-                      <a:r>
-                        <a:rPr lang="en-IN" dirty="0"/>
-                        <a:t>: Naive Bayes classifier</a:t>
-                      </a:r>
-                      <a:br>
-                        <a:rPr lang="en-IN" dirty="0"/>
-                      </a:br>
-                      <a:r>
-                        <a:rPr lang="en-IN" b="1" dirty="0"/>
-                        <a:t>Deployment</a:t>
-                      </a:r>
-                      <a:r>
-                        <a:rPr lang="en-IN" dirty="0"/>
-                        <a:t>: Android mHealth app (“Diabetes Predictor”), developed in Java &amp; Android Studio</a:t>
-                      </a:r>
+                      <a:endParaRPr lang="en-IN" dirty="0"/>
                     </a:p>
                   </a:txBody>
                   <a:tcPr/>
@@ -11518,34 +12128,6 @@
                         <a:buFont typeface="Arial" panose="020B0604020202020204" pitchFamily="34" charset="0"/>
                         <a:buNone/>
                       </a:pPr>
-                      <a:r>
-                        <a:rPr lang="en-US" dirty="0"/>
-                        <a:t>he mHealth app classified users into </a:t>
-                      </a:r>
-                      <a:r>
-                        <a:rPr lang="en-US" b="1" dirty="0"/>
-                        <a:t>Diabetic, Prediabetic, or Nondiabetic</a:t>
-                      </a:r>
-                      <a:r>
-                        <a:rPr lang="en-US" dirty="0"/>
-                        <a:t> categories. Accuracy reached only </a:t>
-                      </a:r>
-                      <a:r>
-                        <a:rPr lang="en-US" b="1" dirty="0"/>
-                        <a:t>64%</a:t>
-                      </a:r>
-                      <a:r>
-                        <a:rPr lang="en-US" dirty="0"/>
-                        <a:t> due to small dataset and limited features. Useful for </a:t>
-                      </a:r>
-                      <a:r>
-                        <a:rPr lang="en-US" b="1" dirty="0"/>
-                        <a:t>basic self-assessment and awareness</a:t>
-                      </a:r>
-                      <a:r>
-                        <a:rPr lang="en-US" dirty="0"/>
-                        <a:t>, but lacks medical depth, personalization, and large-scale validation.</a:t>
-                      </a:r>
                       <a:endParaRPr lang="en-IN" dirty="0"/>
                     </a:p>
                   </a:txBody>
@@ -11564,7 +12146,7 @@
     </p:spTree>
     <p:extLst>
       <p:ext uri="{BB962C8B-B14F-4D97-AF65-F5344CB8AC3E}">
-        <p14:creationId xmlns:p14="http://schemas.microsoft.com/office/powerpoint/2010/main" val="4058218361"/>
+        <p14:creationId xmlns:p14="http://schemas.microsoft.com/office/powerpoint/2010/main" val="437387017"/>
       </p:ext>
     </p:extLst>
   </p:cSld>
